--- a/P4/Pelec_03_presentation.pptx
+++ b/P4/Pelec_03_presentation.pptx
@@ -217,7 +217,7 @@
           <a:p>
             <a:fld id="{439FA708-23F5-414F-9D15-73C30E6731CC}" type="datetimeFigureOut">
               <a:rPr lang="en-GB" smtClean="0"/>
-              <a:t>16/09/2021</a:t>
+              <a:t>20/09/2021</a:t>
             </a:fld>
             <a:endParaRPr lang="en-GB"/>
           </a:p>
@@ -1732,7 +1732,7 @@
           <a:p>
             <a:fld id="{14EE03E6-EAC1-4C11-BDA5-EE1130A09993}" type="datetime1">
               <a:rPr lang="en-US" smtClean="0"/>
-              <a:t>9/16/2021</a:t>
+              <a:t>9/20/2021</a:t>
             </a:fld>
             <a:endParaRPr lang="en-US"/>
           </a:p>
@@ -1978,7 +1978,7 @@
           <a:p>
             <a:fld id="{F4697262-56CF-4BEA-A29D-F5ECAC77AFD3}" type="datetime1">
               <a:rPr lang="en-US" smtClean="0"/>
-              <a:t>9/16/2021</a:t>
+              <a:t>9/20/2021</a:t>
             </a:fld>
             <a:endParaRPr lang="en-US"/>
           </a:p>
@@ -2287,7 +2287,7 @@
           <a:p>
             <a:fld id="{2B98699C-61EF-44EE-BEC5-CE0778EDCF09}" type="datetime1">
               <a:rPr lang="en-US" smtClean="0"/>
-              <a:t>9/16/2021</a:t>
+              <a:t>9/20/2021</a:t>
             </a:fld>
             <a:endParaRPr lang="en-US"/>
           </a:p>
@@ -2615,7 +2615,7 @@
           <a:p>
             <a:fld id="{2A33F3EC-DD9B-4BCB-B119-E82A254E8710}" type="datetime1">
               <a:rPr lang="en-US" smtClean="0"/>
-              <a:t>9/16/2021</a:t>
+              <a:t>9/20/2021</a:t>
             </a:fld>
             <a:endParaRPr lang="en-US"/>
           </a:p>
@@ -2924,7 +2924,7 @@
           <a:p>
             <a:fld id="{C82A4BAB-BAF1-4977-9A25-16E4ACAE60F6}" type="datetime1">
               <a:rPr lang="en-US" smtClean="0"/>
-              <a:t>9/16/2021</a:t>
+              <a:t>9/20/2021</a:t>
             </a:fld>
             <a:endParaRPr lang="en-US"/>
           </a:p>
@@ -3312,7 +3312,7 @@
           <a:p>
             <a:fld id="{AC21686A-FA36-43C5-BF8C-DEB2FD6E7B9A}" type="datetime1">
               <a:rPr lang="en-US" smtClean="0"/>
-              <a:t>9/16/2021</a:t>
+              <a:t>9/20/2021</a:t>
             </a:fld>
             <a:endParaRPr lang="en-US"/>
           </a:p>
@@ -3476,7 +3476,7 @@
           <a:p>
             <a:fld id="{9B7A9E00-D1DB-4824-9209-E2835219E8E3}" type="datetime1">
               <a:rPr lang="en-US" smtClean="0"/>
-              <a:t>9/16/2021</a:t>
+              <a:t>9/20/2021</a:t>
             </a:fld>
             <a:endParaRPr lang="en-US"/>
           </a:p>
@@ -3649,7 +3649,7 @@
           <a:p>
             <a:fld id="{AB4830E1-F1D8-4BED-A364-3A9CEA59D00D}" type="datetime1">
               <a:rPr lang="en-US" smtClean="0"/>
-              <a:t>9/16/2021</a:t>
+              <a:t>9/20/2021</a:t>
             </a:fld>
             <a:endParaRPr lang="en-US"/>
           </a:p>
@@ -3813,7 +3813,7 @@
           <a:p>
             <a:fld id="{3615F947-12A1-4E32-BC02-5629094B2B47}" type="datetime1">
               <a:rPr lang="en-US" smtClean="0"/>
-              <a:t>9/16/2021</a:t>
+              <a:t>9/20/2021</a:t>
             </a:fld>
             <a:endParaRPr lang="en-US"/>
           </a:p>
@@ -4054,7 +4054,7 @@
           <a:p>
             <a:fld id="{547A49F2-6671-490D-8F8A-D1D5B6F7CB8A}" type="datetime1">
               <a:rPr lang="en-US" smtClean="0"/>
-              <a:t>9/16/2021</a:t>
+              <a:t>9/20/2021</a:t>
             </a:fld>
             <a:endParaRPr lang="en-US"/>
           </a:p>
@@ -4279,7 +4279,7 @@
           <a:p>
             <a:fld id="{B3FD57FB-CC18-434F-B041-ACAE83D55583}" type="datetime1">
               <a:rPr lang="en-US" smtClean="0"/>
-              <a:t>9/16/2021</a:t>
+              <a:t>9/20/2021</a:t>
             </a:fld>
             <a:endParaRPr lang="en-US"/>
           </a:p>
@@ -4645,7 +4645,7 @@
           <a:p>
             <a:fld id="{E128A3EF-4BCA-4431-8F42-46EDF39ACEEF}" type="datetime1">
               <a:rPr lang="en-US" smtClean="0"/>
-              <a:t>9/16/2021</a:t>
+              <a:t>9/20/2021</a:t>
             </a:fld>
             <a:endParaRPr lang="en-US"/>
           </a:p>
@@ -4763,7 +4763,7 @@
           <a:p>
             <a:fld id="{4A396F4C-7D1B-493D-82E3-69F23383E538}" type="datetime1">
               <a:rPr lang="en-US" smtClean="0"/>
-              <a:t>9/16/2021</a:t>
+              <a:t>9/20/2021</a:t>
             </a:fld>
             <a:endParaRPr lang="en-US"/>
           </a:p>
@@ -4854,7 +4854,7 @@
           <a:p>
             <a:fld id="{96C8C6E6-9E00-4431-8010-0FF918CE9974}" type="datetime1">
               <a:rPr lang="en-US" smtClean="0"/>
-              <a:t>9/16/2021</a:t>
+              <a:t>9/20/2021</a:t>
             </a:fld>
             <a:endParaRPr lang="en-US"/>
           </a:p>
@@ -5103,7 +5103,7 @@
           <a:p>
             <a:fld id="{8062E73E-365E-4758-917F-E616B2D68306}" type="datetime1">
               <a:rPr lang="en-US" smtClean="0"/>
-              <a:t>9/16/2021</a:t>
+              <a:t>9/20/2021</a:t>
             </a:fld>
             <a:endParaRPr lang="en-US"/>
           </a:p>
@@ -5402,7 +5402,7 @@
           <a:p>
             <a:fld id="{050A9413-29E6-47C1-B028-9FC3BEB4C824}" type="datetime1">
               <a:rPr lang="en-US" smtClean="0"/>
-              <a:t>9/16/2021</a:t>
+              <a:t>9/20/2021</a:t>
             </a:fld>
             <a:endParaRPr lang="en-US"/>
           </a:p>
@@ -6097,7 +6097,7 @@
           <a:p>
             <a:fld id="{E2DDCC88-22E6-4F3E-B061-6A8AEB630216}" type="datetime1">
               <a:rPr lang="en-US" smtClean="0"/>
-              <a:t>9/16/2021</a:t>
+              <a:t>9/20/2021</a:t>
             </a:fld>
             <a:endParaRPr lang="en-US"/>
           </a:p>

--- a/P4/Pelec_03_presentation.pptx
+++ b/P4/Pelec_03_presentation.pptx
@@ -5,7 +5,7 @@
     <p:sldMasterId id="2147483648" r:id="rId1"/>
   </p:sldMasterIdLst>
   <p:notesMasterIdLst>
-    <p:notesMasterId r:id="rId23"/>
+    <p:notesMasterId r:id="rId28"/>
   </p:notesMasterIdLst>
   <p:sldIdLst>
     <p:sldId id="256" r:id="rId2"/>
@@ -16,19 +16,24 @@
     <p:sldId id="266" r:id="rId7"/>
     <p:sldId id="278" r:id="rId8"/>
     <p:sldId id="279" r:id="rId9"/>
-    <p:sldId id="281" r:id="rId10"/>
-    <p:sldId id="271" r:id="rId11"/>
-    <p:sldId id="290" r:id="rId12"/>
-    <p:sldId id="267" r:id="rId13"/>
-    <p:sldId id="258" r:id="rId14"/>
-    <p:sldId id="277" r:id="rId15"/>
-    <p:sldId id="292" r:id="rId16"/>
-    <p:sldId id="284" r:id="rId17"/>
-    <p:sldId id="287" r:id="rId18"/>
-    <p:sldId id="288" r:id="rId19"/>
-    <p:sldId id="285" r:id="rId20"/>
-    <p:sldId id="289" r:id="rId21"/>
-    <p:sldId id="291" r:id="rId22"/>
+    <p:sldId id="293" r:id="rId10"/>
+    <p:sldId id="294" r:id="rId11"/>
+    <p:sldId id="281" r:id="rId12"/>
+    <p:sldId id="295" r:id="rId13"/>
+    <p:sldId id="271" r:id="rId14"/>
+    <p:sldId id="290" r:id="rId15"/>
+    <p:sldId id="267" r:id="rId16"/>
+    <p:sldId id="297" r:id="rId17"/>
+    <p:sldId id="258" r:id="rId18"/>
+    <p:sldId id="277" r:id="rId19"/>
+    <p:sldId id="292" r:id="rId20"/>
+    <p:sldId id="284" r:id="rId21"/>
+    <p:sldId id="287" r:id="rId22"/>
+    <p:sldId id="296" r:id="rId23"/>
+    <p:sldId id="288" r:id="rId24"/>
+    <p:sldId id="285" r:id="rId25"/>
+    <p:sldId id="289" r:id="rId26"/>
+    <p:sldId id="291" r:id="rId27"/>
   </p:sldIdLst>
   <p:sldSz cx="12192000" cy="6858000"/>
   <p:notesSz cx="6858000" cy="9144000"/>
@@ -217,7 +222,7 @@
           <a:p>
             <a:fld id="{439FA708-23F5-414F-9D15-73C30E6731CC}" type="datetimeFigureOut">
               <a:rPr lang="en-GB" smtClean="0"/>
-              <a:t>20/09/2021</a:t>
+              <a:t>21/09/2021</a:t>
             </a:fld>
             <a:endParaRPr lang="en-GB"/>
           </a:p>
@@ -634,7 +639,7 @@
           <a:p>
             <a:fld id="{90A59EEB-C5A6-4C3E-A62A-CAD89AAA56B8}" type="slidenum">
               <a:rPr lang="en-GB" smtClean="0"/>
-              <a:t>10</a:t>
+              <a:t>13</a:t>
             </a:fld>
             <a:endParaRPr lang="en-GB"/>
           </a:p>
@@ -718,7 +723,7 @@
           <a:p>
             <a:fld id="{90A59EEB-C5A6-4C3E-A62A-CAD89AAA56B8}" type="slidenum">
               <a:rPr lang="en-GB" smtClean="0"/>
-              <a:t>13</a:t>
+              <a:t>17</a:t>
             </a:fld>
             <a:endParaRPr lang="en-GB"/>
           </a:p>
@@ -802,7 +807,7 @@
           <a:p>
             <a:fld id="{90A59EEB-C5A6-4C3E-A62A-CAD89AAA56B8}" type="slidenum">
               <a:rPr lang="en-GB" smtClean="0"/>
-              <a:t>18</a:t>
+              <a:t>23</a:t>
             </a:fld>
             <a:endParaRPr lang="en-GB"/>
           </a:p>
@@ -886,7 +891,7 @@
           <a:p>
             <a:fld id="{90A59EEB-C5A6-4C3E-A62A-CAD89AAA56B8}" type="slidenum">
               <a:rPr lang="en-GB" smtClean="0"/>
-              <a:t>20</a:t>
+              <a:t>25</a:t>
             </a:fld>
             <a:endParaRPr lang="en-GB"/>
           </a:p>
@@ -970,7 +975,7 @@
           <a:p>
             <a:fld id="{90A59EEB-C5A6-4C3E-A62A-CAD89AAA56B8}" type="slidenum">
               <a:rPr lang="en-GB" smtClean="0"/>
-              <a:t>21</a:t>
+              <a:t>26</a:t>
             </a:fld>
             <a:endParaRPr lang="en-GB"/>
           </a:p>
@@ -1732,7 +1737,7 @@
           <a:p>
             <a:fld id="{14EE03E6-EAC1-4C11-BDA5-EE1130A09993}" type="datetime1">
               <a:rPr lang="en-US" smtClean="0"/>
-              <a:t>9/20/2021</a:t>
+              <a:t>9/21/2021</a:t>
             </a:fld>
             <a:endParaRPr lang="en-US"/>
           </a:p>
@@ -1978,7 +1983,7 @@
           <a:p>
             <a:fld id="{F4697262-56CF-4BEA-A29D-F5ECAC77AFD3}" type="datetime1">
               <a:rPr lang="en-US" smtClean="0"/>
-              <a:t>9/20/2021</a:t>
+              <a:t>9/21/2021</a:t>
             </a:fld>
             <a:endParaRPr lang="en-US"/>
           </a:p>
@@ -2287,7 +2292,7 @@
           <a:p>
             <a:fld id="{2B98699C-61EF-44EE-BEC5-CE0778EDCF09}" type="datetime1">
               <a:rPr lang="en-US" smtClean="0"/>
-              <a:t>9/20/2021</a:t>
+              <a:t>9/21/2021</a:t>
             </a:fld>
             <a:endParaRPr lang="en-US"/>
           </a:p>
@@ -2615,7 +2620,7 @@
           <a:p>
             <a:fld id="{2A33F3EC-DD9B-4BCB-B119-E82A254E8710}" type="datetime1">
               <a:rPr lang="en-US" smtClean="0"/>
-              <a:t>9/20/2021</a:t>
+              <a:t>9/21/2021</a:t>
             </a:fld>
             <a:endParaRPr lang="en-US"/>
           </a:p>
@@ -2924,7 +2929,7 @@
           <a:p>
             <a:fld id="{C82A4BAB-BAF1-4977-9A25-16E4ACAE60F6}" type="datetime1">
               <a:rPr lang="en-US" smtClean="0"/>
-              <a:t>9/20/2021</a:t>
+              <a:t>9/21/2021</a:t>
             </a:fld>
             <a:endParaRPr lang="en-US"/>
           </a:p>
@@ -3312,7 +3317,7 @@
           <a:p>
             <a:fld id="{AC21686A-FA36-43C5-BF8C-DEB2FD6E7B9A}" type="datetime1">
               <a:rPr lang="en-US" smtClean="0"/>
-              <a:t>9/20/2021</a:t>
+              <a:t>9/21/2021</a:t>
             </a:fld>
             <a:endParaRPr lang="en-US"/>
           </a:p>
@@ -3476,7 +3481,7 @@
           <a:p>
             <a:fld id="{9B7A9E00-D1DB-4824-9209-E2835219E8E3}" type="datetime1">
               <a:rPr lang="en-US" smtClean="0"/>
-              <a:t>9/20/2021</a:t>
+              <a:t>9/21/2021</a:t>
             </a:fld>
             <a:endParaRPr lang="en-US"/>
           </a:p>
@@ -3649,7 +3654,7 @@
           <a:p>
             <a:fld id="{AB4830E1-F1D8-4BED-A364-3A9CEA59D00D}" type="datetime1">
               <a:rPr lang="en-US" smtClean="0"/>
-              <a:t>9/20/2021</a:t>
+              <a:t>9/21/2021</a:t>
             </a:fld>
             <a:endParaRPr lang="en-US"/>
           </a:p>
@@ -3813,7 +3818,7 @@
           <a:p>
             <a:fld id="{3615F947-12A1-4E32-BC02-5629094B2B47}" type="datetime1">
               <a:rPr lang="en-US" smtClean="0"/>
-              <a:t>9/20/2021</a:t>
+              <a:t>9/21/2021</a:t>
             </a:fld>
             <a:endParaRPr lang="en-US"/>
           </a:p>
@@ -4054,7 +4059,7 @@
           <a:p>
             <a:fld id="{547A49F2-6671-490D-8F8A-D1D5B6F7CB8A}" type="datetime1">
               <a:rPr lang="en-US" smtClean="0"/>
-              <a:t>9/20/2021</a:t>
+              <a:t>9/21/2021</a:t>
             </a:fld>
             <a:endParaRPr lang="en-US"/>
           </a:p>
@@ -4279,7 +4284,7 @@
           <a:p>
             <a:fld id="{B3FD57FB-CC18-434F-B041-ACAE83D55583}" type="datetime1">
               <a:rPr lang="en-US" smtClean="0"/>
-              <a:t>9/20/2021</a:t>
+              <a:t>9/21/2021</a:t>
             </a:fld>
             <a:endParaRPr lang="en-US"/>
           </a:p>
@@ -4645,7 +4650,7 @@
           <a:p>
             <a:fld id="{E128A3EF-4BCA-4431-8F42-46EDF39ACEEF}" type="datetime1">
               <a:rPr lang="en-US" smtClean="0"/>
-              <a:t>9/20/2021</a:t>
+              <a:t>9/21/2021</a:t>
             </a:fld>
             <a:endParaRPr lang="en-US"/>
           </a:p>
@@ -4763,7 +4768,7 @@
           <a:p>
             <a:fld id="{4A396F4C-7D1B-493D-82E3-69F23383E538}" type="datetime1">
               <a:rPr lang="en-US" smtClean="0"/>
-              <a:t>9/20/2021</a:t>
+              <a:t>9/21/2021</a:t>
             </a:fld>
             <a:endParaRPr lang="en-US"/>
           </a:p>
@@ -4854,7 +4859,7 @@
           <a:p>
             <a:fld id="{96C8C6E6-9E00-4431-8010-0FF918CE9974}" type="datetime1">
               <a:rPr lang="en-US" smtClean="0"/>
-              <a:t>9/20/2021</a:t>
+              <a:t>9/21/2021</a:t>
             </a:fld>
             <a:endParaRPr lang="en-US"/>
           </a:p>
@@ -5103,7 +5108,7 @@
           <a:p>
             <a:fld id="{8062E73E-365E-4758-917F-E616B2D68306}" type="datetime1">
               <a:rPr lang="en-US" smtClean="0"/>
-              <a:t>9/20/2021</a:t>
+              <a:t>9/21/2021</a:t>
             </a:fld>
             <a:endParaRPr lang="en-US"/>
           </a:p>
@@ -5402,7 +5407,7 @@
           <a:p>
             <a:fld id="{050A9413-29E6-47C1-B028-9FC3BEB4C824}" type="datetime1">
               <a:rPr lang="en-US" smtClean="0"/>
-              <a:t>9/20/2021</a:t>
+              <a:t>9/21/2021</a:t>
             </a:fld>
             <a:endParaRPr lang="en-US"/>
           </a:p>
@@ -6097,7 +6102,7 @@
           <a:p>
             <a:fld id="{E2DDCC88-22E6-4F3E-B061-6A8AEB630216}" type="datetime1">
               <a:rPr lang="en-US" smtClean="0"/>
-              <a:t>9/20/2021</a:t>
+              <a:t>9/21/2021</a:t>
             </a:fld>
             <a:endParaRPr lang="en-US"/>
           </a:p>
@@ -6675,44 +6680,80 @@
           <a:p>
             <a:pPr algn="ctr"/>
             <a:r>
-              <a:rPr lang="en-GB" sz="3600" b="1" dirty="0" smtClean="0"/>
+              <a:rPr lang="en-GB" sz="3600" b="1" dirty="0" smtClean="0">
+                <a:solidFill>
+                  <a:schemeClr val="tx1"/>
+                </a:solidFill>
+              </a:rPr>
               <a:t>Prediction of CO2 Emissions from Seattle</a:t>
             </a:r>
           </a:p>
           <a:p>
             <a:pPr algn="ctr"/>
-            <a:endParaRPr lang="en-GB" sz="3200" b="1" dirty="0"/>
+            <a:endParaRPr lang="en-GB" sz="3200" b="1" dirty="0">
+              <a:solidFill>
+                <a:schemeClr val="tx1"/>
+              </a:solidFill>
+            </a:endParaRPr>
           </a:p>
           <a:p>
             <a:pPr algn="ctr"/>
             <a:r>
-              <a:rPr lang="en-GB" sz="2800" b="1" dirty="0"/>
+              <a:rPr lang="en-GB" sz="2800" b="1" dirty="0">
+                <a:solidFill>
+                  <a:schemeClr val="tx1"/>
+                </a:solidFill>
+              </a:rPr>
               <a:t>Exploratory </a:t>
             </a:r>
             <a:r>
-              <a:rPr lang="en-GB" sz="2800" b="1" dirty="0" smtClean="0"/>
+              <a:rPr lang="en-GB" sz="2800" b="1" dirty="0" smtClean="0">
+                <a:solidFill>
+                  <a:schemeClr val="tx1"/>
+                </a:solidFill>
+              </a:rPr>
               <a:t>Analysis</a:t>
             </a:r>
-            <a:endParaRPr lang="en-GB" sz="2800" b="1" dirty="0"/>
+            <a:endParaRPr lang="en-GB" sz="2800" b="1" dirty="0">
+              <a:solidFill>
+                <a:schemeClr val="tx1"/>
+              </a:solidFill>
+            </a:endParaRPr>
           </a:p>
           <a:p>
             <a:pPr algn="ctr"/>
             <a:r>
-              <a:rPr lang="en-GB" sz="2800" b="1" dirty="0"/>
+              <a:rPr lang="en-GB" sz="2800" b="1" dirty="0">
+                <a:solidFill>
+                  <a:schemeClr val="tx1"/>
+                </a:solidFill>
+              </a:rPr>
               <a:t>Of </a:t>
             </a:r>
             <a:r>
-              <a:rPr lang="en-GB" sz="2800" b="1" dirty="0" smtClean="0"/>
+              <a:rPr lang="en-GB" sz="2800" b="1" dirty="0" smtClean="0">
+                <a:solidFill>
+                  <a:schemeClr val="tx1"/>
+                </a:solidFill>
+              </a:rPr>
               <a:t>a Database </a:t>
             </a:r>
           </a:p>
           <a:p>
             <a:pPr algn="ctr"/>
             <a:r>
-              <a:rPr lang="en-GB" sz="2800" b="1" dirty="0" smtClean="0"/>
+              <a:rPr lang="en-GB" sz="2800" b="1" dirty="0" smtClean="0">
+                <a:solidFill>
+                  <a:schemeClr val="tx1"/>
+                </a:solidFill>
+              </a:rPr>
               <a:t>from the city of Seattle</a:t>
             </a:r>
-            <a:endParaRPr lang="en-GB" sz="2800" b="1" dirty="0"/>
+            <a:endParaRPr lang="en-GB" sz="2800" b="1" dirty="0">
+              <a:solidFill>
+                <a:schemeClr val="tx1"/>
+              </a:solidFill>
+            </a:endParaRPr>
           </a:p>
           <a:p>
             <a:pPr algn="ctr"/>
@@ -6743,14 +6784,7 @@
           <a:lstStyle/>
           <a:p>
             <a:r>
-              <a:rPr lang="en-GB" sz="2400" b="1">
-                <a:solidFill>
-                  <a:schemeClr val="tx1">
-                    <a:lumMod val="50000"/>
-                    <a:lumOff val="50000"/>
-                  </a:schemeClr>
-                </a:solidFill>
-              </a:rPr>
+              <a:rPr lang="en-GB" sz="2400" b="1" dirty="0"/>
               <a:t>Stephane Lanchec</a:t>
             </a:r>
           </a:p>
@@ -6788,7 +6822,7 @@
       </p:grpSpPr>
       <p:sp>
         <p:nvSpPr>
-          <p:cNvPr id="2" name="Title 1"/>
+          <p:cNvPr id="2" name="Titre 1"/>
           <p:cNvSpPr>
             <a:spLocks noGrp="1"/>
           </p:cNvSpPr>
@@ -6796,34 +6830,164 @@
             <p:ph type="title"/>
           </p:nvPr>
         </p:nvSpPr>
+        <p:spPr/>
+        <p:txBody>
+          <a:bodyPr/>
+          <a:lstStyle/>
+          <a:p>
+            <a:r>
+              <a:rPr lang="fr-FR" b="1" dirty="0" smtClean="0"/>
+              <a:t>Final </a:t>
+            </a:r>
+            <a:r>
+              <a:rPr lang="fr-FR" b="1" dirty="0" err="1" smtClean="0"/>
+              <a:t>cleaning</a:t>
+            </a:r>
+            <a:r>
+              <a:rPr lang="fr-FR" b="1" dirty="0" smtClean="0"/>
+              <a:t> phase</a:t>
+            </a:r>
+            <a:endParaRPr lang="en-US" b="1" dirty="0"/>
+          </a:p>
+        </p:txBody>
+      </p:sp>
+      <p:sp>
+        <p:nvSpPr>
+          <p:cNvPr id="4" name="Espace réservé du numéro de diapositive 3"/>
+          <p:cNvSpPr>
+            <a:spLocks noGrp="1"/>
+          </p:cNvSpPr>
+          <p:nvPr>
+            <p:ph type="sldNum" sz="quarter" idx="12"/>
+          </p:nvPr>
+        </p:nvSpPr>
+        <p:spPr/>
+        <p:txBody>
+          <a:bodyPr/>
+          <a:lstStyle/>
+          <a:p>
+            <a:fld id="{519954A3-9DFD-4C44-94BA-B95130A3BA1C}" type="slidenum">
+              <a:rPr lang="en-US" smtClean="0"/>
+              <a:t>10</a:t>
+            </a:fld>
+            <a:endParaRPr lang="en-US"/>
+          </a:p>
+        </p:txBody>
+      </p:sp>
+      <p:pic>
+        <p:nvPicPr>
+          <p:cNvPr id="6" name="Image 5"/>
+          <p:cNvPicPr>
+            <a:picLocks noChangeAspect="1"/>
+          </p:cNvPicPr>
+          <p:nvPr/>
+        </p:nvPicPr>
+        <p:blipFill rotWithShape="1">
+          <a:blip r:embed="rId2"/>
+          <a:srcRect l="20278" t="32345" r="27083" b="6296"/>
+          <a:stretch/>
+        </p:blipFill>
         <p:spPr>
           <a:xfrm>
-            <a:off x="598956" y="696686"/>
-            <a:ext cx="8596668" cy="704045"/>
+            <a:off x="156638" y="1744330"/>
+            <a:ext cx="5804068" cy="3805570"/>
           </a:xfrm>
+          <a:prstGeom prst="rect">
+            <a:avLst/>
+          </a:prstGeom>
         </p:spPr>
-        <p:txBody>
-          <a:bodyPr/>
-          <a:lstStyle/>
-          <a:p>
-            <a:r>
-              <a:rPr lang="en-GB" b="1" dirty="0" smtClean="0"/>
-              <a:t>Regression Models Evaluation</a:t>
-            </a:r>
-            <a:endParaRPr lang="en-GB" dirty="0"/>
-          </a:p>
-        </p:txBody>
-      </p:sp>
-      <p:sp>
-        <p:nvSpPr>
-          <p:cNvPr id="3" name="ZoneTexte 2"/>
+      </p:pic>
+      <p:sp>
+        <p:nvSpPr>
+          <p:cNvPr id="7" name="Rectangle 6"/>
+          <p:cNvSpPr/>
+          <p:nvPr/>
+        </p:nvSpPr>
+        <p:spPr>
+          <a:xfrm>
+            <a:off x="677333" y="6221821"/>
+            <a:ext cx="10261600" cy="369332"/>
+          </a:xfrm>
+          <a:prstGeom prst="rect">
+            <a:avLst/>
+          </a:prstGeom>
+        </p:spPr>
+        <p:txBody>
+          <a:bodyPr wrap="square">
+            <a:spAutoFit/>
+          </a:bodyPr>
+          <a:lstStyle/>
+          <a:p>
+            <a:r>
+              <a:rPr lang="en-US" b="1" u="sng" dirty="0" smtClean="0"/>
+              <a:t>End of cleaning phase</a:t>
+            </a:r>
+            <a:r>
+              <a:rPr lang="en-US" b="1" dirty="0" smtClean="0"/>
+              <a:t>: </a:t>
+            </a:r>
+            <a:r>
+              <a:rPr lang="en-US" dirty="0" smtClean="0"/>
+              <a:t>From 6695 </a:t>
+            </a:r>
+            <a:r>
+              <a:rPr lang="en-US" dirty="0"/>
+              <a:t>rows × 47 </a:t>
+            </a:r>
+            <a:r>
+              <a:rPr lang="en-US" dirty="0" smtClean="0"/>
+              <a:t>columns				3173 rows x 17 columns</a:t>
+            </a:r>
+            <a:endParaRPr lang="en-US" dirty="0"/>
+          </a:p>
+        </p:txBody>
+      </p:sp>
+      <p:cxnSp>
+        <p:nvCxnSpPr>
+          <p:cNvPr id="9" name="Connecteur droit avec flèche 8"/>
+          <p:cNvCxnSpPr/>
+          <p:nvPr/>
+        </p:nvCxnSpPr>
+        <p:spPr>
+          <a:xfrm>
+            <a:off x="6519333" y="6414954"/>
+            <a:ext cx="1346200" cy="0"/>
+          </a:xfrm>
+          <a:prstGeom prst="straightConnector1">
+            <a:avLst/>
+          </a:prstGeom>
+          <a:ln>
+            <a:solidFill>
+              <a:schemeClr val="tx1"/>
+            </a:solidFill>
+            <a:tailEnd type="triangle"/>
+          </a:ln>
+        </p:spPr>
+        <p:style>
+          <a:lnRef idx="1">
+            <a:schemeClr val="accent1"/>
+          </a:lnRef>
+          <a:fillRef idx="0">
+            <a:schemeClr val="accent1"/>
+          </a:fillRef>
+          <a:effectRef idx="0">
+            <a:schemeClr val="accent1"/>
+          </a:effectRef>
+          <a:fontRef idx="minor">
+            <a:schemeClr val="tx1"/>
+          </a:fontRef>
+        </p:style>
+      </p:cxnSp>
+      <p:sp>
+        <p:nvSpPr>
+          <p:cNvPr id="10" name="ZoneTexte 9"/>
           <p:cNvSpPr txBox="1"/>
           <p:nvPr/>
         </p:nvSpPr>
         <p:spPr>
           <a:xfrm>
-            <a:off x="836023" y="2177142"/>
-            <a:ext cx="7968343" cy="3970318"/>
+            <a:off x="8075083" y="1520825"/>
+            <a:ext cx="3121175" cy="4108817"/>
           </a:xfrm>
           <a:prstGeom prst="rect">
             <a:avLst/>
@@ -6831,315 +6995,194 @@
           <a:noFill/>
         </p:spPr>
         <p:txBody>
-          <a:bodyPr wrap="square" rtlCol="0">
+          <a:bodyPr wrap="none" rtlCol="0">
             <a:spAutoFit/>
           </a:bodyPr>
           <a:lstStyle/>
           <a:p>
+            <a:r>
+              <a:rPr lang="fr-FR" b="1" u="sng" dirty="0" smtClean="0"/>
+              <a:t>Not </a:t>
+            </a:r>
+            <a:r>
+              <a:rPr lang="fr-FR" b="1" u="sng" dirty="0" err="1" smtClean="0"/>
+              <a:t>critical</a:t>
+            </a:r>
+            <a:r>
+              <a:rPr lang="fr-FR" b="1" u="sng" dirty="0" smtClean="0"/>
+              <a:t> </a:t>
+            </a:r>
+            <a:r>
+              <a:rPr lang="fr-FR" b="1" u="sng" dirty="0" err="1" smtClean="0"/>
+              <a:t>column</a:t>
+            </a:r>
+            <a:r>
+              <a:rPr lang="fr-FR" dirty="0" smtClean="0"/>
+              <a:t>:</a:t>
+            </a:r>
+          </a:p>
+          <a:p>
             <a:pPr marL="285750" indent="-285750">
-              <a:buFont typeface="Arial" panose="020B0604020202020204" pitchFamily="34" charset="0"/>
-              <a:buChar char="•"/>
+              <a:lnSpc>
+                <a:spcPct val="150000"/>
+              </a:lnSpc>
+              <a:buClr>
+                <a:schemeClr val="accent1"/>
+              </a:buClr>
+              <a:buFont typeface="Wingdings" panose="05000000000000000000" pitchFamily="2" charset="2"/>
+              <a:buChar char="Ø"/>
             </a:pPr>
             <a:r>
-              <a:rPr lang="fr-FR" sz="2800" dirty="0" err="1" smtClean="0">
-                <a:solidFill>
-                  <a:schemeClr val="bg1">
-                    <a:lumMod val="50000"/>
-                  </a:schemeClr>
-                </a:solidFill>
-              </a:rPr>
-              <a:t>Dummy</a:t>
-            </a:r>
-            <a:r>
-              <a:rPr lang="fr-FR" sz="2800" dirty="0" smtClean="0">
-                <a:solidFill>
-                  <a:schemeClr val="bg1">
-                    <a:lumMod val="50000"/>
-                  </a:schemeClr>
-                </a:solidFill>
-              </a:rPr>
-              <a:t> </a:t>
-            </a:r>
-            <a:r>
-              <a:rPr lang="fr-FR" sz="2800" dirty="0" err="1" smtClean="0">
-                <a:solidFill>
-                  <a:schemeClr val="bg1">
-                    <a:lumMod val="50000"/>
-                  </a:schemeClr>
-                </a:solidFill>
-              </a:rPr>
-              <a:t>regression</a:t>
-            </a:r>
-            <a:endParaRPr lang="fr-FR" sz="2800" dirty="0" smtClean="0">
-              <a:solidFill>
-                <a:schemeClr val="bg1">
-                  <a:lumMod val="50000"/>
-                </a:schemeClr>
-              </a:solidFill>
-            </a:endParaRPr>
+              <a:rPr lang="en-US" dirty="0" err="1" smtClean="0"/>
+              <a:t>OSEBuildingID</a:t>
+            </a:r>
+            <a:endParaRPr lang="en-US" dirty="0"/>
           </a:p>
           <a:p>
             <a:pPr marL="285750" indent="-285750">
-              <a:buFont typeface="Arial" panose="020B0604020202020204" pitchFamily="34" charset="0"/>
-              <a:buChar char="•"/>
+              <a:lnSpc>
+                <a:spcPct val="150000"/>
+              </a:lnSpc>
+              <a:buClr>
+                <a:schemeClr val="accent1"/>
+              </a:buClr>
+              <a:buFont typeface="Wingdings" panose="05000000000000000000" pitchFamily="2" charset="2"/>
+              <a:buChar char="Ø"/>
             </a:pPr>
             <a:r>
-              <a:rPr lang="fr-FR" sz="2800" dirty="0" err="1" smtClean="0">
-                <a:solidFill>
-                  <a:schemeClr val="bg1">
-                    <a:lumMod val="50000"/>
-                  </a:schemeClr>
-                </a:solidFill>
-              </a:rPr>
-              <a:t>Linear</a:t>
-            </a:r>
-            <a:r>
-              <a:rPr lang="fr-FR" sz="2800" dirty="0" smtClean="0">
-                <a:solidFill>
-                  <a:schemeClr val="bg1">
-                    <a:lumMod val="50000"/>
-                  </a:schemeClr>
-                </a:solidFill>
-              </a:rPr>
-              <a:t> </a:t>
-            </a:r>
-            <a:r>
-              <a:rPr lang="fr-FR" sz="2800" dirty="0" err="1" smtClean="0">
-                <a:solidFill>
-                  <a:schemeClr val="bg1">
-                    <a:lumMod val="50000"/>
-                  </a:schemeClr>
-                </a:solidFill>
-              </a:rPr>
-              <a:t>regression</a:t>
-            </a:r>
-            <a:endParaRPr lang="fr-FR" sz="2800" dirty="0" smtClean="0">
-              <a:solidFill>
-                <a:schemeClr val="bg1">
-                  <a:lumMod val="50000"/>
-                </a:schemeClr>
-              </a:solidFill>
-            </a:endParaRPr>
+              <a:rPr lang="en-US" dirty="0" err="1" smtClean="0"/>
+              <a:t>PropertyName</a:t>
+            </a:r>
+            <a:endParaRPr lang="en-US" dirty="0"/>
           </a:p>
           <a:p>
             <a:pPr marL="285750" indent="-285750">
-              <a:buFont typeface="Arial" panose="020B0604020202020204" pitchFamily="34" charset="0"/>
-              <a:buChar char="•"/>
+              <a:lnSpc>
+                <a:spcPct val="150000"/>
+              </a:lnSpc>
+              <a:buClr>
+                <a:schemeClr val="accent1"/>
+              </a:buClr>
+              <a:buFont typeface="Wingdings" panose="05000000000000000000" pitchFamily="2" charset="2"/>
+              <a:buChar char="Ø"/>
             </a:pPr>
             <a:r>
-              <a:rPr lang="fr-FR" sz="2800" dirty="0" smtClean="0">
-                <a:solidFill>
-                  <a:schemeClr val="bg1">
-                    <a:lumMod val="50000"/>
-                  </a:schemeClr>
-                </a:solidFill>
-              </a:rPr>
-              <a:t>Lasso </a:t>
-            </a:r>
-            <a:r>
-              <a:rPr lang="fr-FR" sz="2800" dirty="0" err="1" smtClean="0">
-                <a:solidFill>
-                  <a:schemeClr val="bg1">
-                    <a:lumMod val="50000"/>
-                  </a:schemeClr>
-                </a:solidFill>
-              </a:rPr>
-              <a:t>regression</a:t>
-            </a:r>
-            <a:endParaRPr lang="fr-FR" sz="2800" dirty="0" smtClean="0">
-              <a:solidFill>
-                <a:schemeClr val="bg1">
-                  <a:lumMod val="50000"/>
-                </a:schemeClr>
-              </a:solidFill>
-            </a:endParaRPr>
+              <a:rPr lang="en-US" dirty="0" smtClean="0"/>
+              <a:t>Address</a:t>
+            </a:r>
           </a:p>
           <a:p>
             <a:pPr marL="285750" indent="-285750">
-              <a:buFont typeface="Arial" panose="020B0604020202020204" pitchFamily="34" charset="0"/>
-              <a:buChar char="•"/>
+              <a:lnSpc>
+                <a:spcPct val="150000"/>
+              </a:lnSpc>
+              <a:buClr>
+                <a:schemeClr val="accent1"/>
+              </a:buClr>
+              <a:buFont typeface="Wingdings" panose="05000000000000000000" pitchFamily="2" charset="2"/>
+              <a:buChar char="Ø"/>
             </a:pPr>
             <a:r>
-              <a:rPr lang="fr-FR" sz="2800" dirty="0" smtClean="0">
-                <a:solidFill>
-                  <a:schemeClr val="bg1">
-                    <a:lumMod val="50000"/>
-                  </a:schemeClr>
-                </a:solidFill>
-              </a:rPr>
-              <a:t>Ridge </a:t>
-            </a:r>
-            <a:r>
-              <a:rPr lang="fr-FR" sz="2800" dirty="0" err="1" smtClean="0">
-                <a:solidFill>
-                  <a:schemeClr val="bg1">
-                    <a:lumMod val="50000"/>
-                  </a:schemeClr>
-                </a:solidFill>
-              </a:rPr>
-              <a:t>regression</a:t>
-            </a:r>
-            <a:endParaRPr lang="fr-FR" sz="2800" dirty="0" smtClean="0">
-              <a:solidFill>
-                <a:schemeClr val="bg1">
-                  <a:lumMod val="50000"/>
-                </a:schemeClr>
-              </a:solidFill>
-            </a:endParaRPr>
+              <a:rPr lang="en-US" dirty="0" smtClean="0"/>
+              <a:t>City</a:t>
+            </a:r>
           </a:p>
           <a:p>
             <a:pPr marL="285750" indent="-285750">
-              <a:buFont typeface="Arial" panose="020B0604020202020204" pitchFamily="34" charset="0"/>
-              <a:buChar char="•"/>
+              <a:lnSpc>
+                <a:spcPct val="150000"/>
+              </a:lnSpc>
+              <a:buClr>
+                <a:schemeClr val="accent1"/>
+              </a:buClr>
+              <a:buFont typeface="Wingdings" panose="05000000000000000000" pitchFamily="2" charset="2"/>
+              <a:buChar char="Ø"/>
             </a:pPr>
             <a:r>
-              <a:rPr lang="fr-FR" sz="2800" dirty="0" err="1" smtClean="0">
-                <a:solidFill>
-                  <a:schemeClr val="bg1">
-                    <a:lumMod val="50000"/>
-                  </a:schemeClr>
-                </a:solidFill>
-              </a:rPr>
-              <a:t>ElasticNet</a:t>
-            </a:r>
-            <a:r>
-              <a:rPr lang="fr-FR" sz="2800" dirty="0" smtClean="0">
-                <a:solidFill>
-                  <a:schemeClr val="bg1">
-                    <a:lumMod val="50000"/>
-                  </a:schemeClr>
-                </a:solidFill>
-              </a:rPr>
-              <a:t> </a:t>
-            </a:r>
-            <a:r>
-              <a:rPr lang="fr-FR" sz="2800" dirty="0" err="1" smtClean="0">
-                <a:solidFill>
-                  <a:schemeClr val="bg1">
-                    <a:lumMod val="50000"/>
-                  </a:schemeClr>
-                </a:solidFill>
-              </a:rPr>
-              <a:t>regression</a:t>
-            </a:r>
-            <a:endParaRPr lang="fr-FR" sz="2800" dirty="0" smtClean="0">
-              <a:solidFill>
-                <a:schemeClr val="bg1">
-                  <a:lumMod val="50000"/>
-                </a:schemeClr>
-              </a:solidFill>
-            </a:endParaRPr>
+              <a:rPr lang="en-US" dirty="0" smtClean="0"/>
+              <a:t>State</a:t>
+            </a:r>
           </a:p>
           <a:p>
             <a:pPr marL="285750" indent="-285750">
-              <a:buFont typeface="Arial" panose="020B0604020202020204" pitchFamily="34" charset="0"/>
-              <a:buChar char="•"/>
+              <a:lnSpc>
+                <a:spcPct val="150000"/>
+              </a:lnSpc>
+              <a:buClr>
+                <a:schemeClr val="accent1"/>
+              </a:buClr>
+              <a:buFont typeface="Wingdings" panose="05000000000000000000" pitchFamily="2" charset="2"/>
+              <a:buChar char="Ø"/>
             </a:pPr>
             <a:r>
-              <a:rPr lang="fr-FR" sz="2800" dirty="0" smtClean="0">
-                <a:solidFill>
-                  <a:schemeClr val="bg1">
-                    <a:lumMod val="50000"/>
-                  </a:schemeClr>
-                </a:solidFill>
-              </a:rPr>
-              <a:t>SVM </a:t>
-            </a:r>
-            <a:r>
-              <a:rPr lang="fr-FR" sz="2800" dirty="0" err="1" smtClean="0">
-                <a:solidFill>
-                  <a:schemeClr val="bg1">
-                    <a:lumMod val="50000"/>
-                  </a:schemeClr>
-                </a:solidFill>
-              </a:rPr>
-              <a:t>regression</a:t>
-            </a:r>
-            <a:endParaRPr lang="fr-FR" sz="2800" dirty="0" smtClean="0">
-              <a:solidFill>
-                <a:schemeClr val="bg1">
-                  <a:lumMod val="50000"/>
-                </a:schemeClr>
-              </a:solidFill>
-            </a:endParaRPr>
+              <a:rPr lang="en-US" dirty="0" err="1" smtClean="0"/>
+              <a:t>ZipCode</a:t>
+            </a:r>
+            <a:endParaRPr lang="en-US" dirty="0" smtClean="0"/>
           </a:p>
           <a:p>
             <a:pPr marL="285750" indent="-285750">
-              <a:buFont typeface="Arial" panose="020B0604020202020204" pitchFamily="34" charset="0"/>
-              <a:buChar char="•"/>
+              <a:lnSpc>
+                <a:spcPct val="150000"/>
+              </a:lnSpc>
+              <a:buClr>
+                <a:schemeClr val="accent1"/>
+              </a:buClr>
+              <a:buFont typeface="Wingdings" panose="05000000000000000000" pitchFamily="2" charset="2"/>
+              <a:buChar char="Ø"/>
             </a:pPr>
             <a:r>
-              <a:rPr lang="fr-FR" sz="2800" dirty="0" smtClean="0">
-                <a:solidFill>
-                  <a:schemeClr val="bg1">
-                    <a:lumMod val="50000"/>
-                  </a:schemeClr>
-                </a:solidFill>
-              </a:rPr>
-              <a:t>KNN</a:t>
-            </a:r>
+              <a:rPr lang="fr-FR" dirty="0" err="1" smtClean="0"/>
+              <a:t>Outlier</a:t>
+            </a:r>
+            <a:endParaRPr lang="fr-FR" dirty="0" smtClean="0"/>
           </a:p>
           <a:p>
             <a:pPr marL="285750" indent="-285750">
-              <a:buFont typeface="Arial" panose="020B0604020202020204" pitchFamily="34" charset="0"/>
-              <a:buChar char="•"/>
+              <a:lnSpc>
+                <a:spcPct val="150000"/>
+              </a:lnSpc>
+              <a:buClr>
+                <a:schemeClr val="accent1"/>
+              </a:buClr>
+              <a:buFont typeface="Wingdings" panose="05000000000000000000" pitchFamily="2" charset="2"/>
+              <a:buChar char="Ø"/>
             </a:pPr>
             <a:r>
-              <a:rPr lang="fr-FR" sz="2800" dirty="0" err="1" smtClean="0">
-                <a:solidFill>
-                  <a:schemeClr val="bg1">
-                    <a:lumMod val="50000"/>
-                  </a:schemeClr>
-                </a:solidFill>
-              </a:rPr>
-              <a:t>Random</a:t>
-            </a:r>
-            <a:r>
-              <a:rPr lang="fr-FR" sz="2800" dirty="0" smtClean="0">
-                <a:solidFill>
-                  <a:schemeClr val="bg1">
-                    <a:lumMod val="50000"/>
-                  </a:schemeClr>
-                </a:solidFill>
-              </a:rPr>
-              <a:t> Forest</a:t>
-            </a:r>
+              <a:rPr lang="fr-FR" dirty="0" err="1" smtClean="0"/>
+              <a:t>YearENERGYSTARcertified</a:t>
+            </a:r>
+            <a:endParaRPr lang="fr-FR" dirty="0" smtClean="0"/>
           </a:p>
           <a:p>
             <a:pPr marL="285750" indent="-285750">
-              <a:buFont typeface="Arial" panose="020B0604020202020204" pitchFamily="34" charset="0"/>
-              <a:buChar char="•"/>
+              <a:lnSpc>
+                <a:spcPct val="150000"/>
+              </a:lnSpc>
+              <a:buClr>
+                <a:schemeClr val="accent1"/>
+              </a:buClr>
+              <a:buFont typeface="Wingdings" panose="05000000000000000000" pitchFamily="2" charset="2"/>
+              <a:buChar char="Ø"/>
             </a:pPr>
             <a:r>
-              <a:rPr lang="fr-FR" sz="2800" dirty="0" err="1" smtClean="0">
-                <a:solidFill>
-                  <a:schemeClr val="bg1">
-                    <a:lumMod val="50000"/>
-                  </a:schemeClr>
-                </a:solidFill>
-              </a:rPr>
-              <a:t>XGBoost</a:t>
-            </a:r>
-            <a:endParaRPr lang="en-US" sz="2800" dirty="0">
-              <a:solidFill>
-                <a:schemeClr val="bg1">
-                  <a:lumMod val="50000"/>
-                </a:schemeClr>
-              </a:solidFill>
-            </a:endParaRPr>
-          </a:p>
-        </p:txBody>
-      </p:sp>
-      <p:sp>
-        <p:nvSpPr>
-          <p:cNvPr id="4" name="ZoneTexte 3"/>
+              <a:rPr lang="fr-FR" dirty="0" err="1" smtClean="0"/>
+              <a:t>ENERGYSTARScore</a:t>
+            </a:r>
+            <a:endParaRPr lang="en-US" dirty="0"/>
+          </a:p>
+        </p:txBody>
+      </p:sp>
+      <p:sp>
+        <p:nvSpPr>
+          <p:cNvPr id="11" name="ZoneTexte 10"/>
           <p:cNvSpPr txBox="1"/>
           <p:nvPr/>
         </p:nvSpPr>
         <p:spPr>
           <a:xfrm>
-            <a:off x="7565724" y="2751909"/>
-            <a:ext cx="1832553" cy="1815882"/>
+            <a:off x="677333" y="5615836"/>
+            <a:ext cx="5814797" cy="369332"/>
           </a:xfrm>
           <a:prstGeom prst="rect">
             <a:avLst/>
@@ -7152,130 +7195,38 @@
           </a:bodyPr>
           <a:lstStyle/>
           <a:p>
-            <a:pPr algn="ctr"/>
-            <a:r>
-              <a:rPr lang="fr-FR" sz="2800" dirty="0" smtClean="0">
-                <a:solidFill>
-                  <a:schemeClr val="bg1">
-                    <a:lumMod val="50000"/>
-                  </a:schemeClr>
-                </a:solidFill>
-              </a:rPr>
-              <a:t>Impact of </a:t>
-            </a:r>
-          </a:p>
-          <a:p>
-            <a:pPr algn="ctr"/>
-            <a:r>
-              <a:rPr lang="fr-FR" sz="2800" dirty="0" err="1" smtClean="0">
-                <a:solidFill>
-                  <a:schemeClr val="bg1">
-                    <a:lumMod val="50000"/>
-                  </a:schemeClr>
-                </a:solidFill>
-              </a:rPr>
-              <a:t>Linear</a:t>
-            </a:r>
-            <a:r>
-              <a:rPr lang="fr-FR" sz="2800" dirty="0" smtClean="0">
-                <a:solidFill>
-                  <a:schemeClr val="bg1">
-                    <a:lumMod val="50000"/>
-                  </a:schemeClr>
-                </a:solidFill>
-              </a:rPr>
+            <a:r>
+              <a:rPr lang="fr-FR" dirty="0" err="1" smtClean="0"/>
+              <a:t>Pearsons</a:t>
+            </a:r>
+            <a:r>
+              <a:rPr lang="fr-FR" dirty="0" smtClean="0"/>
+              <a:t> coefficients &lt; 0.7, </a:t>
+            </a:r>
+            <a:r>
+              <a:rPr lang="fr-FR" dirty="0" err="1" smtClean="0"/>
+              <a:t>multicollinearity</a:t>
+            </a:r>
+            <a:r>
+              <a:rPr lang="fr-FR" dirty="0" smtClean="0"/>
               <a:t> </a:t>
             </a:r>
-          </a:p>
-          <a:p>
-            <a:pPr algn="ctr"/>
-            <a:r>
-              <a:rPr lang="fr-FR" sz="2800" dirty="0" smtClean="0">
-                <a:solidFill>
-                  <a:schemeClr val="bg1">
-                    <a:lumMod val="50000"/>
-                  </a:schemeClr>
-                </a:solidFill>
-              </a:rPr>
-              <a:t>v</a:t>
-            </a:r>
-          </a:p>
-          <a:p>
-            <a:pPr algn="ctr"/>
-            <a:r>
-              <a:rPr lang="fr-FR" sz="2800" dirty="0" smtClean="0">
-                <a:solidFill>
-                  <a:schemeClr val="bg1">
-                    <a:lumMod val="50000"/>
-                  </a:schemeClr>
-                </a:solidFill>
-              </a:rPr>
-              <a:t> Log </a:t>
-            </a:r>
-            <a:r>
-              <a:rPr lang="fr-FR" sz="2800" dirty="0" err="1" smtClean="0">
-                <a:solidFill>
-                  <a:schemeClr val="bg1">
-                    <a:lumMod val="50000"/>
-                  </a:schemeClr>
-                </a:solidFill>
-              </a:rPr>
-              <a:t>scale</a:t>
-            </a:r>
-            <a:endParaRPr lang="en-US" sz="2800" dirty="0">
-              <a:solidFill>
-                <a:schemeClr val="bg1">
-                  <a:lumMod val="50000"/>
-                </a:schemeClr>
-              </a:solidFill>
-            </a:endParaRPr>
-          </a:p>
-        </p:txBody>
-      </p:sp>
-      <p:sp>
-        <p:nvSpPr>
-          <p:cNvPr id="5" name="Double flèche horizontale 4"/>
-          <p:cNvSpPr/>
-          <p:nvPr/>
-        </p:nvSpPr>
-        <p:spPr>
-          <a:xfrm>
-            <a:off x="5373189" y="3417534"/>
-            <a:ext cx="1598624" cy="484632"/>
-          </a:xfrm>
-          <a:prstGeom prst="leftRightArrow">
-            <a:avLst/>
-          </a:prstGeom>
-        </p:spPr>
-        <p:style>
-          <a:lnRef idx="2">
-            <a:schemeClr val="accent1">
-              <a:shade val="50000"/>
-            </a:schemeClr>
-          </a:lnRef>
-          <a:fillRef idx="1">
-            <a:schemeClr val="accent1"/>
-          </a:fillRef>
-          <a:effectRef idx="0">
-            <a:schemeClr val="accent1"/>
-          </a:effectRef>
-          <a:fontRef idx="minor">
-            <a:schemeClr val="lt1"/>
-          </a:fontRef>
-        </p:style>
-        <p:txBody>
-          <a:bodyPr rtlCol="0" anchor="ctr"/>
-          <a:lstStyle/>
-          <a:p>
-            <a:pPr algn="ctr"/>
-            <a:endParaRPr lang="en-US"/>
+            <a:r>
+              <a:rPr lang="fr-FR" dirty="0" err="1" smtClean="0"/>
+              <a:t>reduced</a:t>
+            </a:r>
+            <a:r>
+              <a:rPr lang="fr-FR" dirty="0" smtClean="0"/>
+              <a:t>.</a:t>
+            </a:r>
+            <a:endParaRPr lang="en-US" dirty="0"/>
           </a:p>
         </p:txBody>
       </p:sp>
     </p:spTree>
     <p:extLst>
       <p:ext uri="{BB962C8B-B14F-4D97-AF65-F5344CB8AC3E}">
-        <p14:creationId xmlns:p14="http://schemas.microsoft.com/office/powerpoint/2010/main" val="2548222888"/>
+        <p14:creationId xmlns:p14="http://schemas.microsoft.com/office/powerpoint/2010/main" val="2919337036"/>
       </p:ext>
     </p:extLst>
   </p:cSld>
@@ -7304,6 +7255,1379 @@
       </p:grpSpPr>
       <p:sp>
         <p:nvSpPr>
+          <p:cNvPr id="2" name="Title 1">
+            <a:extLst>
+              <a:ext uri="{FF2B5EF4-FFF2-40B4-BE49-F238E27FC236}">
+                <a16:creationId xmlns:a16="http://schemas.microsoft.com/office/drawing/2014/main" id="{89079575-2370-44FE-AD22-B44D55D663A0}"/>
+              </a:ext>
+            </a:extLst>
+          </p:cNvPr>
+          <p:cNvSpPr>
+            <a:spLocks noGrp="1"/>
+          </p:cNvSpPr>
+          <p:nvPr>
+            <p:ph type="title"/>
+          </p:nvPr>
+        </p:nvSpPr>
+        <p:spPr>
+          <a:xfrm>
+            <a:off x="1593548" y="2260600"/>
+            <a:ext cx="7344810" cy="2073729"/>
+          </a:xfrm>
+        </p:spPr>
+        <p:txBody>
+          <a:bodyPr>
+            <a:normAutofit/>
+          </a:bodyPr>
+          <a:lstStyle/>
+          <a:p>
+            <a:pPr algn="ctr"/>
+            <a:r>
+              <a:rPr lang="en-US" sz="6000" b="1" dirty="0" smtClean="0"/>
+              <a:t>Machine Learning models</a:t>
+            </a:r>
+            <a:endParaRPr lang="en-US" sz="6000" b="1" dirty="0"/>
+          </a:p>
+        </p:txBody>
+      </p:sp>
+      <p:sp>
+        <p:nvSpPr>
+          <p:cNvPr id="4" name="Slide Number Placeholder 3">
+            <a:extLst>
+              <a:ext uri="{FF2B5EF4-FFF2-40B4-BE49-F238E27FC236}">
+                <a16:creationId xmlns:a16="http://schemas.microsoft.com/office/drawing/2014/main" id="{1F146C20-7F83-45E2-BDD5-5D7C8D3DC231}"/>
+              </a:ext>
+            </a:extLst>
+          </p:cNvPr>
+          <p:cNvSpPr>
+            <a:spLocks noGrp="1"/>
+          </p:cNvSpPr>
+          <p:nvPr>
+            <p:ph type="sldNum" sz="quarter" idx="12"/>
+          </p:nvPr>
+        </p:nvSpPr>
+        <p:spPr/>
+        <p:txBody>
+          <a:bodyPr/>
+          <a:lstStyle/>
+          <a:p>
+            <a:fld id="{519954A3-9DFD-4C44-94BA-B95130A3BA1C}" type="slidenum">
+              <a:rPr lang="en-US" dirty="0"/>
+              <a:t>11</a:t>
+            </a:fld>
+            <a:endParaRPr lang="en-US"/>
+          </a:p>
+        </p:txBody>
+      </p:sp>
+    </p:spTree>
+    <p:extLst>
+      <p:ext uri="{BB962C8B-B14F-4D97-AF65-F5344CB8AC3E}">
+        <p14:creationId xmlns:p14="http://schemas.microsoft.com/office/powerpoint/2010/main" val="4253466535"/>
+      </p:ext>
+    </p:extLst>
+  </p:cSld>
+  <p:clrMapOvr>
+    <a:masterClrMapping/>
+  </p:clrMapOvr>
+  <p:timing>
+    <p:tnLst>
+      <p:par>
+        <p:cTn id="1" dur="indefinite" restart="never" nodeType="tmRoot"/>
+      </p:par>
+    </p:tnLst>
+  </p:timing>
+</p:sld>
+</file>
+
+<file path=ppt/slides/slide12.xml><?xml version="1.0" encoding="utf-8"?>
+<p:sld xmlns:a="http://schemas.openxmlformats.org/drawingml/2006/main" xmlns:r="http://schemas.openxmlformats.org/officeDocument/2006/relationships" xmlns:p="http://schemas.openxmlformats.org/presentationml/2006/main">
+  <p:cSld>
+    <p:spTree>
+      <p:nvGrpSpPr>
+        <p:cNvPr id="1" name=""/>
+        <p:cNvGrpSpPr/>
+        <p:nvPr/>
+      </p:nvGrpSpPr>
+      <p:grpSpPr>
+        <a:xfrm>
+          <a:off x="0" y="0"/>
+          <a:ext cx="0" cy="0"/>
+          <a:chOff x="0" y="0"/>
+          <a:chExt cx="0" cy="0"/>
+        </a:xfrm>
+      </p:grpSpPr>
+      <p:sp>
+        <p:nvSpPr>
+          <p:cNvPr id="2" name="Titre 1"/>
+          <p:cNvSpPr>
+            <a:spLocks noGrp="1"/>
+          </p:cNvSpPr>
+          <p:nvPr>
+            <p:ph type="title"/>
+          </p:nvPr>
+        </p:nvSpPr>
+        <p:spPr/>
+        <p:txBody>
+          <a:bodyPr/>
+          <a:lstStyle/>
+          <a:p>
+            <a:r>
+              <a:rPr lang="fr-FR" b="1" dirty="0" err="1" smtClean="0"/>
+              <a:t>Dataset</a:t>
+            </a:r>
+            <a:r>
+              <a:rPr lang="fr-FR" b="1" dirty="0" smtClean="0"/>
+              <a:t> </a:t>
+            </a:r>
+            <a:r>
+              <a:rPr lang="fr-FR" b="1" dirty="0" err="1" smtClean="0"/>
+              <a:t>preparation</a:t>
+            </a:r>
+            <a:endParaRPr lang="en-US" b="1" dirty="0"/>
+          </a:p>
+        </p:txBody>
+      </p:sp>
+      <p:sp>
+        <p:nvSpPr>
+          <p:cNvPr id="4" name="Espace réservé du numéro de diapositive 3"/>
+          <p:cNvSpPr>
+            <a:spLocks noGrp="1"/>
+          </p:cNvSpPr>
+          <p:nvPr>
+            <p:ph type="sldNum" sz="quarter" idx="12"/>
+          </p:nvPr>
+        </p:nvSpPr>
+        <p:spPr/>
+        <p:txBody>
+          <a:bodyPr/>
+          <a:lstStyle/>
+          <a:p>
+            <a:fld id="{519954A3-9DFD-4C44-94BA-B95130A3BA1C}" type="slidenum">
+              <a:rPr lang="en-US" smtClean="0"/>
+              <a:t>12</a:t>
+            </a:fld>
+            <a:endParaRPr lang="en-US"/>
+          </a:p>
+        </p:txBody>
+      </p:sp>
+      <p:sp>
+        <p:nvSpPr>
+          <p:cNvPr id="6" name="Rectangle 5"/>
+          <p:cNvSpPr/>
+          <p:nvPr/>
+        </p:nvSpPr>
+        <p:spPr>
+          <a:xfrm>
+            <a:off x="647700" y="5577593"/>
+            <a:ext cx="5200650" cy="923330"/>
+          </a:xfrm>
+          <a:prstGeom prst="rect">
+            <a:avLst/>
+          </a:prstGeom>
+        </p:spPr>
+        <p:txBody>
+          <a:bodyPr wrap="square">
+            <a:spAutoFit/>
+          </a:bodyPr>
+          <a:lstStyle/>
+          <a:p>
+            <a:pPr marL="285750" indent="-285750">
+              <a:buClr>
+                <a:schemeClr val="accent1"/>
+              </a:buClr>
+              <a:buFont typeface="Wingdings" panose="05000000000000000000" pitchFamily="2" charset="2"/>
+              <a:buChar char="Ø"/>
+            </a:pPr>
+            <a:r>
+              <a:rPr lang="en-US" dirty="0" err="1" smtClean="0">
+                <a:solidFill>
+                  <a:srgbClr val="000000"/>
+                </a:solidFill>
+                <a:latin typeface="Helvetica Neue"/>
+              </a:rPr>
+              <a:t>num_data</a:t>
+            </a:r>
+            <a:r>
+              <a:rPr lang="en-US" dirty="0" smtClean="0">
+                <a:solidFill>
+                  <a:srgbClr val="000000"/>
+                </a:solidFill>
+                <a:latin typeface="Helvetica Neue"/>
+              </a:rPr>
+              <a:t>: 10 </a:t>
+            </a:r>
+            <a:r>
+              <a:rPr lang="en-US" dirty="0">
+                <a:solidFill>
+                  <a:srgbClr val="000000"/>
+                </a:solidFill>
+                <a:latin typeface="Helvetica Neue"/>
+              </a:rPr>
+              <a:t>numerical columns = </a:t>
+            </a:r>
+            <a:r>
+              <a:rPr lang="en-US" dirty="0" err="1">
+                <a:solidFill>
+                  <a:srgbClr val="000000"/>
+                </a:solidFill>
+                <a:latin typeface="Helvetica Neue"/>
+              </a:rPr>
+              <a:t>int</a:t>
+            </a:r>
+            <a:r>
+              <a:rPr lang="en-US" dirty="0">
+                <a:solidFill>
+                  <a:srgbClr val="000000"/>
+                </a:solidFill>
+                <a:latin typeface="Helvetica Neue"/>
+              </a:rPr>
+              <a:t> or </a:t>
+            </a:r>
+            <a:r>
+              <a:rPr lang="en-US" dirty="0" smtClean="0">
+                <a:solidFill>
+                  <a:srgbClr val="000000"/>
+                </a:solidFill>
+                <a:latin typeface="Helvetica Neue"/>
+              </a:rPr>
+              <a:t>float (excluding </a:t>
+            </a:r>
+            <a:r>
+              <a:rPr lang="fr-FR" dirty="0" err="1" smtClean="0">
+                <a:solidFill>
+                  <a:srgbClr val="000000"/>
+                </a:solidFill>
+                <a:latin typeface="Helvetica Neue"/>
+              </a:rPr>
+              <a:t>our</a:t>
+            </a:r>
+            <a:r>
+              <a:rPr lang="fr-FR" dirty="0" smtClean="0">
+                <a:solidFill>
+                  <a:srgbClr val="000000"/>
+                </a:solidFill>
+                <a:latin typeface="Helvetica Neue"/>
+              </a:rPr>
+              <a:t> 2 </a:t>
+            </a:r>
+            <a:r>
+              <a:rPr lang="fr-FR" dirty="0" err="1" smtClean="0">
+                <a:solidFill>
+                  <a:srgbClr val="000000"/>
+                </a:solidFill>
+                <a:latin typeface="Helvetica Neue"/>
+              </a:rPr>
+              <a:t>target</a:t>
+            </a:r>
+            <a:r>
+              <a:rPr lang="fr-FR" dirty="0" smtClean="0">
+                <a:solidFill>
+                  <a:srgbClr val="000000"/>
+                </a:solidFill>
+                <a:latin typeface="Helvetica Neue"/>
+              </a:rPr>
+              <a:t> </a:t>
+            </a:r>
+            <a:r>
+              <a:rPr lang="fr-FR" dirty="0" err="1" smtClean="0">
+                <a:solidFill>
+                  <a:srgbClr val="000000"/>
+                </a:solidFill>
+                <a:latin typeface="Helvetica Neue"/>
+              </a:rPr>
+              <a:t>features</a:t>
+            </a:r>
+            <a:r>
+              <a:rPr lang="fr-FR" dirty="0" smtClean="0">
+                <a:solidFill>
+                  <a:srgbClr val="000000"/>
+                </a:solidFill>
+                <a:latin typeface="Helvetica Neue"/>
+              </a:rPr>
+              <a:t>)</a:t>
+            </a:r>
+          </a:p>
+          <a:p>
+            <a:pPr marL="285750" indent="-285750">
+              <a:buClr>
+                <a:schemeClr val="accent1"/>
+              </a:buClr>
+              <a:buFont typeface="Wingdings" panose="05000000000000000000" pitchFamily="2" charset="2"/>
+              <a:buChar char="Ø"/>
+            </a:pPr>
+            <a:r>
+              <a:rPr lang="en-US" dirty="0" err="1" smtClean="0">
+                <a:solidFill>
+                  <a:srgbClr val="000000"/>
+                </a:solidFill>
+                <a:latin typeface="Helvetica Neue"/>
+              </a:rPr>
+              <a:t>cat_data</a:t>
+            </a:r>
+            <a:r>
+              <a:rPr lang="en-US" dirty="0" smtClean="0">
+                <a:solidFill>
+                  <a:srgbClr val="000000"/>
+                </a:solidFill>
+                <a:latin typeface="Helvetica Neue"/>
+              </a:rPr>
+              <a:t>: 5 </a:t>
+            </a:r>
+            <a:r>
+              <a:rPr lang="en-US" dirty="0">
+                <a:solidFill>
+                  <a:srgbClr val="000000"/>
+                </a:solidFill>
+                <a:latin typeface="Helvetica Neue"/>
+              </a:rPr>
+              <a:t>categorical columns = </a:t>
+            </a:r>
+            <a:r>
+              <a:rPr lang="en-US" dirty="0" smtClean="0">
+                <a:solidFill>
+                  <a:srgbClr val="000000"/>
+                </a:solidFill>
+                <a:latin typeface="Helvetica Neue"/>
+              </a:rPr>
+              <a:t>object</a:t>
+            </a:r>
+            <a:endParaRPr lang="en-US" dirty="0"/>
+          </a:p>
+        </p:txBody>
+      </p:sp>
+      <p:grpSp>
+        <p:nvGrpSpPr>
+          <p:cNvPr id="8" name="Groupe 7"/>
+          <p:cNvGrpSpPr/>
+          <p:nvPr/>
+        </p:nvGrpSpPr>
+        <p:grpSpPr>
+          <a:xfrm>
+            <a:off x="609600" y="1930400"/>
+            <a:ext cx="4055534" cy="3078953"/>
+            <a:chOff x="609600" y="1930400"/>
+            <a:chExt cx="4055534" cy="3078953"/>
+          </a:xfrm>
+        </p:grpSpPr>
+        <p:pic>
+          <p:nvPicPr>
+            <p:cNvPr id="5" name="Image 4"/>
+            <p:cNvPicPr>
+              <a:picLocks noChangeAspect="1"/>
+            </p:cNvPicPr>
+            <p:nvPr/>
+          </p:nvPicPr>
+          <p:blipFill rotWithShape="1">
+            <a:blip r:embed="rId2"/>
+            <a:srcRect l="20069" t="35926" r="50070" b="23086"/>
+            <a:stretch/>
+          </p:blipFill>
+          <p:spPr>
+            <a:xfrm>
+              <a:off x="677334" y="1930400"/>
+              <a:ext cx="3987800" cy="3078953"/>
+            </a:xfrm>
+            <a:prstGeom prst="rect">
+              <a:avLst/>
+            </a:prstGeom>
+          </p:spPr>
+        </p:pic>
+        <p:sp>
+          <p:nvSpPr>
+            <p:cNvPr id="7" name="Rectangle 6"/>
+            <p:cNvSpPr/>
+            <p:nvPr/>
+          </p:nvSpPr>
+          <p:spPr>
+            <a:xfrm>
+              <a:off x="609600" y="3705226"/>
+              <a:ext cx="4055534" cy="276224"/>
+            </a:xfrm>
+            <a:prstGeom prst="rect">
+              <a:avLst/>
+            </a:prstGeom>
+            <a:noFill/>
+            <a:ln>
+              <a:solidFill>
+                <a:srgbClr val="FF0000"/>
+              </a:solidFill>
+            </a:ln>
+          </p:spPr>
+          <p:style>
+            <a:lnRef idx="2">
+              <a:schemeClr val="accent1">
+                <a:shade val="50000"/>
+              </a:schemeClr>
+            </a:lnRef>
+            <a:fillRef idx="1">
+              <a:schemeClr val="accent1"/>
+            </a:fillRef>
+            <a:effectRef idx="0">
+              <a:schemeClr val="accent1"/>
+            </a:effectRef>
+            <a:fontRef idx="minor">
+              <a:schemeClr val="lt1"/>
+            </a:fontRef>
+          </p:style>
+          <p:txBody>
+            <a:bodyPr rtlCol="0" anchor="ctr"/>
+            <a:lstStyle/>
+            <a:p>
+              <a:pPr algn="ctr"/>
+              <a:endParaRPr lang="en-US"/>
+            </a:p>
+          </p:txBody>
+        </p:sp>
+      </p:grpSp>
+      <p:sp>
+        <p:nvSpPr>
+          <p:cNvPr id="9" name="Rectangle 8"/>
+          <p:cNvSpPr/>
+          <p:nvPr/>
+        </p:nvSpPr>
+        <p:spPr>
+          <a:xfrm>
+            <a:off x="5542663" y="1715550"/>
+            <a:ext cx="6354062" cy="1754326"/>
+          </a:xfrm>
+          <a:prstGeom prst="rect">
+            <a:avLst/>
+          </a:prstGeom>
+        </p:spPr>
+        <p:txBody>
+          <a:bodyPr wrap="square">
+            <a:spAutoFit/>
+          </a:bodyPr>
+          <a:lstStyle/>
+          <a:p>
+            <a:r>
+              <a:rPr lang="en-US" dirty="0"/>
+              <a:t>scaler = </a:t>
+            </a:r>
+            <a:r>
+              <a:rPr lang="en-US" dirty="0" err="1"/>
+              <a:t>StandardScaler</a:t>
+            </a:r>
+            <a:r>
+              <a:rPr lang="en-US" dirty="0"/>
+              <a:t>()</a:t>
+            </a:r>
+          </a:p>
+          <a:p>
+            <a:r>
+              <a:rPr lang="en-US" dirty="0" err="1"/>
+              <a:t>categorical_transformer</a:t>
+            </a:r>
+            <a:r>
+              <a:rPr lang="en-US" dirty="0"/>
+              <a:t> = </a:t>
+            </a:r>
+            <a:r>
+              <a:rPr lang="en-US" dirty="0" err="1" smtClean="0"/>
+              <a:t>OneHotEncoder</a:t>
+            </a:r>
+            <a:r>
+              <a:rPr lang="en-US" dirty="0" smtClean="0"/>
+              <a:t>()</a:t>
+            </a:r>
+          </a:p>
+          <a:p>
+            <a:r>
+              <a:rPr lang="en-US" dirty="0" smtClean="0"/>
+              <a:t>preprocessor </a:t>
+            </a:r>
+            <a:r>
+              <a:rPr lang="en-US" dirty="0"/>
+              <a:t>= </a:t>
+            </a:r>
+            <a:r>
+              <a:rPr lang="en-US" dirty="0" err="1"/>
+              <a:t>ColumnTransformer</a:t>
+            </a:r>
+            <a:r>
+              <a:rPr lang="en-US" dirty="0"/>
+              <a:t>(transformers=</a:t>
+            </a:r>
+          </a:p>
+          <a:p>
+            <a:r>
+              <a:rPr lang="en-US" dirty="0"/>
+              <a:t>                     </a:t>
+            </a:r>
+            <a:r>
+              <a:rPr lang="en-US" dirty="0" smtClean="0"/>
+              <a:t>  [(</a:t>
+            </a:r>
+            <a:r>
+              <a:rPr lang="en-US" dirty="0"/>
+              <a:t>'</a:t>
+            </a:r>
+            <a:r>
+              <a:rPr lang="en-US" dirty="0" err="1"/>
+              <a:t>num</a:t>
+            </a:r>
+            <a:r>
+              <a:rPr lang="en-US" dirty="0"/>
+              <a:t>', scaler, </a:t>
+            </a:r>
+            <a:r>
+              <a:rPr lang="en-US" dirty="0" err="1"/>
+              <a:t>num_data</a:t>
+            </a:r>
+            <a:r>
+              <a:rPr lang="en-US" dirty="0"/>
+              <a:t> ),</a:t>
+            </a:r>
+          </a:p>
+          <a:p>
+            <a:r>
+              <a:rPr lang="en-US" dirty="0"/>
+              <a:t>                     </a:t>
+            </a:r>
+            <a:r>
+              <a:rPr lang="en-US" dirty="0" smtClean="0"/>
+              <a:t>   (</a:t>
+            </a:r>
+            <a:r>
+              <a:rPr lang="en-US" dirty="0"/>
+              <a:t>'cat', </a:t>
+            </a:r>
+            <a:r>
+              <a:rPr lang="en-US" dirty="0" err="1"/>
+              <a:t>categorical_transformer</a:t>
+            </a:r>
+            <a:r>
+              <a:rPr lang="en-US" dirty="0"/>
+              <a:t>, </a:t>
+            </a:r>
+            <a:r>
+              <a:rPr lang="en-US" dirty="0" err="1"/>
+              <a:t>cat_data</a:t>
+            </a:r>
+            <a:r>
+              <a:rPr lang="en-US" dirty="0" smtClean="0"/>
+              <a:t>)])</a:t>
+            </a:r>
+          </a:p>
+          <a:p>
+            <a:endParaRPr lang="fr-FR" dirty="0"/>
+          </a:p>
+        </p:txBody>
+      </p:sp>
+      <p:grpSp>
+        <p:nvGrpSpPr>
+          <p:cNvPr id="15" name="Groupe 14"/>
+          <p:cNvGrpSpPr/>
+          <p:nvPr/>
+        </p:nvGrpSpPr>
+        <p:grpSpPr>
+          <a:xfrm>
+            <a:off x="5542663" y="4291650"/>
+            <a:ext cx="5392037" cy="975744"/>
+            <a:chOff x="5542663" y="3926888"/>
+            <a:chExt cx="5753987" cy="975744"/>
+          </a:xfrm>
+        </p:grpSpPr>
+        <p:sp>
+          <p:nvSpPr>
+            <p:cNvPr id="10" name="ZoneTexte 9"/>
+            <p:cNvSpPr txBox="1"/>
+            <p:nvPr/>
+          </p:nvSpPr>
+          <p:spPr>
+            <a:xfrm>
+              <a:off x="5542663" y="4317857"/>
+              <a:ext cx="5753987" cy="584775"/>
+            </a:xfrm>
+            <a:prstGeom prst="rect">
+              <a:avLst/>
+            </a:prstGeom>
+            <a:noFill/>
+          </p:spPr>
+          <p:txBody>
+            <a:bodyPr wrap="square" rtlCol="0">
+              <a:spAutoFit/>
+            </a:bodyPr>
+            <a:lstStyle/>
+            <a:p>
+              <a:r>
+                <a:rPr lang="en-US" sz="1600" i="1" dirty="0" err="1"/>
+                <a:t>X_train</a:t>
+              </a:r>
+              <a:r>
+                <a:rPr lang="en-US" sz="1600" i="1" dirty="0"/>
+                <a:t>, </a:t>
+              </a:r>
+              <a:r>
+                <a:rPr lang="en-US" sz="1600" i="1" dirty="0" err="1"/>
+                <a:t>X_test</a:t>
+              </a:r>
+              <a:r>
+                <a:rPr lang="en-US" sz="1600" i="1" dirty="0"/>
+                <a:t>, </a:t>
+              </a:r>
+              <a:r>
+                <a:rPr lang="en-US" sz="1600" i="1" dirty="0" err="1"/>
+                <a:t>y_train</a:t>
+              </a:r>
+              <a:r>
+                <a:rPr lang="en-US" sz="1600" i="1" dirty="0"/>
+                <a:t>, </a:t>
+              </a:r>
+              <a:r>
+                <a:rPr lang="en-US" sz="1600" i="1" dirty="0" err="1"/>
+                <a:t>y_test</a:t>
+              </a:r>
+              <a:r>
+                <a:rPr lang="en-US" sz="1600" i="1" dirty="0"/>
+                <a:t> = </a:t>
+              </a:r>
+              <a:r>
+                <a:rPr lang="en-US" sz="1600" i="1" dirty="0" err="1"/>
+                <a:t>train_test_split</a:t>
+              </a:r>
+              <a:r>
+                <a:rPr lang="en-US" sz="1600" i="1" dirty="0"/>
+                <a:t>(X, y, </a:t>
+              </a:r>
+              <a:r>
+                <a:rPr lang="en-US" sz="1600" i="1" dirty="0" err="1"/>
+                <a:t>test_size</a:t>
+              </a:r>
+              <a:r>
+                <a:rPr lang="en-US" sz="1600" i="1" dirty="0"/>
+                <a:t>=0.2, </a:t>
+              </a:r>
+              <a:r>
+                <a:rPr lang="en-US" sz="1600" i="1" dirty="0" err="1"/>
+                <a:t>random_state</a:t>
+              </a:r>
+              <a:r>
+                <a:rPr lang="en-US" sz="1600" i="1" dirty="0"/>
+                <a:t>=42</a:t>
+              </a:r>
+              <a:r>
+                <a:rPr lang="en-US" sz="1600" i="1" dirty="0" smtClean="0"/>
+                <a:t>)</a:t>
+              </a:r>
+              <a:endParaRPr lang="en-US" sz="1600" i="1" dirty="0"/>
+            </a:p>
+          </p:txBody>
+        </p:sp>
+        <p:sp>
+          <p:nvSpPr>
+            <p:cNvPr id="11" name="ZoneTexte 10"/>
+            <p:cNvSpPr txBox="1"/>
+            <p:nvPr/>
+          </p:nvSpPr>
+          <p:spPr>
+            <a:xfrm>
+              <a:off x="5542663" y="3926888"/>
+              <a:ext cx="5172075" cy="369332"/>
+            </a:xfrm>
+            <a:prstGeom prst="rect">
+              <a:avLst/>
+            </a:prstGeom>
+            <a:noFill/>
+          </p:spPr>
+          <p:txBody>
+            <a:bodyPr wrap="square" rtlCol="0">
+              <a:spAutoFit/>
+            </a:bodyPr>
+            <a:lstStyle/>
+            <a:p>
+              <a:r>
+                <a:rPr lang="fr-FR" u="sng" dirty="0" err="1" smtClean="0"/>
+                <a:t>Dataset</a:t>
+              </a:r>
+              <a:r>
+                <a:rPr lang="fr-FR" u="sng" dirty="0" smtClean="0"/>
+                <a:t> split (80% training, 20% </a:t>
+              </a:r>
+              <a:r>
+                <a:rPr lang="fr-FR" u="sng" dirty="0" err="1" smtClean="0"/>
+                <a:t>testing</a:t>
+              </a:r>
+              <a:r>
+                <a:rPr lang="fr-FR" u="sng" dirty="0" smtClean="0"/>
+                <a:t>)</a:t>
+              </a:r>
+              <a:endParaRPr lang="en-US" u="sng" dirty="0"/>
+            </a:p>
+          </p:txBody>
+        </p:sp>
+      </p:grpSp>
+    </p:spTree>
+    <p:extLst>
+      <p:ext uri="{BB962C8B-B14F-4D97-AF65-F5344CB8AC3E}">
+        <p14:creationId xmlns:p14="http://schemas.microsoft.com/office/powerpoint/2010/main" val="3707282217"/>
+      </p:ext>
+    </p:extLst>
+  </p:cSld>
+  <p:clrMapOvr>
+    <a:masterClrMapping/>
+  </p:clrMapOvr>
+</p:sld>
+</file>
+
+<file path=ppt/slides/slide13.xml><?xml version="1.0" encoding="utf-8"?>
+<p:sld xmlns:a="http://schemas.openxmlformats.org/drawingml/2006/main" xmlns:r="http://schemas.openxmlformats.org/officeDocument/2006/relationships" xmlns:p="http://schemas.openxmlformats.org/presentationml/2006/main">
+  <p:cSld>
+    <p:spTree>
+      <p:nvGrpSpPr>
+        <p:cNvPr id="1" name=""/>
+        <p:cNvGrpSpPr/>
+        <p:nvPr/>
+      </p:nvGrpSpPr>
+      <p:grpSpPr>
+        <a:xfrm>
+          <a:off x="0" y="0"/>
+          <a:ext cx="0" cy="0"/>
+          <a:chOff x="0" y="0"/>
+          <a:chExt cx="0" cy="0"/>
+        </a:xfrm>
+      </p:grpSpPr>
+      <p:sp>
+        <p:nvSpPr>
+          <p:cNvPr id="2" name="Title 1"/>
+          <p:cNvSpPr>
+            <a:spLocks noGrp="1"/>
+          </p:cNvSpPr>
+          <p:nvPr>
+            <p:ph type="title"/>
+          </p:nvPr>
+        </p:nvSpPr>
+        <p:spPr>
+          <a:xfrm>
+            <a:off x="598956" y="696686"/>
+            <a:ext cx="8596668" cy="704045"/>
+          </a:xfrm>
+        </p:spPr>
+        <p:txBody>
+          <a:bodyPr/>
+          <a:lstStyle/>
+          <a:p>
+            <a:r>
+              <a:rPr lang="en-GB" b="1" dirty="0" smtClean="0"/>
+              <a:t>Regression Models Evaluation</a:t>
+            </a:r>
+            <a:endParaRPr lang="en-GB" dirty="0"/>
+          </a:p>
+        </p:txBody>
+      </p:sp>
+      <p:sp>
+        <p:nvSpPr>
+          <p:cNvPr id="3" name="ZoneTexte 2"/>
+          <p:cNvSpPr txBox="1"/>
+          <p:nvPr/>
+        </p:nvSpPr>
+        <p:spPr>
+          <a:xfrm>
+            <a:off x="836023" y="2177142"/>
+            <a:ext cx="7968343" cy="3970318"/>
+          </a:xfrm>
+          <a:prstGeom prst="rect">
+            <a:avLst/>
+          </a:prstGeom>
+          <a:noFill/>
+        </p:spPr>
+        <p:txBody>
+          <a:bodyPr wrap="square" rtlCol="0">
+            <a:spAutoFit/>
+          </a:bodyPr>
+          <a:lstStyle/>
+          <a:p>
+            <a:pPr marL="285750" indent="-285750">
+              <a:buFont typeface="Arial" panose="020B0604020202020204" pitchFamily="34" charset="0"/>
+              <a:buChar char="•"/>
+            </a:pPr>
+            <a:r>
+              <a:rPr lang="fr-FR" sz="2800" dirty="0" err="1" smtClean="0">
+                <a:solidFill>
+                  <a:schemeClr val="bg1">
+                    <a:lumMod val="50000"/>
+                  </a:schemeClr>
+                </a:solidFill>
+              </a:rPr>
+              <a:t>Dummy</a:t>
+            </a:r>
+            <a:r>
+              <a:rPr lang="fr-FR" sz="2800" dirty="0" smtClean="0">
+                <a:solidFill>
+                  <a:schemeClr val="bg1">
+                    <a:lumMod val="50000"/>
+                  </a:schemeClr>
+                </a:solidFill>
+              </a:rPr>
+              <a:t> </a:t>
+            </a:r>
+            <a:r>
+              <a:rPr lang="fr-FR" sz="2800" dirty="0" err="1" smtClean="0">
+                <a:solidFill>
+                  <a:schemeClr val="bg1">
+                    <a:lumMod val="50000"/>
+                  </a:schemeClr>
+                </a:solidFill>
+              </a:rPr>
+              <a:t>regression</a:t>
+            </a:r>
+            <a:endParaRPr lang="fr-FR" sz="2800" dirty="0" smtClean="0">
+              <a:solidFill>
+                <a:schemeClr val="bg1">
+                  <a:lumMod val="50000"/>
+                </a:schemeClr>
+              </a:solidFill>
+            </a:endParaRPr>
+          </a:p>
+          <a:p>
+            <a:pPr marL="285750" indent="-285750">
+              <a:buFont typeface="Arial" panose="020B0604020202020204" pitchFamily="34" charset="0"/>
+              <a:buChar char="•"/>
+            </a:pPr>
+            <a:r>
+              <a:rPr lang="fr-FR" sz="2800" dirty="0" err="1" smtClean="0">
+                <a:solidFill>
+                  <a:schemeClr val="bg1">
+                    <a:lumMod val="50000"/>
+                  </a:schemeClr>
+                </a:solidFill>
+              </a:rPr>
+              <a:t>Linear</a:t>
+            </a:r>
+            <a:r>
+              <a:rPr lang="fr-FR" sz="2800" dirty="0" smtClean="0">
+                <a:solidFill>
+                  <a:schemeClr val="bg1">
+                    <a:lumMod val="50000"/>
+                  </a:schemeClr>
+                </a:solidFill>
+              </a:rPr>
+              <a:t> </a:t>
+            </a:r>
+            <a:r>
+              <a:rPr lang="fr-FR" sz="2800" dirty="0" err="1" smtClean="0">
+                <a:solidFill>
+                  <a:schemeClr val="bg1">
+                    <a:lumMod val="50000"/>
+                  </a:schemeClr>
+                </a:solidFill>
+              </a:rPr>
+              <a:t>regression</a:t>
+            </a:r>
+            <a:endParaRPr lang="fr-FR" sz="2800" dirty="0" smtClean="0">
+              <a:solidFill>
+                <a:schemeClr val="bg1">
+                  <a:lumMod val="50000"/>
+                </a:schemeClr>
+              </a:solidFill>
+            </a:endParaRPr>
+          </a:p>
+          <a:p>
+            <a:pPr marL="285750" indent="-285750">
+              <a:buFont typeface="Arial" panose="020B0604020202020204" pitchFamily="34" charset="0"/>
+              <a:buChar char="•"/>
+            </a:pPr>
+            <a:r>
+              <a:rPr lang="fr-FR" sz="2800" dirty="0" smtClean="0">
+                <a:solidFill>
+                  <a:schemeClr val="bg1">
+                    <a:lumMod val="50000"/>
+                  </a:schemeClr>
+                </a:solidFill>
+              </a:rPr>
+              <a:t>Lasso </a:t>
+            </a:r>
+            <a:r>
+              <a:rPr lang="fr-FR" sz="2800" dirty="0" err="1" smtClean="0">
+                <a:solidFill>
+                  <a:schemeClr val="bg1">
+                    <a:lumMod val="50000"/>
+                  </a:schemeClr>
+                </a:solidFill>
+              </a:rPr>
+              <a:t>regression</a:t>
+            </a:r>
+            <a:endParaRPr lang="fr-FR" sz="2800" dirty="0" smtClean="0">
+              <a:solidFill>
+                <a:schemeClr val="bg1">
+                  <a:lumMod val="50000"/>
+                </a:schemeClr>
+              </a:solidFill>
+            </a:endParaRPr>
+          </a:p>
+          <a:p>
+            <a:pPr marL="285750" indent="-285750">
+              <a:buFont typeface="Arial" panose="020B0604020202020204" pitchFamily="34" charset="0"/>
+              <a:buChar char="•"/>
+            </a:pPr>
+            <a:r>
+              <a:rPr lang="fr-FR" sz="2800" dirty="0" smtClean="0">
+                <a:solidFill>
+                  <a:schemeClr val="bg1">
+                    <a:lumMod val="50000"/>
+                  </a:schemeClr>
+                </a:solidFill>
+              </a:rPr>
+              <a:t>Ridge </a:t>
+            </a:r>
+            <a:r>
+              <a:rPr lang="fr-FR" sz="2800" dirty="0" err="1" smtClean="0">
+                <a:solidFill>
+                  <a:schemeClr val="bg1">
+                    <a:lumMod val="50000"/>
+                  </a:schemeClr>
+                </a:solidFill>
+              </a:rPr>
+              <a:t>regression</a:t>
+            </a:r>
+            <a:endParaRPr lang="fr-FR" sz="2800" dirty="0" smtClean="0">
+              <a:solidFill>
+                <a:schemeClr val="bg1">
+                  <a:lumMod val="50000"/>
+                </a:schemeClr>
+              </a:solidFill>
+            </a:endParaRPr>
+          </a:p>
+          <a:p>
+            <a:pPr marL="285750" indent="-285750">
+              <a:buFont typeface="Arial" panose="020B0604020202020204" pitchFamily="34" charset="0"/>
+              <a:buChar char="•"/>
+            </a:pPr>
+            <a:r>
+              <a:rPr lang="fr-FR" sz="2800" dirty="0" err="1" smtClean="0">
+                <a:solidFill>
+                  <a:schemeClr val="bg1">
+                    <a:lumMod val="50000"/>
+                  </a:schemeClr>
+                </a:solidFill>
+              </a:rPr>
+              <a:t>ElasticNet</a:t>
+            </a:r>
+            <a:r>
+              <a:rPr lang="fr-FR" sz="2800" dirty="0" smtClean="0">
+                <a:solidFill>
+                  <a:schemeClr val="bg1">
+                    <a:lumMod val="50000"/>
+                  </a:schemeClr>
+                </a:solidFill>
+              </a:rPr>
+              <a:t> </a:t>
+            </a:r>
+            <a:r>
+              <a:rPr lang="fr-FR" sz="2800" dirty="0" err="1" smtClean="0">
+                <a:solidFill>
+                  <a:schemeClr val="bg1">
+                    <a:lumMod val="50000"/>
+                  </a:schemeClr>
+                </a:solidFill>
+              </a:rPr>
+              <a:t>regression</a:t>
+            </a:r>
+            <a:endParaRPr lang="fr-FR" sz="2800" dirty="0" smtClean="0">
+              <a:solidFill>
+                <a:schemeClr val="bg1">
+                  <a:lumMod val="50000"/>
+                </a:schemeClr>
+              </a:solidFill>
+            </a:endParaRPr>
+          </a:p>
+          <a:p>
+            <a:pPr marL="285750" indent="-285750">
+              <a:buFont typeface="Arial" panose="020B0604020202020204" pitchFamily="34" charset="0"/>
+              <a:buChar char="•"/>
+            </a:pPr>
+            <a:r>
+              <a:rPr lang="fr-FR" sz="2800" dirty="0" smtClean="0">
+                <a:solidFill>
+                  <a:schemeClr val="bg1">
+                    <a:lumMod val="50000"/>
+                  </a:schemeClr>
+                </a:solidFill>
+              </a:rPr>
+              <a:t>SVM </a:t>
+            </a:r>
+            <a:r>
+              <a:rPr lang="fr-FR" sz="2800" dirty="0" err="1" smtClean="0">
+                <a:solidFill>
+                  <a:schemeClr val="bg1">
+                    <a:lumMod val="50000"/>
+                  </a:schemeClr>
+                </a:solidFill>
+              </a:rPr>
+              <a:t>regression</a:t>
+            </a:r>
+            <a:endParaRPr lang="fr-FR" sz="2800" dirty="0" smtClean="0">
+              <a:solidFill>
+                <a:schemeClr val="bg1">
+                  <a:lumMod val="50000"/>
+                </a:schemeClr>
+              </a:solidFill>
+            </a:endParaRPr>
+          </a:p>
+          <a:p>
+            <a:pPr marL="285750" indent="-285750">
+              <a:buFont typeface="Arial" panose="020B0604020202020204" pitchFamily="34" charset="0"/>
+              <a:buChar char="•"/>
+            </a:pPr>
+            <a:r>
+              <a:rPr lang="fr-FR" sz="2800" dirty="0" smtClean="0">
+                <a:solidFill>
+                  <a:schemeClr val="bg1">
+                    <a:lumMod val="50000"/>
+                  </a:schemeClr>
+                </a:solidFill>
+              </a:rPr>
+              <a:t>KNN</a:t>
+            </a:r>
+          </a:p>
+          <a:p>
+            <a:pPr marL="285750" indent="-285750">
+              <a:buFont typeface="Arial" panose="020B0604020202020204" pitchFamily="34" charset="0"/>
+              <a:buChar char="•"/>
+            </a:pPr>
+            <a:r>
+              <a:rPr lang="fr-FR" sz="2800" dirty="0" err="1" smtClean="0">
+                <a:solidFill>
+                  <a:schemeClr val="bg1">
+                    <a:lumMod val="50000"/>
+                  </a:schemeClr>
+                </a:solidFill>
+              </a:rPr>
+              <a:t>Random</a:t>
+            </a:r>
+            <a:r>
+              <a:rPr lang="fr-FR" sz="2800" dirty="0" smtClean="0">
+                <a:solidFill>
+                  <a:schemeClr val="bg1">
+                    <a:lumMod val="50000"/>
+                  </a:schemeClr>
+                </a:solidFill>
+              </a:rPr>
+              <a:t> Forest</a:t>
+            </a:r>
+          </a:p>
+          <a:p>
+            <a:pPr marL="285750" indent="-285750">
+              <a:buFont typeface="Arial" panose="020B0604020202020204" pitchFamily="34" charset="0"/>
+              <a:buChar char="•"/>
+            </a:pPr>
+            <a:r>
+              <a:rPr lang="fr-FR" sz="2800" dirty="0" err="1" smtClean="0">
+                <a:solidFill>
+                  <a:schemeClr val="bg1">
+                    <a:lumMod val="50000"/>
+                  </a:schemeClr>
+                </a:solidFill>
+              </a:rPr>
+              <a:t>XGBoost</a:t>
+            </a:r>
+            <a:endParaRPr lang="en-US" sz="2800" dirty="0">
+              <a:solidFill>
+                <a:schemeClr val="bg1">
+                  <a:lumMod val="50000"/>
+                </a:schemeClr>
+              </a:solidFill>
+            </a:endParaRPr>
+          </a:p>
+        </p:txBody>
+      </p:sp>
+      <p:sp>
+        <p:nvSpPr>
+          <p:cNvPr id="4" name="ZoneTexte 3"/>
+          <p:cNvSpPr txBox="1"/>
+          <p:nvPr/>
+        </p:nvSpPr>
+        <p:spPr>
+          <a:xfrm>
+            <a:off x="7565724" y="2751909"/>
+            <a:ext cx="1832553" cy="1815882"/>
+          </a:xfrm>
+          <a:prstGeom prst="rect">
+            <a:avLst/>
+          </a:prstGeom>
+          <a:noFill/>
+        </p:spPr>
+        <p:txBody>
+          <a:bodyPr wrap="none" rtlCol="0">
+            <a:spAutoFit/>
+          </a:bodyPr>
+          <a:lstStyle/>
+          <a:p>
+            <a:pPr algn="ctr"/>
+            <a:r>
+              <a:rPr lang="fr-FR" sz="2800" dirty="0" smtClean="0">
+                <a:solidFill>
+                  <a:schemeClr val="bg1">
+                    <a:lumMod val="50000"/>
+                  </a:schemeClr>
+                </a:solidFill>
+              </a:rPr>
+              <a:t>Impact of </a:t>
+            </a:r>
+          </a:p>
+          <a:p>
+            <a:pPr algn="ctr"/>
+            <a:r>
+              <a:rPr lang="fr-FR" sz="2800" dirty="0" err="1" smtClean="0">
+                <a:solidFill>
+                  <a:schemeClr val="bg1">
+                    <a:lumMod val="50000"/>
+                  </a:schemeClr>
+                </a:solidFill>
+              </a:rPr>
+              <a:t>Linear</a:t>
+            </a:r>
+            <a:r>
+              <a:rPr lang="fr-FR" sz="2800" dirty="0" smtClean="0">
+                <a:solidFill>
+                  <a:schemeClr val="bg1">
+                    <a:lumMod val="50000"/>
+                  </a:schemeClr>
+                </a:solidFill>
+              </a:rPr>
+              <a:t> </a:t>
+            </a:r>
+          </a:p>
+          <a:p>
+            <a:pPr algn="ctr"/>
+            <a:r>
+              <a:rPr lang="fr-FR" sz="2800" dirty="0" smtClean="0">
+                <a:solidFill>
+                  <a:schemeClr val="bg1">
+                    <a:lumMod val="50000"/>
+                  </a:schemeClr>
+                </a:solidFill>
+              </a:rPr>
+              <a:t>v</a:t>
+            </a:r>
+          </a:p>
+          <a:p>
+            <a:pPr algn="ctr"/>
+            <a:r>
+              <a:rPr lang="fr-FR" sz="2800" dirty="0" smtClean="0">
+                <a:solidFill>
+                  <a:schemeClr val="bg1">
+                    <a:lumMod val="50000"/>
+                  </a:schemeClr>
+                </a:solidFill>
+              </a:rPr>
+              <a:t> Log </a:t>
+            </a:r>
+            <a:r>
+              <a:rPr lang="fr-FR" sz="2800" dirty="0" err="1" smtClean="0">
+                <a:solidFill>
+                  <a:schemeClr val="bg1">
+                    <a:lumMod val="50000"/>
+                  </a:schemeClr>
+                </a:solidFill>
+              </a:rPr>
+              <a:t>scale</a:t>
+            </a:r>
+            <a:endParaRPr lang="en-US" sz="2800" dirty="0">
+              <a:solidFill>
+                <a:schemeClr val="bg1">
+                  <a:lumMod val="50000"/>
+                </a:schemeClr>
+              </a:solidFill>
+            </a:endParaRPr>
+          </a:p>
+        </p:txBody>
+      </p:sp>
+      <p:sp>
+        <p:nvSpPr>
+          <p:cNvPr id="5" name="Double flèche horizontale 4"/>
+          <p:cNvSpPr/>
+          <p:nvPr/>
+        </p:nvSpPr>
+        <p:spPr>
+          <a:xfrm>
+            <a:off x="5373189" y="3417534"/>
+            <a:ext cx="1598624" cy="484632"/>
+          </a:xfrm>
+          <a:prstGeom prst="leftRightArrow">
+            <a:avLst/>
+          </a:prstGeom>
+        </p:spPr>
+        <p:style>
+          <a:lnRef idx="2">
+            <a:schemeClr val="accent1">
+              <a:shade val="50000"/>
+            </a:schemeClr>
+          </a:lnRef>
+          <a:fillRef idx="1">
+            <a:schemeClr val="accent1"/>
+          </a:fillRef>
+          <a:effectRef idx="0">
+            <a:schemeClr val="accent1"/>
+          </a:effectRef>
+          <a:fontRef idx="minor">
+            <a:schemeClr val="lt1"/>
+          </a:fontRef>
+        </p:style>
+        <p:txBody>
+          <a:bodyPr rtlCol="0" anchor="ctr"/>
+          <a:lstStyle/>
+          <a:p>
+            <a:pPr algn="ctr"/>
+            <a:endParaRPr lang="en-US"/>
+          </a:p>
+        </p:txBody>
+      </p:sp>
+      <p:sp>
+        <p:nvSpPr>
+          <p:cNvPr id="6" name="ZoneTexte 5"/>
+          <p:cNvSpPr txBox="1"/>
+          <p:nvPr/>
+        </p:nvSpPr>
+        <p:spPr>
+          <a:xfrm>
+            <a:off x="4397790" y="6036783"/>
+            <a:ext cx="4703532" cy="461665"/>
+          </a:xfrm>
+          <a:prstGeom prst="rect">
+            <a:avLst/>
+          </a:prstGeom>
+          <a:noFill/>
+        </p:spPr>
+        <p:txBody>
+          <a:bodyPr wrap="none" rtlCol="0">
+            <a:spAutoFit/>
+          </a:bodyPr>
+          <a:lstStyle/>
+          <a:p>
+            <a:pPr algn="ctr"/>
+            <a:r>
+              <a:rPr lang="fr-FR" sz="2400" dirty="0" smtClean="0">
+                <a:solidFill>
+                  <a:schemeClr val="bg1">
+                    <a:lumMod val="50000"/>
+                  </a:schemeClr>
+                </a:solidFill>
+              </a:rPr>
+              <a:t>Is </a:t>
+            </a:r>
+            <a:r>
+              <a:rPr lang="fr-FR" sz="2400" dirty="0" err="1" smtClean="0">
+                <a:solidFill>
+                  <a:schemeClr val="bg1">
+                    <a:lumMod val="50000"/>
+                  </a:schemeClr>
+                </a:solidFill>
+              </a:rPr>
+              <a:t>it</a:t>
+            </a:r>
+            <a:r>
+              <a:rPr lang="fr-FR" sz="2400" dirty="0" smtClean="0">
+                <a:solidFill>
+                  <a:schemeClr val="bg1">
+                    <a:lumMod val="50000"/>
+                  </a:schemeClr>
+                </a:solidFill>
+              </a:rPr>
+              <a:t> </a:t>
+            </a:r>
+            <a:r>
+              <a:rPr lang="fr-FR" sz="2400" dirty="0" err="1" smtClean="0">
+                <a:solidFill>
+                  <a:schemeClr val="bg1">
+                    <a:lumMod val="50000"/>
+                  </a:schemeClr>
+                </a:solidFill>
+              </a:rPr>
+              <a:t>worth</a:t>
+            </a:r>
+            <a:r>
+              <a:rPr lang="fr-FR" sz="2400" dirty="0" smtClean="0">
+                <a:solidFill>
+                  <a:schemeClr val="bg1">
+                    <a:lumMod val="50000"/>
+                  </a:schemeClr>
+                </a:solidFill>
+              </a:rPr>
+              <a:t> </a:t>
+            </a:r>
+            <a:r>
+              <a:rPr lang="fr-FR" sz="2400" dirty="0" err="1" smtClean="0">
+                <a:solidFill>
+                  <a:schemeClr val="bg1">
+                    <a:lumMod val="50000"/>
+                  </a:schemeClr>
+                </a:solidFill>
+              </a:rPr>
+              <a:t>transforming</a:t>
+            </a:r>
+            <a:r>
+              <a:rPr lang="fr-FR" sz="2400" dirty="0" smtClean="0">
+                <a:solidFill>
+                  <a:schemeClr val="bg1">
+                    <a:lumMod val="50000"/>
+                  </a:schemeClr>
+                </a:solidFill>
+              </a:rPr>
+              <a:t> </a:t>
+            </a:r>
+            <a:r>
+              <a:rPr lang="fr-FR" sz="2400" dirty="0" err="1" smtClean="0">
+                <a:solidFill>
+                  <a:schemeClr val="bg1">
+                    <a:lumMod val="50000"/>
+                  </a:schemeClr>
+                </a:solidFill>
+              </a:rPr>
+              <a:t>into</a:t>
+            </a:r>
+            <a:r>
+              <a:rPr lang="fr-FR" sz="2400" dirty="0" smtClean="0">
+                <a:solidFill>
+                  <a:schemeClr val="bg1">
+                    <a:lumMod val="50000"/>
+                  </a:schemeClr>
+                </a:solidFill>
+              </a:rPr>
+              <a:t> log?</a:t>
+            </a:r>
+            <a:endParaRPr lang="en-US" sz="2400" dirty="0">
+              <a:solidFill>
+                <a:schemeClr val="bg1">
+                  <a:lumMod val="50000"/>
+                </a:schemeClr>
+              </a:solidFill>
+            </a:endParaRPr>
+          </a:p>
+        </p:txBody>
+      </p:sp>
+    </p:spTree>
+    <p:extLst>
+      <p:ext uri="{BB962C8B-B14F-4D97-AF65-F5344CB8AC3E}">
+        <p14:creationId xmlns:p14="http://schemas.microsoft.com/office/powerpoint/2010/main" val="2548222888"/>
+      </p:ext>
+    </p:extLst>
+  </p:cSld>
+  <p:clrMapOvr>
+    <a:masterClrMapping/>
+  </p:clrMapOvr>
+</p:sld>
+</file>
+
+<file path=ppt/slides/slide14.xml><?xml version="1.0" encoding="utf-8"?>
+<p:sld xmlns:a="http://schemas.openxmlformats.org/drawingml/2006/main" xmlns:r="http://schemas.openxmlformats.org/officeDocument/2006/relationships" xmlns:p="http://schemas.openxmlformats.org/presentationml/2006/main">
+  <p:cSld>
+    <p:spTree>
+      <p:nvGrpSpPr>
+        <p:cNvPr id="1" name=""/>
+        <p:cNvGrpSpPr/>
+        <p:nvPr/>
+      </p:nvGrpSpPr>
+      <p:grpSpPr>
+        <a:xfrm>
+          <a:off x="0" y="0"/>
+          <a:ext cx="0" cy="0"/>
+          <a:chOff x="0" y="0"/>
+          <a:chExt cx="0" cy="0"/>
+        </a:xfrm>
+      </p:grpSpPr>
+      <p:sp>
+        <p:nvSpPr>
           <p:cNvPr id="2" name="Title 1"/>
           <p:cNvSpPr>
             <a:spLocks noGrp="1"/>
@@ -7361,8 +8685,8 @@
         </p:nvSpPr>
         <p:spPr>
           <a:xfrm>
-            <a:off x="6968067" y="3157888"/>
-            <a:ext cx="3663065" cy="1200329"/>
+            <a:off x="7129992" y="2767102"/>
+            <a:ext cx="3663065" cy="1477328"/>
           </a:xfrm>
           <a:prstGeom prst="rect">
             <a:avLst/>
@@ -7409,7 +8733,7 @@
               <a:t>normal / less skewed </a:t>
             </a:r>
             <a:r>
-              <a:rPr lang="en-US" b="1" dirty="0">
+              <a:rPr lang="en-US" b="1" dirty="0" smtClean="0">
                 <a:solidFill>
                   <a:schemeClr val="bg1">
                     <a:lumMod val="50000"/>
@@ -7417,7 +8741,32 @@
                 </a:solidFill>
                 <a:latin typeface="arial" panose="020B0604020202020204" pitchFamily="34" charset="0"/>
               </a:rPr>
-              <a:t>distribution</a:t>
+              <a:t>distribution.</a:t>
+            </a:r>
+          </a:p>
+          <a:p>
+            <a:pPr algn="ctr"/>
+            <a:r>
+              <a:rPr lang="fr-FR" b="1" dirty="0" smtClean="0">
+                <a:solidFill>
+                  <a:schemeClr val="bg1">
+                    <a:lumMod val="50000"/>
+                  </a:schemeClr>
+                </a:solidFill>
+                <a:latin typeface="arial" panose="020B0604020202020204" pitchFamily="34" charset="0"/>
+              </a:rPr>
+              <a:t>Data </a:t>
+            </a:r>
+            <a:r>
+              <a:rPr lang="fr-FR" b="1" dirty="0" err="1" smtClean="0">
+                <a:solidFill>
+                  <a:schemeClr val="bg1">
+                    <a:lumMod val="50000"/>
+                  </a:schemeClr>
+                </a:solidFill>
+                <a:latin typeface="arial" panose="020B0604020202020204" pitchFamily="34" charset="0"/>
+              </a:rPr>
+              <a:t>normalization</a:t>
             </a:r>
             <a:endParaRPr lang="en-US" dirty="0">
               <a:solidFill>
@@ -7821,343 +9170,13 @@
   <p:clrMapOvr>
     <a:masterClrMapping/>
   </p:clrMapOvr>
-</p:sld>
-</file>
-
-<file path=ppt/slides/slide12.xml><?xml version="1.0" encoding="utf-8"?>
-<p:sld xmlns:a="http://schemas.openxmlformats.org/drawingml/2006/main" xmlns:r="http://schemas.openxmlformats.org/officeDocument/2006/relationships" xmlns:p="http://schemas.openxmlformats.org/presentationml/2006/main">
-  <p:cSld>
-    <p:spTree>
-      <p:nvGrpSpPr>
-        <p:cNvPr id="1" name=""/>
-        <p:cNvGrpSpPr/>
-        <p:nvPr/>
-      </p:nvGrpSpPr>
-      <p:grpSpPr>
-        <a:xfrm>
-          <a:off x="0" y="0"/>
-          <a:ext cx="0" cy="0"/>
-          <a:chOff x="0" y="0"/>
-          <a:chExt cx="0" cy="0"/>
-        </a:xfrm>
-      </p:grpSpPr>
-      <p:sp>
-        <p:nvSpPr>
-          <p:cNvPr id="2" name="Title 1"/>
-          <p:cNvSpPr>
-            <a:spLocks noGrp="1"/>
-          </p:cNvSpPr>
-          <p:nvPr>
-            <p:ph type="title"/>
-          </p:nvPr>
-        </p:nvSpPr>
-        <p:spPr>
-          <a:xfrm>
-            <a:off x="677334" y="609600"/>
-            <a:ext cx="8596668" cy="704045"/>
-          </a:xfrm>
-        </p:spPr>
-        <p:txBody>
-          <a:bodyPr/>
-          <a:lstStyle/>
-          <a:p>
-            <a:r>
-              <a:rPr lang="en-GB" b="1" dirty="0" smtClean="0"/>
-              <a:t>Linear regression</a:t>
-            </a:r>
-            <a:endParaRPr lang="en-GB" b="1" dirty="0"/>
-          </a:p>
-        </p:txBody>
-      </p:sp>
-      <p:pic>
-        <p:nvPicPr>
-          <p:cNvPr id="3" name="Image 2"/>
-          <p:cNvPicPr>
-            <a:picLocks noChangeAspect="1"/>
-          </p:cNvPicPr>
-          <p:nvPr/>
-        </p:nvPicPr>
-        <p:blipFill rotWithShape="1">
-          <a:blip r:embed="rId2"/>
-          <a:srcRect l="20140" t="37161" r="30555" b="14320"/>
-          <a:stretch/>
-        </p:blipFill>
-        <p:spPr>
-          <a:xfrm>
-            <a:off x="537357" y="2286000"/>
-            <a:ext cx="7209939" cy="3712633"/>
-          </a:xfrm>
-          <a:prstGeom prst="rect">
-            <a:avLst/>
-          </a:prstGeom>
-        </p:spPr>
-      </p:pic>
-      <p:pic>
-        <p:nvPicPr>
-          <p:cNvPr id="4" name="Image 3"/>
-          <p:cNvPicPr>
-            <a:picLocks noChangeAspect="1"/>
-          </p:cNvPicPr>
-          <p:nvPr/>
-        </p:nvPicPr>
-        <p:blipFill rotWithShape="1">
-          <a:blip r:embed="rId3"/>
-          <a:srcRect l="20000" t="57161" r="65972" b="11852"/>
-          <a:stretch/>
-        </p:blipFill>
-        <p:spPr>
-          <a:xfrm>
-            <a:off x="8365067" y="2700866"/>
-            <a:ext cx="2192867" cy="2724800"/>
-          </a:xfrm>
-          <a:prstGeom prst="rect">
-            <a:avLst/>
-          </a:prstGeom>
-        </p:spPr>
-      </p:pic>
-    </p:spTree>
-    <p:extLst>
-      <p:ext uri="{BB962C8B-B14F-4D97-AF65-F5344CB8AC3E}">
-        <p14:creationId xmlns:p14="http://schemas.microsoft.com/office/powerpoint/2010/main" val="2870862166"/>
-      </p:ext>
-    </p:extLst>
-  </p:cSld>
-  <p:clrMapOvr>
-    <a:masterClrMapping/>
-  </p:clrMapOvr>
-</p:sld>
-</file>
-
-<file path=ppt/slides/slide13.xml><?xml version="1.0" encoding="utf-8"?>
-<p:sld xmlns:a="http://schemas.openxmlformats.org/drawingml/2006/main" xmlns:r="http://schemas.openxmlformats.org/officeDocument/2006/relationships" xmlns:p="http://schemas.openxmlformats.org/presentationml/2006/main">
-  <p:cSld>
-    <p:spTree>
-      <p:nvGrpSpPr>
-        <p:cNvPr id="1" name=""/>
-        <p:cNvGrpSpPr/>
-        <p:nvPr/>
-      </p:nvGrpSpPr>
-      <p:grpSpPr>
-        <a:xfrm>
-          <a:off x="0" y="0"/>
-          <a:ext cx="0" cy="0"/>
-          <a:chOff x="0" y="0"/>
-          <a:chExt cx="0" cy="0"/>
-        </a:xfrm>
-      </p:grpSpPr>
-      <p:sp>
-        <p:nvSpPr>
-          <p:cNvPr id="2" name="Title 1"/>
-          <p:cNvSpPr>
-            <a:spLocks noGrp="1"/>
-          </p:cNvSpPr>
-          <p:nvPr>
-            <p:ph type="title"/>
-          </p:nvPr>
-        </p:nvSpPr>
-        <p:spPr>
-          <a:xfrm>
-            <a:off x="677334" y="609600"/>
-            <a:ext cx="8596668" cy="652530"/>
-          </a:xfrm>
-        </p:spPr>
-        <p:txBody>
-          <a:bodyPr/>
-          <a:lstStyle/>
-          <a:p>
-            <a:r>
-              <a:rPr lang="en-GB" b="1" dirty="0" err="1" smtClean="0"/>
-              <a:t>ElasticNet</a:t>
-            </a:r>
-            <a:r>
-              <a:rPr lang="en-GB" b="1" dirty="0" smtClean="0"/>
-              <a:t> regression</a:t>
-            </a:r>
-            <a:endParaRPr lang="en-GB" b="1" dirty="0"/>
-          </a:p>
-        </p:txBody>
-      </p:sp>
-      <p:sp>
-        <p:nvSpPr>
-          <p:cNvPr id="7" name="TextBox 6">
-            <a:extLst>
-              <a:ext uri="{FF2B5EF4-FFF2-40B4-BE49-F238E27FC236}">
-                <a16:creationId xmlns:a16="http://schemas.microsoft.com/office/drawing/2014/main" id="{37A64685-ABE6-4CAC-B869-AE21197896C9}"/>
-              </a:ext>
-            </a:extLst>
-          </p:cNvPr>
-          <p:cNvSpPr txBox="1"/>
-          <p:nvPr/>
-        </p:nvSpPr>
-        <p:spPr>
-          <a:xfrm>
-            <a:off x="7362152" y="6134565"/>
-            <a:ext cx="289932" cy="577081"/>
-          </a:xfrm>
-          <a:prstGeom prst="rect">
-            <a:avLst/>
-          </a:prstGeom>
-          <a:noFill/>
-        </p:spPr>
-        <p:txBody>
-          <a:bodyPr rot="0" spcFirstLastPara="0" vertOverflow="overflow" horzOverflow="overflow" vert="horz" wrap="square" lIns="91440" tIns="45720" rIns="91440" bIns="45720" numCol="1" spcCol="0" rtlCol="0" fromWordArt="0" anchor="t" anchorCtr="0" forceAA="0" compatLnSpc="1">
-            <a:prstTxWarp prst="textNoShape">
-              <a:avLst/>
-            </a:prstTxWarp>
-            <a:spAutoFit/>
-          </a:bodyPr>
-          <a:lstStyle/>
-          <a:p>
-            <a:pPr algn="l"/>
-            <a:r>
-              <a:rPr lang="en-US" sz="1050" b="1" dirty="0"/>
-              <a:t>.</a:t>
-            </a:r>
-          </a:p>
-          <a:p>
-            <a:r>
-              <a:rPr lang="en-US" sz="1050" b="1" dirty="0"/>
-              <a:t>.</a:t>
-            </a:r>
-          </a:p>
-          <a:p>
-            <a:r>
-              <a:rPr lang="en-US" sz="1050" b="1" dirty="0"/>
-              <a:t>.</a:t>
-            </a:r>
-          </a:p>
-        </p:txBody>
-      </p:sp>
-    </p:spTree>
-    <p:extLst>
-      <p:ext uri="{BB962C8B-B14F-4D97-AF65-F5344CB8AC3E}">
-        <p14:creationId xmlns:p14="http://schemas.microsoft.com/office/powerpoint/2010/main" val="3742995579"/>
-      </p:ext>
-    </p:extLst>
-  </p:cSld>
-  <p:clrMapOvr>
-    <a:masterClrMapping/>
-  </p:clrMapOvr>
-</p:sld>
-</file>
-
-<file path=ppt/slides/slide14.xml><?xml version="1.0" encoding="utf-8"?>
-<p:sld xmlns:a="http://schemas.openxmlformats.org/drawingml/2006/main" xmlns:r="http://schemas.openxmlformats.org/officeDocument/2006/relationships" xmlns:p="http://schemas.openxmlformats.org/presentationml/2006/main">
-  <p:cSld>
-    <p:spTree>
-      <p:nvGrpSpPr>
-        <p:cNvPr id="1" name=""/>
-        <p:cNvGrpSpPr/>
-        <p:nvPr/>
-      </p:nvGrpSpPr>
-      <p:grpSpPr>
-        <a:xfrm>
-          <a:off x="0" y="0"/>
-          <a:ext cx="0" cy="0"/>
-          <a:chOff x="0" y="0"/>
-          <a:chExt cx="0" cy="0"/>
-        </a:xfrm>
-      </p:grpSpPr>
-      <p:sp>
-        <p:nvSpPr>
-          <p:cNvPr id="2" name="Title 1"/>
-          <p:cNvSpPr>
-            <a:spLocks noGrp="1"/>
-          </p:cNvSpPr>
-          <p:nvPr>
-            <p:ph type="title"/>
-          </p:nvPr>
-        </p:nvSpPr>
-        <p:spPr>
-          <a:xfrm>
-            <a:off x="677334" y="609600"/>
-            <a:ext cx="8596668" cy="781318"/>
-          </a:xfrm>
-        </p:spPr>
-        <p:txBody>
-          <a:bodyPr/>
-          <a:lstStyle/>
-          <a:p>
-            <a:r>
-              <a:rPr lang="en-GB" b="1" dirty="0" err="1" smtClean="0"/>
-              <a:t>RandomForest</a:t>
-            </a:r>
-            <a:r>
-              <a:rPr lang="en-GB" b="1" dirty="0" smtClean="0"/>
-              <a:t> regression</a:t>
-            </a:r>
-            <a:endParaRPr lang="en-GB" b="1" dirty="0"/>
-          </a:p>
-        </p:txBody>
-      </p:sp>
-      <p:sp>
-        <p:nvSpPr>
-          <p:cNvPr id="3" name="Content Placeholder 2"/>
-          <p:cNvSpPr>
-            <a:spLocks noGrp="1"/>
-          </p:cNvSpPr>
-          <p:nvPr>
-            <p:ph idx="1"/>
-          </p:nvPr>
-        </p:nvSpPr>
-        <p:spPr>
-          <a:xfrm>
-            <a:off x="677334" y="1495658"/>
-            <a:ext cx="9971616" cy="4918790"/>
-          </a:xfrm>
-        </p:spPr>
-        <p:txBody>
-          <a:bodyPr>
-            <a:normAutofit/>
-          </a:bodyPr>
-          <a:lstStyle/>
-          <a:p>
-            <a:pPr>
-              <a:buFont typeface="Wingdings" panose="05000000000000000000" pitchFamily="2" charset="2"/>
-              <a:buChar char="Ø"/>
-            </a:pPr>
-            <a:r>
-              <a:rPr lang="en-GB" dirty="0"/>
-              <a:t>Linear regression vs. Dummy regression (baseline)</a:t>
-            </a:r>
-          </a:p>
-          <a:p>
-            <a:pPr>
-              <a:buFont typeface="Wingdings" panose="05000000000000000000" pitchFamily="2" charset="2"/>
-              <a:buChar char="Ø"/>
-            </a:pPr>
-            <a:r>
-              <a:rPr lang="en-GB" dirty="0"/>
-              <a:t>Coefficient of determination: </a:t>
-            </a:r>
-            <a:r>
-              <a:rPr lang="en-US" dirty="0"/>
-              <a:t>how well the regression model fits the actual data</a:t>
-            </a:r>
-            <a:endParaRPr lang="en-GB" dirty="0"/>
-          </a:p>
-          <a:p>
-            <a:pPr>
-              <a:buFont typeface="Wingdings" panose="05000000000000000000" pitchFamily="2" charset="2"/>
-              <a:buChar char="Ø"/>
-            </a:pPr>
-            <a:r>
-              <a:rPr lang="en-GB" dirty="0"/>
-              <a:t>R2 = 0.65, scattered data between actual &amp; forecasts</a:t>
-            </a:r>
-          </a:p>
-        </p:txBody>
-      </p:sp>
-    </p:spTree>
-    <p:extLst>
-      <p:ext uri="{BB962C8B-B14F-4D97-AF65-F5344CB8AC3E}">
-        <p14:creationId xmlns:p14="http://schemas.microsoft.com/office/powerpoint/2010/main" val="529118114"/>
-      </p:ext>
-    </p:extLst>
-  </p:cSld>
-  <p:clrMapOvr>
-    <a:masterClrMapping/>
-  </p:clrMapOvr>
+  <p:timing>
+    <p:tnLst>
+      <p:par>
+        <p:cTn id="1" dur="indefinite" restart="never" nodeType="tmRoot"/>
+      </p:par>
+    </p:tnLst>
+  </p:timing>
 </p:sld>
 </file>
 
@@ -8180,6 +9199,801 @@
       </p:grpSpPr>
       <p:sp>
         <p:nvSpPr>
+          <p:cNvPr id="2" name="Title 1"/>
+          <p:cNvSpPr>
+            <a:spLocks noGrp="1"/>
+          </p:cNvSpPr>
+          <p:nvPr>
+            <p:ph type="title"/>
+          </p:nvPr>
+        </p:nvSpPr>
+        <p:spPr>
+          <a:xfrm>
+            <a:off x="677334" y="609600"/>
+            <a:ext cx="8596668" cy="704045"/>
+          </a:xfrm>
+        </p:spPr>
+        <p:txBody>
+          <a:bodyPr/>
+          <a:lstStyle/>
+          <a:p>
+            <a:r>
+              <a:rPr lang="en-GB" b="1" dirty="0" smtClean="0"/>
+              <a:t>Linear regression</a:t>
+            </a:r>
+            <a:endParaRPr lang="en-GB" b="1" dirty="0"/>
+          </a:p>
+        </p:txBody>
+      </p:sp>
+      <p:pic>
+        <p:nvPicPr>
+          <p:cNvPr id="4" name="Image 3"/>
+          <p:cNvPicPr>
+            <a:picLocks noChangeAspect="1"/>
+          </p:cNvPicPr>
+          <p:nvPr/>
+        </p:nvPicPr>
+        <p:blipFill rotWithShape="1">
+          <a:blip r:embed="rId2"/>
+          <a:srcRect l="20000" t="57161" r="65972" b="11852"/>
+          <a:stretch/>
+        </p:blipFill>
+        <p:spPr>
+          <a:xfrm>
+            <a:off x="8177568" y="1950832"/>
+            <a:ext cx="2192867" cy="2724800"/>
+          </a:xfrm>
+          <a:prstGeom prst="rect">
+            <a:avLst/>
+          </a:prstGeom>
+        </p:spPr>
+      </p:pic>
+      <p:pic>
+        <p:nvPicPr>
+          <p:cNvPr id="5" name="Image 4"/>
+          <p:cNvPicPr>
+            <a:picLocks noChangeAspect="1"/>
+          </p:cNvPicPr>
+          <p:nvPr/>
+        </p:nvPicPr>
+        <p:blipFill rotWithShape="1">
+          <a:blip r:embed="rId3"/>
+          <a:srcRect l="20139" t="35926" r="15695" b="20617"/>
+          <a:stretch/>
+        </p:blipFill>
+        <p:spPr>
+          <a:xfrm>
+            <a:off x="342900" y="1950832"/>
+            <a:ext cx="7378700" cy="2810933"/>
+          </a:xfrm>
+          <a:prstGeom prst="rect">
+            <a:avLst/>
+          </a:prstGeom>
+        </p:spPr>
+      </p:pic>
+    </p:spTree>
+    <p:extLst>
+      <p:ext uri="{BB962C8B-B14F-4D97-AF65-F5344CB8AC3E}">
+        <p14:creationId xmlns:p14="http://schemas.microsoft.com/office/powerpoint/2010/main" val="2870862166"/>
+      </p:ext>
+    </p:extLst>
+  </p:cSld>
+  <p:clrMapOvr>
+    <a:masterClrMapping/>
+  </p:clrMapOvr>
+  <p:timing>
+    <p:tnLst>
+      <p:par>
+        <p:cTn id="1" dur="indefinite" restart="never" nodeType="tmRoot"/>
+      </p:par>
+    </p:tnLst>
+  </p:timing>
+</p:sld>
+</file>
+
+<file path=ppt/slides/slide16.xml><?xml version="1.0" encoding="utf-8"?>
+<p:sld xmlns:a="http://schemas.openxmlformats.org/drawingml/2006/main" xmlns:r="http://schemas.openxmlformats.org/officeDocument/2006/relationships" xmlns:p="http://schemas.openxmlformats.org/presentationml/2006/main">
+  <p:cSld>
+    <p:spTree>
+      <p:nvGrpSpPr>
+        <p:cNvPr id="1" name=""/>
+        <p:cNvGrpSpPr/>
+        <p:nvPr/>
+      </p:nvGrpSpPr>
+      <p:grpSpPr>
+        <a:xfrm>
+          <a:off x="0" y="0"/>
+          <a:ext cx="0" cy="0"/>
+          <a:chOff x="0" y="0"/>
+          <a:chExt cx="0" cy="0"/>
+        </a:xfrm>
+      </p:grpSpPr>
+      <p:sp>
+        <p:nvSpPr>
+          <p:cNvPr id="2" name="Titre 1"/>
+          <p:cNvSpPr>
+            <a:spLocks noGrp="1"/>
+          </p:cNvSpPr>
+          <p:nvPr>
+            <p:ph type="title"/>
+          </p:nvPr>
+        </p:nvSpPr>
+        <p:spPr>
+          <a:xfrm>
+            <a:off x="677334" y="609600"/>
+            <a:ext cx="8596668" cy="723900"/>
+          </a:xfrm>
+        </p:spPr>
+        <p:txBody>
+          <a:bodyPr/>
+          <a:lstStyle/>
+          <a:p>
+            <a:r>
+              <a:rPr lang="fr-FR" b="1" dirty="0" err="1" smtClean="0"/>
+              <a:t>Gridsearchcv</a:t>
+            </a:r>
+            <a:r>
+              <a:rPr lang="fr-FR" b="1" dirty="0" smtClean="0"/>
+              <a:t> &amp; </a:t>
+            </a:r>
+            <a:r>
+              <a:rPr lang="fr-FR" b="1" dirty="0" err="1" smtClean="0"/>
+              <a:t>Hyperparameters</a:t>
+            </a:r>
+            <a:endParaRPr lang="en-US" b="1" dirty="0"/>
+          </a:p>
+        </p:txBody>
+      </p:sp>
+      <p:sp>
+        <p:nvSpPr>
+          <p:cNvPr id="3" name="Espace réservé du contenu 2"/>
+          <p:cNvSpPr>
+            <a:spLocks noGrp="1"/>
+          </p:cNvSpPr>
+          <p:nvPr>
+            <p:ph idx="1"/>
+          </p:nvPr>
+        </p:nvSpPr>
+        <p:spPr>
+          <a:xfrm>
+            <a:off x="677334" y="1627189"/>
+            <a:ext cx="8596668" cy="3880773"/>
+          </a:xfrm>
+        </p:spPr>
+        <p:txBody>
+          <a:bodyPr/>
+          <a:lstStyle/>
+          <a:p>
+            <a:endParaRPr lang="en-US"/>
+          </a:p>
+        </p:txBody>
+      </p:sp>
+      <p:sp>
+        <p:nvSpPr>
+          <p:cNvPr id="4" name="Espace réservé du numéro de diapositive 3"/>
+          <p:cNvSpPr>
+            <a:spLocks noGrp="1"/>
+          </p:cNvSpPr>
+          <p:nvPr>
+            <p:ph type="sldNum" sz="quarter" idx="12"/>
+          </p:nvPr>
+        </p:nvSpPr>
+        <p:spPr/>
+        <p:txBody>
+          <a:bodyPr/>
+          <a:lstStyle/>
+          <a:p>
+            <a:fld id="{519954A3-9DFD-4C44-94BA-B95130A3BA1C}" type="slidenum">
+              <a:rPr lang="en-US" smtClean="0"/>
+              <a:t>16</a:t>
+            </a:fld>
+            <a:endParaRPr lang="en-US"/>
+          </a:p>
+        </p:txBody>
+      </p:sp>
+    </p:spTree>
+    <p:extLst>
+      <p:ext uri="{BB962C8B-B14F-4D97-AF65-F5344CB8AC3E}">
+        <p14:creationId xmlns:p14="http://schemas.microsoft.com/office/powerpoint/2010/main" val="3019569118"/>
+      </p:ext>
+    </p:extLst>
+  </p:cSld>
+  <p:clrMapOvr>
+    <a:masterClrMapping/>
+  </p:clrMapOvr>
+</p:sld>
+</file>
+
+<file path=ppt/slides/slide17.xml><?xml version="1.0" encoding="utf-8"?>
+<p:sld xmlns:a="http://schemas.openxmlformats.org/drawingml/2006/main" xmlns:r="http://schemas.openxmlformats.org/officeDocument/2006/relationships" xmlns:p="http://schemas.openxmlformats.org/presentationml/2006/main">
+  <p:cSld>
+    <p:spTree>
+      <p:nvGrpSpPr>
+        <p:cNvPr id="1" name=""/>
+        <p:cNvGrpSpPr/>
+        <p:nvPr/>
+      </p:nvGrpSpPr>
+      <p:grpSpPr>
+        <a:xfrm>
+          <a:off x="0" y="0"/>
+          <a:ext cx="0" cy="0"/>
+          <a:chOff x="0" y="0"/>
+          <a:chExt cx="0" cy="0"/>
+        </a:xfrm>
+      </p:grpSpPr>
+      <p:sp>
+        <p:nvSpPr>
+          <p:cNvPr id="2" name="Title 1"/>
+          <p:cNvSpPr>
+            <a:spLocks noGrp="1"/>
+          </p:cNvSpPr>
+          <p:nvPr>
+            <p:ph type="title"/>
+          </p:nvPr>
+        </p:nvSpPr>
+        <p:spPr>
+          <a:xfrm>
+            <a:off x="677334" y="609600"/>
+            <a:ext cx="8596668" cy="652530"/>
+          </a:xfrm>
+        </p:spPr>
+        <p:txBody>
+          <a:bodyPr/>
+          <a:lstStyle/>
+          <a:p>
+            <a:r>
+              <a:rPr lang="en-GB" b="1" dirty="0" err="1" smtClean="0"/>
+              <a:t>ElasticNet</a:t>
+            </a:r>
+            <a:r>
+              <a:rPr lang="en-GB" b="1" dirty="0" smtClean="0"/>
+              <a:t> regression</a:t>
+            </a:r>
+            <a:endParaRPr lang="en-GB" b="1" dirty="0"/>
+          </a:p>
+        </p:txBody>
+      </p:sp>
+      <p:sp>
+        <p:nvSpPr>
+          <p:cNvPr id="7" name="TextBox 6">
+            <a:extLst>
+              <a:ext uri="{FF2B5EF4-FFF2-40B4-BE49-F238E27FC236}">
+                <a16:creationId xmlns:a16="http://schemas.microsoft.com/office/drawing/2014/main" id="{37A64685-ABE6-4CAC-B869-AE21197896C9}"/>
+              </a:ext>
+            </a:extLst>
+          </p:cNvPr>
+          <p:cNvSpPr txBox="1"/>
+          <p:nvPr/>
+        </p:nvSpPr>
+        <p:spPr>
+          <a:xfrm>
+            <a:off x="7362152" y="6134565"/>
+            <a:ext cx="289932" cy="577081"/>
+          </a:xfrm>
+          <a:prstGeom prst="rect">
+            <a:avLst/>
+          </a:prstGeom>
+          <a:noFill/>
+        </p:spPr>
+        <p:txBody>
+          <a:bodyPr rot="0" spcFirstLastPara="0" vertOverflow="overflow" horzOverflow="overflow" vert="horz" wrap="square" lIns="91440" tIns="45720" rIns="91440" bIns="45720" numCol="1" spcCol="0" rtlCol="0" fromWordArt="0" anchor="t" anchorCtr="0" forceAA="0" compatLnSpc="1">
+            <a:prstTxWarp prst="textNoShape">
+              <a:avLst/>
+            </a:prstTxWarp>
+            <a:spAutoFit/>
+          </a:bodyPr>
+          <a:lstStyle/>
+          <a:p>
+            <a:pPr algn="l"/>
+            <a:r>
+              <a:rPr lang="en-US" sz="1050" b="1" dirty="0"/>
+              <a:t>.</a:t>
+            </a:r>
+          </a:p>
+          <a:p>
+            <a:r>
+              <a:rPr lang="en-US" sz="1050" b="1" dirty="0"/>
+              <a:t>.</a:t>
+            </a:r>
+          </a:p>
+          <a:p>
+            <a:r>
+              <a:rPr lang="en-US" sz="1050" b="1" dirty="0"/>
+              <a:t>.</a:t>
+            </a:r>
+          </a:p>
+        </p:txBody>
+      </p:sp>
+      <p:pic>
+        <p:nvPicPr>
+          <p:cNvPr id="3" name="Image 2"/>
+          <p:cNvPicPr>
+            <a:picLocks noChangeAspect="1"/>
+          </p:cNvPicPr>
+          <p:nvPr/>
+        </p:nvPicPr>
+        <p:blipFill rotWithShape="1">
+          <a:blip r:embed="rId3"/>
+          <a:srcRect l="19791" t="39876" r="15695" b="16667"/>
+          <a:stretch/>
+        </p:blipFill>
+        <p:spPr>
+          <a:xfrm>
+            <a:off x="420159" y="3718547"/>
+            <a:ext cx="7899400" cy="2993099"/>
+          </a:xfrm>
+          <a:prstGeom prst="rect">
+            <a:avLst/>
+          </a:prstGeom>
+        </p:spPr>
+      </p:pic>
+      <p:sp>
+        <p:nvSpPr>
+          <p:cNvPr id="4" name="Rectangle 3"/>
+          <p:cNvSpPr/>
+          <p:nvPr/>
+        </p:nvSpPr>
+        <p:spPr>
+          <a:xfrm>
+            <a:off x="420159" y="1516515"/>
+            <a:ext cx="11343216" cy="2031325"/>
+          </a:xfrm>
+          <a:prstGeom prst="rect">
+            <a:avLst/>
+          </a:prstGeom>
+        </p:spPr>
+        <p:txBody>
+          <a:bodyPr wrap="square">
+            <a:spAutoFit/>
+          </a:bodyPr>
+          <a:lstStyle/>
+          <a:p>
+            <a:r>
+              <a:rPr lang="en-US" sz="1400" dirty="0" err="1"/>
+              <a:t>params_eNet</a:t>
+            </a:r>
+            <a:r>
+              <a:rPr lang="en-US" sz="1400" dirty="0"/>
+              <a:t> = {"</a:t>
+            </a:r>
+            <a:r>
+              <a:rPr lang="en-US" sz="1400" dirty="0" err="1"/>
+              <a:t>regressor</a:t>
+            </a:r>
+            <a:r>
+              <a:rPr lang="en-US" sz="1400" dirty="0"/>
+              <a:t>__alpha": </a:t>
+            </a:r>
+            <a:r>
+              <a:rPr lang="en-US" sz="1400" dirty="0" err="1"/>
+              <a:t>np.logspace</a:t>
+            </a:r>
+            <a:r>
+              <a:rPr lang="en-US" sz="1400" dirty="0"/>
+              <a:t>(-4, 0, </a:t>
+            </a:r>
+            <a:r>
+              <a:rPr lang="en-US" sz="1400" dirty="0" err="1"/>
+              <a:t>num</a:t>
+            </a:r>
+            <a:r>
+              <a:rPr lang="en-US" sz="1400" dirty="0"/>
+              <a:t>=5), </a:t>
+            </a:r>
+            <a:r>
+              <a:rPr lang="en-US" sz="1400" dirty="0">
+                <a:solidFill>
+                  <a:schemeClr val="bg1">
+                    <a:lumMod val="50000"/>
+                  </a:schemeClr>
+                </a:solidFill>
+              </a:rPr>
+              <a:t># Constant that multiplies the penalty terms. Defaults to 1.0</a:t>
+            </a:r>
+          </a:p>
+          <a:p>
+            <a:r>
+              <a:rPr lang="en-US" sz="1400" dirty="0"/>
+              <a:t>                                                  </a:t>
+            </a:r>
+            <a:r>
+              <a:rPr lang="en-US" sz="1400" dirty="0" smtClean="0"/>
+              <a:t>						 </a:t>
+            </a:r>
+            <a:r>
+              <a:rPr lang="en-US" sz="1400" dirty="0" smtClean="0">
+                <a:solidFill>
+                  <a:schemeClr val="bg1">
+                    <a:lumMod val="50000"/>
+                  </a:schemeClr>
+                </a:solidFill>
+              </a:rPr>
+              <a:t># </a:t>
+            </a:r>
+            <a:r>
+              <a:rPr lang="en-US" sz="1400" dirty="0">
+                <a:solidFill>
+                  <a:schemeClr val="bg1">
+                    <a:lumMod val="50000"/>
+                  </a:schemeClr>
+                </a:solidFill>
+              </a:rPr>
+              <a:t>alpha=0 the penalty function reduces to the L1 (ridge) term</a:t>
+            </a:r>
+          </a:p>
+          <a:p>
+            <a:r>
+              <a:rPr lang="en-US" sz="1400" dirty="0">
+                <a:solidFill>
+                  <a:schemeClr val="bg1">
+                    <a:lumMod val="50000"/>
+                  </a:schemeClr>
+                </a:solidFill>
+              </a:rPr>
+              <a:t>                                                 </a:t>
+            </a:r>
+            <a:r>
+              <a:rPr lang="en-US" sz="1400" dirty="0" smtClean="0">
+                <a:solidFill>
+                  <a:schemeClr val="bg1">
+                    <a:lumMod val="50000"/>
+                  </a:schemeClr>
+                </a:solidFill>
+              </a:rPr>
+              <a:t>						 </a:t>
+            </a:r>
+            <a:r>
+              <a:rPr lang="en-US" sz="1400" dirty="0">
+                <a:solidFill>
+                  <a:schemeClr val="bg1">
+                    <a:lumMod val="50000"/>
+                  </a:schemeClr>
+                </a:solidFill>
+              </a:rPr>
+              <a:t># alpha=1, we get the L2 (lasso) term.</a:t>
+            </a:r>
+          </a:p>
+          <a:p>
+            <a:r>
+              <a:rPr lang="en-US" sz="1400" dirty="0"/>
+              <a:t>              "regressor__l1_ratio": [.001, .01, .1, .5, .7, .9, .95, .99, 1], </a:t>
+            </a:r>
+            <a:r>
+              <a:rPr lang="en-US" sz="1400" dirty="0">
+                <a:solidFill>
+                  <a:schemeClr val="bg1">
+                    <a:lumMod val="50000"/>
+                  </a:schemeClr>
+                </a:solidFill>
+              </a:rPr>
+              <a:t># The </a:t>
+            </a:r>
+            <a:r>
+              <a:rPr lang="en-US" sz="1400" dirty="0" err="1">
+                <a:solidFill>
+                  <a:schemeClr val="bg1">
+                    <a:lumMod val="50000"/>
+                  </a:schemeClr>
+                </a:solidFill>
+              </a:rPr>
+              <a:t>ElasticNet</a:t>
+            </a:r>
+            <a:r>
+              <a:rPr lang="en-US" sz="1400" dirty="0">
+                <a:solidFill>
+                  <a:schemeClr val="bg1">
+                    <a:lumMod val="50000"/>
+                  </a:schemeClr>
+                </a:solidFill>
+              </a:rPr>
+              <a:t> mixing parameter,</a:t>
+            </a:r>
+          </a:p>
+          <a:p>
+            <a:r>
+              <a:rPr lang="en-US" sz="1400" dirty="0"/>
+              <a:t>                                                                    </a:t>
+            </a:r>
+            <a:r>
+              <a:rPr lang="en-US" sz="1400" dirty="0" smtClean="0"/>
+              <a:t>				 </a:t>
+            </a:r>
+            <a:r>
+              <a:rPr lang="en-US" sz="1400" dirty="0" smtClean="0">
+                <a:solidFill>
+                  <a:schemeClr val="bg1">
+                    <a:lumMod val="50000"/>
+                  </a:schemeClr>
+                </a:solidFill>
+              </a:rPr>
+              <a:t># </a:t>
+            </a:r>
+            <a:r>
+              <a:rPr lang="en-US" sz="1400" dirty="0">
+                <a:solidFill>
+                  <a:schemeClr val="bg1">
+                    <a:lumMod val="50000"/>
+                  </a:schemeClr>
+                </a:solidFill>
+              </a:rPr>
+              <a:t>with 0 &lt;= l1_ratio &lt;= 1. </a:t>
+            </a:r>
+          </a:p>
+          <a:p>
+            <a:r>
+              <a:rPr lang="en-US" sz="1400" dirty="0">
+                <a:solidFill>
+                  <a:schemeClr val="bg1">
+                    <a:lumMod val="50000"/>
+                  </a:schemeClr>
+                </a:solidFill>
+              </a:rPr>
+              <a:t>                                                                    </a:t>
+            </a:r>
+            <a:r>
+              <a:rPr lang="en-US" sz="1400" dirty="0" smtClean="0">
+                <a:solidFill>
+                  <a:schemeClr val="bg1">
+                    <a:lumMod val="50000"/>
+                  </a:schemeClr>
+                </a:solidFill>
+              </a:rPr>
+              <a:t>				 # </a:t>
+            </a:r>
+            <a:r>
+              <a:rPr lang="en-US" sz="1400" dirty="0">
+                <a:solidFill>
+                  <a:schemeClr val="bg1">
+                    <a:lumMod val="50000"/>
+                  </a:schemeClr>
+                </a:solidFill>
+              </a:rPr>
+              <a:t>For l1_ratio = 0 the penalty is an L2 penalty.</a:t>
+            </a:r>
+          </a:p>
+          <a:p>
+            <a:r>
+              <a:rPr lang="en-US" sz="1400" dirty="0">
+                <a:solidFill>
+                  <a:schemeClr val="bg1">
+                    <a:lumMod val="50000"/>
+                  </a:schemeClr>
+                </a:solidFill>
+              </a:rPr>
+              <a:t>                                                                    </a:t>
+            </a:r>
+            <a:r>
+              <a:rPr lang="en-US" sz="1400" dirty="0" smtClean="0">
+                <a:solidFill>
+                  <a:schemeClr val="bg1">
+                    <a:lumMod val="50000"/>
+                  </a:schemeClr>
+                </a:solidFill>
+              </a:rPr>
+              <a:t>				 # </a:t>
+            </a:r>
+            <a:r>
+              <a:rPr lang="en-US" sz="1400" dirty="0">
+                <a:solidFill>
+                  <a:schemeClr val="bg1">
+                    <a:lumMod val="50000"/>
+                  </a:schemeClr>
+                </a:solidFill>
+              </a:rPr>
+              <a:t>For l1_ratio = 1 it is an L1 penalty. </a:t>
+            </a:r>
+          </a:p>
+          <a:p>
+            <a:r>
+              <a:rPr lang="en-US" sz="1400" dirty="0">
+                <a:solidFill>
+                  <a:schemeClr val="bg1">
+                    <a:lumMod val="50000"/>
+                  </a:schemeClr>
+                </a:solidFill>
+              </a:rPr>
+              <a:t>                                                                    </a:t>
+            </a:r>
+            <a:r>
+              <a:rPr lang="en-US" sz="1400" dirty="0" smtClean="0">
+                <a:solidFill>
+                  <a:schemeClr val="bg1">
+                    <a:lumMod val="50000"/>
+                  </a:schemeClr>
+                </a:solidFill>
+              </a:rPr>
+              <a:t>				 # </a:t>
+            </a:r>
+            <a:r>
+              <a:rPr lang="en-US" sz="1400" dirty="0">
+                <a:solidFill>
+                  <a:schemeClr val="bg1">
+                    <a:lumMod val="50000"/>
+                  </a:schemeClr>
+                </a:solidFill>
+              </a:rPr>
+              <a:t>For 0 &lt; l1_ratio &lt; 1, the penalty is a combination of L1 and L2.</a:t>
+            </a:r>
+          </a:p>
+          <a:p>
+            <a:r>
+              <a:rPr lang="en-US" sz="1400" dirty="0"/>
+              <a:t>              "</a:t>
+            </a:r>
+            <a:r>
+              <a:rPr lang="en-US" sz="1400" dirty="0" err="1"/>
+              <a:t>regressor</a:t>
+            </a:r>
+            <a:r>
+              <a:rPr lang="en-US" sz="1400" dirty="0"/>
+              <a:t>__</a:t>
+            </a:r>
+            <a:r>
+              <a:rPr lang="en-US" sz="1400" dirty="0" err="1"/>
+              <a:t>max_iter</a:t>
+            </a:r>
+            <a:r>
+              <a:rPr lang="en-US" sz="1400" dirty="0"/>
+              <a:t>": [10, 50, 100, 1000, 10000]} </a:t>
+            </a:r>
+            <a:r>
+              <a:rPr lang="en-US" sz="1400" dirty="0" smtClean="0"/>
+              <a:t>		</a:t>
+            </a:r>
+            <a:r>
+              <a:rPr lang="en-US" sz="1400" dirty="0" smtClean="0">
+                <a:solidFill>
+                  <a:schemeClr val="bg1">
+                    <a:lumMod val="50000"/>
+                  </a:schemeClr>
+                </a:solidFill>
+              </a:rPr>
+              <a:t> # </a:t>
+            </a:r>
+            <a:r>
+              <a:rPr lang="en-US" sz="1400" dirty="0">
+                <a:solidFill>
+                  <a:schemeClr val="bg1">
+                    <a:lumMod val="50000"/>
+                  </a:schemeClr>
+                </a:solidFill>
+              </a:rPr>
+              <a:t>The maximum number of iterations (default = 1000)</a:t>
+            </a:r>
+          </a:p>
+        </p:txBody>
+      </p:sp>
+    </p:spTree>
+    <p:extLst>
+      <p:ext uri="{BB962C8B-B14F-4D97-AF65-F5344CB8AC3E}">
+        <p14:creationId xmlns:p14="http://schemas.microsoft.com/office/powerpoint/2010/main" val="3742995579"/>
+      </p:ext>
+    </p:extLst>
+  </p:cSld>
+  <p:clrMapOvr>
+    <a:masterClrMapping/>
+  </p:clrMapOvr>
+  <p:timing>
+    <p:tnLst>
+      <p:par>
+        <p:cTn id="1" dur="indefinite" restart="never" nodeType="tmRoot"/>
+      </p:par>
+    </p:tnLst>
+  </p:timing>
+</p:sld>
+</file>
+
+<file path=ppt/slides/slide18.xml><?xml version="1.0" encoding="utf-8"?>
+<p:sld xmlns:a="http://schemas.openxmlformats.org/drawingml/2006/main" xmlns:r="http://schemas.openxmlformats.org/officeDocument/2006/relationships" xmlns:p="http://schemas.openxmlformats.org/presentationml/2006/main">
+  <p:cSld>
+    <p:spTree>
+      <p:nvGrpSpPr>
+        <p:cNvPr id="1" name=""/>
+        <p:cNvGrpSpPr/>
+        <p:nvPr/>
+      </p:nvGrpSpPr>
+      <p:grpSpPr>
+        <a:xfrm>
+          <a:off x="0" y="0"/>
+          <a:ext cx="0" cy="0"/>
+          <a:chOff x="0" y="0"/>
+          <a:chExt cx="0" cy="0"/>
+        </a:xfrm>
+      </p:grpSpPr>
+      <p:sp>
+        <p:nvSpPr>
+          <p:cNvPr id="2" name="Title 1"/>
+          <p:cNvSpPr>
+            <a:spLocks noGrp="1"/>
+          </p:cNvSpPr>
+          <p:nvPr>
+            <p:ph type="title"/>
+          </p:nvPr>
+        </p:nvSpPr>
+        <p:spPr>
+          <a:xfrm>
+            <a:off x="677334" y="609600"/>
+            <a:ext cx="8596668" cy="781318"/>
+          </a:xfrm>
+        </p:spPr>
+        <p:txBody>
+          <a:bodyPr/>
+          <a:lstStyle/>
+          <a:p>
+            <a:r>
+              <a:rPr lang="en-GB" b="1" dirty="0" err="1" smtClean="0"/>
+              <a:t>RandomForest</a:t>
+            </a:r>
+            <a:r>
+              <a:rPr lang="en-GB" b="1" dirty="0" smtClean="0"/>
+              <a:t> regression</a:t>
+            </a:r>
+            <a:endParaRPr lang="en-GB" b="1" dirty="0"/>
+          </a:p>
+        </p:txBody>
+      </p:sp>
+      <p:sp>
+        <p:nvSpPr>
+          <p:cNvPr id="3" name="Content Placeholder 2"/>
+          <p:cNvSpPr>
+            <a:spLocks noGrp="1"/>
+          </p:cNvSpPr>
+          <p:nvPr>
+            <p:ph idx="1"/>
+          </p:nvPr>
+        </p:nvSpPr>
+        <p:spPr>
+          <a:xfrm>
+            <a:off x="677334" y="1495658"/>
+            <a:ext cx="9971616" cy="4918790"/>
+          </a:xfrm>
+        </p:spPr>
+        <p:txBody>
+          <a:bodyPr>
+            <a:normAutofit/>
+          </a:bodyPr>
+          <a:lstStyle/>
+          <a:p>
+            <a:pPr>
+              <a:buFont typeface="Wingdings" panose="05000000000000000000" pitchFamily="2" charset="2"/>
+              <a:buChar char="Ø"/>
+            </a:pPr>
+            <a:endParaRPr lang="en-GB" dirty="0"/>
+          </a:p>
+        </p:txBody>
+      </p:sp>
+    </p:spTree>
+    <p:extLst>
+      <p:ext uri="{BB962C8B-B14F-4D97-AF65-F5344CB8AC3E}">
+        <p14:creationId xmlns:p14="http://schemas.microsoft.com/office/powerpoint/2010/main" val="529118114"/>
+      </p:ext>
+    </p:extLst>
+  </p:cSld>
+  <p:clrMapOvr>
+    <a:masterClrMapping/>
+  </p:clrMapOvr>
+</p:sld>
+</file>
+
+<file path=ppt/slides/slide19.xml><?xml version="1.0" encoding="utf-8"?>
+<p:sld xmlns:a="http://schemas.openxmlformats.org/drawingml/2006/main" xmlns:r="http://schemas.openxmlformats.org/officeDocument/2006/relationships" xmlns:p="http://schemas.openxmlformats.org/presentationml/2006/main">
+  <p:cSld>
+    <p:spTree>
+      <p:nvGrpSpPr>
+        <p:cNvPr id="1" name=""/>
+        <p:cNvGrpSpPr/>
+        <p:nvPr/>
+      </p:nvGrpSpPr>
+      <p:grpSpPr>
+        <a:xfrm>
+          <a:off x="0" y="0"/>
+          <a:ext cx="0" cy="0"/>
+          <a:chOff x="0" y="0"/>
+          <a:chExt cx="0" cy="0"/>
+        </a:xfrm>
+      </p:grpSpPr>
+      <p:sp>
+        <p:nvSpPr>
           <p:cNvPr id="2" name="Titre 1"/>
           <p:cNvSpPr>
             <a:spLocks noGrp="1"/>
@@ -8250,7 +10064,7 @@
           <a:p>
             <a:fld id="{519954A3-9DFD-4C44-94BA-B95130A3BA1C}" type="slidenum">
               <a:rPr lang="en-US" smtClean="0"/>
-              <a:t>15</a:t>
+              <a:t>19</a:t>
             </a:fld>
             <a:endParaRPr lang="en-US"/>
           </a:p>
@@ -8269,7 +10083,760 @@
 </p:sld>
 </file>
 
-<file path=ppt/slides/slide16.xml><?xml version="1.0" encoding="utf-8"?>
+<file path=ppt/slides/slide2.xml><?xml version="1.0" encoding="utf-8"?>
+<p:sld xmlns:a="http://schemas.openxmlformats.org/drawingml/2006/main" xmlns:r="http://schemas.openxmlformats.org/officeDocument/2006/relationships" xmlns:p="http://schemas.openxmlformats.org/presentationml/2006/main">
+  <p:cSld>
+    <p:spTree>
+      <p:nvGrpSpPr>
+        <p:cNvPr id="1" name=""/>
+        <p:cNvGrpSpPr/>
+        <p:nvPr/>
+      </p:nvGrpSpPr>
+      <p:grpSpPr>
+        <a:xfrm>
+          <a:off x="0" y="0"/>
+          <a:ext cx="0" cy="0"/>
+          <a:chOff x="0" y="0"/>
+          <a:chExt cx="0" cy="0"/>
+        </a:xfrm>
+      </p:grpSpPr>
+      <p:sp>
+        <p:nvSpPr>
+          <p:cNvPr id="2" name="Title 1"/>
+          <p:cNvSpPr>
+            <a:spLocks noGrp="1"/>
+          </p:cNvSpPr>
+          <p:nvPr>
+            <p:ph type="title"/>
+          </p:nvPr>
+        </p:nvSpPr>
+        <p:spPr>
+          <a:xfrm>
+            <a:off x="677334" y="609600"/>
+            <a:ext cx="8596668" cy="794197"/>
+          </a:xfrm>
+        </p:spPr>
+        <p:txBody>
+          <a:bodyPr/>
+          <a:lstStyle/>
+          <a:p>
+            <a:pPr algn="ctr"/>
+            <a:r>
+              <a:rPr lang="en-GB" b="1" dirty="0" err="1"/>
+              <a:t>NutriSteph</a:t>
+            </a:r>
+            <a:endParaRPr lang="en-GB" b="1" dirty="0"/>
+          </a:p>
+        </p:txBody>
+      </p:sp>
+      <p:sp>
+        <p:nvSpPr>
+          <p:cNvPr id="3" name="Content Placeholder 2"/>
+          <p:cNvSpPr>
+            <a:spLocks noGrp="1"/>
+          </p:cNvSpPr>
+          <p:nvPr>
+            <p:ph idx="1"/>
+          </p:nvPr>
+        </p:nvSpPr>
+        <p:spPr>
+          <a:xfrm>
+            <a:off x="474169" y="1447919"/>
+            <a:ext cx="9803098" cy="540525"/>
+          </a:xfrm>
+        </p:spPr>
+        <p:txBody>
+          <a:bodyPr>
+            <a:normAutofit/>
+          </a:bodyPr>
+          <a:lstStyle/>
+          <a:p>
+            <a:pPr marL="0" indent="0" algn="ctr">
+              <a:buNone/>
+            </a:pPr>
+            <a:r>
+              <a:rPr lang="en-GB" sz="2400" dirty="0"/>
+              <a:t>Application that returns the </a:t>
+            </a:r>
+            <a:r>
+              <a:rPr lang="en-GB" sz="2400" dirty="0" err="1"/>
+              <a:t>Nutriscore</a:t>
+            </a:r>
+            <a:r>
+              <a:rPr lang="en-GB" sz="2400" dirty="0"/>
+              <a:t> &amp; </a:t>
+            </a:r>
+            <a:r>
+              <a:rPr lang="en-GB" sz="2400" dirty="0" err="1"/>
+              <a:t>Nutrigrade</a:t>
+            </a:r>
+            <a:r>
+              <a:rPr lang="en-GB" sz="2400" dirty="0"/>
+              <a:t> of products</a:t>
+            </a:r>
+          </a:p>
+          <a:p>
+            <a:pPr marL="0" indent="0" algn="ctr">
+              <a:buNone/>
+            </a:pPr>
+            <a:endParaRPr lang="en-GB" sz="2400" dirty="0"/>
+          </a:p>
+        </p:txBody>
+      </p:sp>
+      <p:sp>
+        <p:nvSpPr>
+          <p:cNvPr id="4" name="Content Placeholder 2"/>
+          <p:cNvSpPr txBox="1">
+            <a:spLocks/>
+          </p:cNvSpPr>
+          <p:nvPr/>
+        </p:nvSpPr>
+        <p:spPr>
+          <a:xfrm>
+            <a:off x="677334" y="1403797"/>
+            <a:ext cx="8596668" cy="1923478"/>
+          </a:xfrm>
+          <a:prstGeom prst="rect">
+            <a:avLst/>
+          </a:prstGeom>
+        </p:spPr>
+        <p:txBody>
+          <a:bodyPr vert="horz" lIns="91440" tIns="45720" rIns="91440" bIns="45720" rtlCol="0" anchor="t">
+            <a:noAutofit/>
+          </a:bodyPr>
+          <a:lstStyle>
+            <a:lvl1pPr marL="342900" indent="-342900" algn="l" defTabSz="457200" rtl="0" eaLnBrk="1" latinLnBrk="0" hangingPunct="1">
+              <a:spcBef>
+                <a:spcPts val="1000"/>
+              </a:spcBef>
+              <a:spcAft>
+                <a:spcPts val="0"/>
+              </a:spcAft>
+              <a:buClr>
+                <a:schemeClr val="accent1"/>
+              </a:buClr>
+              <a:buSzPct val="80000"/>
+              <a:buFont typeface="Wingdings 3" charset="2"/>
+              <a:buChar char=""/>
+              <a:defRPr sz="1800" kern="1200">
+                <a:solidFill>
+                  <a:schemeClr val="tx1">
+                    <a:lumMod val="75000"/>
+                    <a:lumOff val="25000"/>
+                  </a:schemeClr>
+                </a:solidFill>
+                <a:latin typeface="+mn-lt"/>
+                <a:ea typeface="+mn-ea"/>
+                <a:cs typeface="+mn-cs"/>
+              </a:defRPr>
+            </a:lvl1pPr>
+            <a:lvl2pPr marL="742950" indent="-285750" algn="l" defTabSz="457200" rtl="0" eaLnBrk="1" latinLnBrk="0" hangingPunct="1">
+              <a:spcBef>
+                <a:spcPts val="1000"/>
+              </a:spcBef>
+              <a:spcAft>
+                <a:spcPts val="0"/>
+              </a:spcAft>
+              <a:buClr>
+                <a:schemeClr val="accent1"/>
+              </a:buClr>
+              <a:buSzPct val="80000"/>
+              <a:buFont typeface="Wingdings 3" charset="2"/>
+              <a:buChar char=""/>
+              <a:defRPr sz="1600" kern="1200">
+                <a:solidFill>
+                  <a:schemeClr val="tx1">
+                    <a:lumMod val="75000"/>
+                    <a:lumOff val="25000"/>
+                  </a:schemeClr>
+                </a:solidFill>
+                <a:latin typeface="+mn-lt"/>
+                <a:ea typeface="+mn-ea"/>
+                <a:cs typeface="+mn-cs"/>
+              </a:defRPr>
+            </a:lvl2pPr>
+            <a:lvl3pPr marL="1143000" indent="-228600" algn="l" defTabSz="457200" rtl="0" eaLnBrk="1" latinLnBrk="0" hangingPunct="1">
+              <a:spcBef>
+                <a:spcPts val="1000"/>
+              </a:spcBef>
+              <a:spcAft>
+                <a:spcPts val="0"/>
+              </a:spcAft>
+              <a:buClr>
+                <a:schemeClr val="accent1"/>
+              </a:buClr>
+              <a:buSzPct val="80000"/>
+              <a:buFont typeface="Wingdings 3" charset="2"/>
+              <a:buChar char=""/>
+              <a:defRPr sz="1400" kern="1200">
+                <a:solidFill>
+                  <a:schemeClr val="tx1">
+                    <a:lumMod val="75000"/>
+                    <a:lumOff val="25000"/>
+                  </a:schemeClr>
+                </a:solidFill>
+                <a:latin typeface="+mn-lt"/>
+                <a:ea typeface="+mn-ea"/>
+                <a:cs typeface="+mn-cs"/>
+              </a:defRPr>
+            </a:lvl3pPr>
+            <a:lvl4pPr marL="1600200" indent="-228600" algn="l" defTabSz="457200" rtl="0" eaLnBrk="1" latinLnBrk="0" hangingPunct="1">
+              <a:spcBef>
+                <a:spcPts val="1000"/>
+              </a:spcBef>
+              <a:spcAft>
+                <a:spcPts val="0"/>
+              </a:spcAft>
+              <a:buClr>
+                <a:schemeClr val="accent1"/>
+              </a:buClr>
+              <a:buSzPct val="80000"/>
+              <a:buFont typeface="Wingdings 3" charset="2"/>
+              <a:buChar char=""/>
+              <a:defRPr sz="1200" kern="1200">
+                <a:solidFill>
+                  <a:schemeClr val="tx1">
+                    <a:lumMod val="75000"/>
+                    <a:lumOff val="25000"/>
+                  </a:schemeClr>
+                </a:solidFill>
+                <a:latin typeface="+mn-lt"/>
+                <a:ea typeface="+mn-ea"/>
+                <a:cs typeface="+mn-cs"/>
+              </a:defRPr>
+            </a:lvl4pPr>
+            <a:lvl5pPr marL="2057400" indent="-228600" algn="l" defTabSz="457200" rtl="0" eaLnBrk="1" latinLnBrk="0" hangingPunct="1">
+              <a:spcBef>
+                <a:spcPts val="1000"/>
+              </a:spcBef>
+              <a:spcAft>
+                <a:spcPts val="0"/>
+              </a:spcAft>
+              <a:buClr>
+                <a:schemeClr val="accent1"/>
+              </a:buClr>
+              <a:buSzPct val="80000"/>
+              <a:buFont typeface="Wingdings 3" charset="2"/>
+              <a:buChar char=""/>
+              <a:defRPr sz="1200" kern="1200">
+                <a:solidFill>
+                  <a:schemeClr val="tx1">
+                    <a:lumMod val="75000"/>
+                    <a:lumOff val="25000"/>
+                  </a:schemeClr>
+                </a:solidFill>
+                <a:latin typeface="+mn-lt"/>
+                <a:ea typeface="+mn-ea"/>
+                <a:cs typeface="+mn-cs"/>
+              </a:defRPr>
+            </a:lvl5pPr>
+            <a:lvl6pPr marL="2514600" indent="-228600" algn="l" defTabSz="457200" rtl="0" eaLnBrk="1" latinLnBrk="0" hangingPunct="1">
+              <a:spcBef>
+                <a:spcPts val="1000"/>
+              </a:spcBef>
+              <a:spcAft>
+                <a:spcPts val="0"/>
+              </a:spcAft>
+              <a:buClr>
+                <a:schemeClr val="accent1"/>
+              </a:buClr>
+              <a:buSzPct val="80000"/>
+              <a:buFont typeface="Wingdings 3" charset="2"/>
+              <a:buChar char=""/>
+              <a:defRPr sz="1200" kern="1200">
+                <a:solidFill>
+                  <a:schemeClr val="tx1">
+                    <a:lumMod val="75000"/>
+                    <a:lumOff val="25000"/>
+                  </a:schemeClr>
+                </a:solidFill>
+                <a:latin typeface="+mn-lt"/>
+                <a:ea typeface="+mn-ea"/>
+                <a:cs typeface="+mn-cs"/>
+              </a:defRPr>
+            </a:lvl6pPr>
+            <a:lvl7pPr marL="2971800" indent="-228600" algn="l" defTabSz="457200" rtl="0" eaLnBrk="1" latinLnBrk="0" hangingPunct="1">
+              <a:spcBef>
+                <a:spcPts val="1000"/>
+              </a:spcBef>
+              <a:spcAft>
+                <a:spcPts val="0"/>
+              </a:spcAft>
+              <a:buClr>
+                <a:schemeClr val="accent1"/>
+              </a:buClr>
+              <a:buSzPct val="80000"/>
+              <a:buFont typeface="Wingdings 3" charset="2"/>
+              <a:buChar char=""/>
+              <a:defRPr sz="1200" kern="1200">
+                <a:solidFill>
+                  <a:schemeClr val="tx1">
+                    <a:lumMod val="75000"/>
+                    <a:lumOff val="25000"/>
+                  </a:schemeClr>
+                </a:solidFill>
+                <a:latin typeface="+mn-lt"/>
+                <a:ea typeface="+mn-ea"/>
+                <a:cs typeface="+mn-cs"/>
+              </a:defRPr>
+            </a:lvl7pPr>
+            <a:lvl8pPr marL="3429000" indent="-228600" algn="l" defTabSz="457200" rtl="0" eaLnBrk="1" latinLnBrk="0" hangingPunct="1">
+              <a:spcBef>
+                <a:spcPts val="1000"/>
+              </a:spcBef>
+              <a:spcAft>
+                <a:spcPts val="0"/>
+              </a:spcAft>
+              <a:buClr>
+                <a:schemeClr val="accent1"/>
+              </a:buClr>
+              <a:buSzPct val="80000"/>
+              <a:buFont typeface="Wingdings 3" charset="2"/>
+              <a:buChar char=""/>
+              <a:defRPr sz="1200" kern="1200">
+                <a:solidFill>
+                  <a:schemeClr val="tx1">
+                    <a:lumMod val="75000"/>
+                    <a:lumOff val="25000"/>
+                  </a:schemeClr>
+                </a:solidFill>
+                <a:latin typeface="+mn-lt"/>
+                <a:ea typeface="+mn-ea"/>
+                <a:cs typeface="+mn-cs"/>
+              </a:defRPr>
+            </a:lvl8pPr>
+            <a:lvl9pPr marL="3886200" indent="-228600" algn="l" defTabSz="457200" rtl="0" eaLnBrk="1" latinLnBrk="0" hangingPunct="1">
+              <a:spcBef>
+                <a:spcPts val="1000"/>
+              </a:spcBef>
+              <a:spcAft>
+                <a:spcPts val="0"/>
+              </a:spcAft>
+              <a:buClr>
+                <a:schemeClr val="accent1"/>
+              </a:buClr>
+              <a:buSzPct val="80000"/>
+              <a:buFont typeface="Wingdings 3" charset="2"/>
+              <a:buChar char=""/>
+              <a:defRPr sz="1200" kern="1200">
+                <a:solidFill>
+                  <a:schemeClr val="tx1">
+                    <a:lumMod val="75000"/>
+                    <a:lumOff val="25000"/>
+                  </a:schemeClr>
+                </a:solidFill>
+                <a:latin typeface="+mn-lt"/>
+                <a:ea typeface="+mn-ea"/>
+                <a:cs typeface="+mn-cs"/>
+              </a:defRPr>
+            </a:lvl9pPr>
+          </a:lstStyle>
+          <a:p>
+            <a:pPr marL="0" indent="0">
+              <a:buNone/>
+            </a:pPr>
+            <a:endParaRPr lang="en-GB" sz="2400" b="1" dirty="0"/>
+          </a:p>
+        </p:txBody>
+      </p:sp>
+      <p:sp>
+        <p:nvSpPr>
+          <p:cNvPr id="7" name="Title 1">
+            <a:extLst>
+              <a:ext uri="{FF2B5EF4-FFF2-40B4-BE49-F238E27FC236}">
+                <a16:creationId xmlns:a16="http://schemas.microsoft.com/office/drawing/2014/main" id="{829DF2F8-731B-49E5-AEB1-1DE5C6BF9310}"/>
+              </a:ext>
+            </a:extLst>
+          </p:cNvPr>
+          <p:cNvSpPr txBox="1">
+            <a:spLocks/>
+          </p:cNvSpPr>
+          <p:nvPr/>
+        </p:nvSpPr>
+        <p:spPr>
+          <a:xfrm>
+            <a:off x="820209" y="2156391"/>
+            <a:ext cx="8596668" cy="794197"/>
+          </a:xfrm>
+          <a:prstGeom prst="rect">
+            <a:avLst/>
+          </a:prstGeom>
+        </p:spPr>
+        <p:txBody>
+          <a:bodyPr vert="horz" lIns="91440" tIns="45720" rIns="91440" bIns="45720" rtlCol="0" anchor="t">
+            <a:normAutofit/>
+          </a:bodyPr>
+          <a:lstStyle>
+            <a:lvl1pPr algn="l" defTabSz="457200" rtl="0" eaLnBrk="1" latinLnBrk="0" hangingPunct="1">
+              <a:spcBef>
+                <a:spcPct val="0"/>
+              </a:spcBef>
+              <a:buNone/>
+              <a:defRPr sz="3600" kern="1200">
+                <a:solidFill>
+                  <a:schemeClr val="accent1"/>
+                </a:solidFill>
+                <a:latin typeface="+mj-lt"/>
+                <a:ea typeface="+mj-ea"/>
+                <a:cs typeface="+mj-cs"/>
+              </a:defRPr>
+            </a:lvl1pPr>
+            <a:lvl2pPr eaLnBrk="1" hangingPunct="1">
+              <a:defRPr>
+                <a:solidFill>
+                  <a:schemeClr val="tx2"/>
+                </a:solidFill>
+              </a:defRPr>
+            </a:lvl2pPr>
+            <a:lvl3pPr eaLnBrk="1" hangingPunct="1">
+              <a:defRPr>
+                <a:solidFill>
+                  <a:schemeClr val="tx2"/>
+                </a:solidFill>
+              </a:defRPr>
+            </a:lvl3pPr>
+            <a:lvl4pPr eaLnBrk="1" hangingPunct="1">
+              <a:defRPr>
+                <a:solidFill>
+                  <a:schemeClr val="tx2"/>
+                </a:solidFill>
+              </a:defRPr>
+            </a:lvl4pPr>
+            <a:lvl5pPr eaLnBrk="1" hangingPunct="1">
+              <a:defRPr>
+                <a:solidFill>
+                  <a:schemeClr val="tx2"/>
+                </a:solidFill>
+              </a:defRPr>
+            </a:lvl5pPr>
+            <a:lvl6pPr eaLnBrk="1" hangingPunct="1">
+              <a:defRPr>
+                <a:solidFill>
+                  <a:schemeClr val="tx2"/>
+                </a:solidFill>
+              </a:defRPr>
+            </a:lvl6pPr>
+            <a:lvl7pPr eaLnBrk="1" hangingPunct="1">
+              <a:defRPr>
+                <a:solidFill>
+                  <a:schemeClr val="tx2"/>
+                </a:solidFill>
+              </a:defRPr>
+            </a:lvl7pPr>
+            <a:lvl8pPr eaLnBrk="1" hangingPunct="1">
+              <a:defRPr>
+                <a:solidFill>
+                  <a:schemeClr val="tx2"/>
+                </a:solidFill>
+              </a:defRPr>
+            </a:lvl8pPr>
+            <a:lvl9pPr eaLnBrk="1" hangingPunct="1">
+              <a:defRPr>
+                <a:solidFill>
+                  <a:schemeClr val="tx2"/>
+                </a:solidFill>
+              </a:defRPr>
+            </a:lvl9pPr>
+          </a:lstStyle>
+          <a:p>
+            <a:r>
+              <a:rPr lang="en-GB" sz="3200" b="1" dirty="0"/>
+              <a:t>What’s new?</a:t>
+            </a:r>
+          </a:p>
+        </p:txBody>
+      </p:sp>
+      <p:sp>
+        <p:nvSpPr>
+          <p:cNvPr id="8" name="Content Placeholder 2">
+            <a:extLst>
+              <a:ext uri="{FF2B5EF4-FFF2-40B4-BE49-F238E27FC236}">
+                <a16:creationId xmlns:a16="http://schemas.microsoft.com/office/drawing/2014/main" id="{A1D50681-5AA0-459A-9014-9C43350FD10F}"/>
+              </a:ext>
+            </a:extLst>
+          </p:cNvPr>
+          <p:cNvSpPr txBox="1">
+            <a:spLocks/>
+          </p:cNvSpPr>
+          <p:nvPr/>
+        </p:nvSpPr>
+        <p:spPr>
+          <a:xfrm>
+            <a:off x="474169" y="3026868"/>
+            <a:ext cx="10050956" cy="3545382"/>
+          </a:xfrm>
+          <a:prstGeom prst="rect">
+            <a:avLst/>
+          </a:prstGeom>
+        </p:spPr>
+        <p:txBody>
+          <a:bodyPr vert="horz" lIns="91440" tIns="45720" rIns="91440" bIns="45720" rtlCol="0">
+            <a:normAutofit/>
+          </a:bodyPr>
+          <a:lstStyle>
+            <a:lvl1pPr marL="342900" indent="-342900" algn="l" defTabSz="457200" rtl="0" eaLnBrk="1" latinLnBrk="0" hangingPunct="1">
+              <a:spcBef>
+                <a:spcPts val="1000"/>
+              </a:spcBef>
+              <a:spcAft>
+                <a:spcPts val="0"/>
+              </a:spcAft>
+              <a:buClr>
+                <a:schemeClr val="accent1"/>
+              </a:buClr>
+              <a:buSzPct val="80000"/>
+              <a:buFont typeface="Wingdings 3" charset="2"/>
+              <a:buChar char=""/>
+              <a:defRPr sz="1800" kern="1200">
+                <a:solidFill>
+                  <a:schemeClr val="tx1">
+                    <a:lumMod val="75000"/>
+                    <a:lumOff val="25000"/>
+                  </a:schemeClr>
+                </a:solidFill>
+                <a:latin typeface="+mn-lt"/>
+                <a:ea typeface="+mn-ea"/>
+                <a:cs typeface="+mn-cs"/>
+              </a:defRPr>
+            </a:lvl1pPr>
+            <a:lvl2pPr marL="742950" indent="-285750" algn="l" defTabSz="457200" rtl="0" eaLnBrk="1" latinLnBrk="0" hangingPunct="1">
+              <a:spcBef>
+                <a:spcPts val="1000"/>
+              </a:spcBef>
+              <a:spcAft>
+                <a:spcPts val="0"/>
+              </a:spcAft>
+              <a:buClr>
+                <a:schemeClr val="accent1"/>
+              </a:buClr>
+              <a:buSzPct val="80000"/>
+              <a:buFont typeface="Wingdings 3" charset="2"/>
+              <a:buChar char=""/>
+              <a:defRPr sz="1600" kern="1200">
+                <a:solidFill>
+                  <a:schemeClr val="tx1">
+                    <a:lumMod val="75000"/>
+                    <a:lumOff val="25000"/>
+                  </a:schemeClr>
+                </a:solidFill>
+                <a:latin typeface="+mn-lt"/>
+                <a:ea typeface="+mn-ea"/>
+                <a:cs typeface="+mn-cs"/>
+              </a:defRPr>
+            </a:lvl2pPr>
+            <a:lvl3pPr marL="1143000" indent="-228600" algn="l" defTabSz="457200" rtl="0" eaLnBrk="1" latinLnBrk="0" hangingPunct="1">
+              <a:spcBef>
+                <a:spcPts val="1000"/>
+              </a:spcBef>
+              <a:spcAft>
+                <a:spcPts val="0"/>
+              </a:spcAft>
+              <a:buClr>
+                <a:schemeClr val="accent1"/>
+              </a:buClr>
+              <a:buSzPct val="80000"/>
+              <a:buFont typeface="Wingdings 3" charset="2"/>
+              <a:buChar char=""/>
+              <a:defRPr sz="1400" kern="1200">
+                <a:solidFill>
+                  <a:schemeClr val="tx1">
+                    <a:lumMod val="75000"/>
+                    <a:lumOff val="25000"/>
+                  </a:schemeClr>
+                </a:solidFill>
+                <a:latin typeface="+mn-lt"/>
+                <a:ea typeface="+mn-ea"/>
+                <a:cs typeface="+mn-cs"/>
+              </a:defRPr>
+            </a:lvl3pPr>
+            <a:lvl4pPr marL="1600200" indent="-228600" algn="l" defTabSz="457200" rtl="0" eaLnBrk="1" latinLnBrk="0" hangingPunct="1">
+              <a:spcBef>
+                <a:spcPts val="1000"/>
+              </a:spcBef>
+              <a:spcAft>
+                <a:spcPts val="0"/>
+              </a:spcAft>
+              <a:buClr>
+                <a:schemeClr val="accent1"/>
+              </a:buClr>
+              <a:buSzPct val="80000"/>
+              <a:buFont typeface="Wingdings 3" charset="2"/>
+              <a:buChar char=""/>
+              <a:defRPr sz="1200" kern="1200">
+                <a:solidFill>
+                  <a:schemeClr val="tx1">
+                    <a:lumMod val="75000"/>
+                    <a:lumOff val="25000"/>
+                  </a:schemeClr>
+                </a:solidFill>
+                <a:latin typeface="+mn-lt"/>
+                <a:ea typeface="+mn-ea"/>
+                <a:cs typeface="+mn-cs"/>
+              </a:defRPr>
+            </a:lvl4pPr>
+            <a:lvl5pPr marL="2057400" indent="-228600" algn="l" defTabSz="457200" rtl="0" eaLnBrk="1" latinLnBrk="0" hangingPunct="1">
+              <a:spcBef>
+                <a:spcPts val="1000"/>
+              </a:spcBef>
+              <a:spcAft>
+                <a:spcPts val="0"/>
+              </a:spcAft>
+              <a:buClr>
+                <a:schemeClr val="accent1"/>
+              </a:buClr>
+              <a:buSzPct val="80000"/>
+              <a:buFont typeface="Wingdings 3" charset="2"/>
+              <a:buChar char=""/>
+              <a:defRPr sz="1200" kern="1200">
+                <a:solidFill>
+                  <a:schemeClr val="tx1">
+                    <a:lumMod val="75000"/>
+                    <a:lumOff val="25000"/>
+                  </a:schemeClr>
+                </a:solidFill>
+                <a:latin typeface="+mn-lt"/>
+                <a:ea typeface="+mn-ea"/>
+                <a:cs typeface="+mn-cs"/>
+              </a:defRPr>
+            </a:lvl5pPr>
+            <a:lvl6pPr marL="2514600" indent="-228600" algn="l" defTabSz="457200" rtl="0" eaLnBrk="1" latinLnBrk="0" hangingPunct="1">
+              <a:spcBef>
+                <a:spcPts val="1000"/>
+              </a:spcBef>
+              <a:spcAft>
+                <a:spcPts val="0"/>
+              </a:spcAft>
+              <a:buClr>
+                <a:schemeClr val="accent1"/>
+              </a:buClr>
+              <a:buSzPct val="80000"/>
+              <a:buFont typeface="Wingdings 3" charset="2"/>
+              <a:buChar char=""/>
+              <a:defRPr sz="1200" kern="1200">
+                <a:solidFill>
+                  <a:schemeClr val="tx1">
+                    <a:lumMod val="75000"/>
+                    <a:lumOff val="25000"/>
+                  </a:schemeClr>
+                </a:solidFill>
+                <a:latin typeface="+mn-lt"/>
+                <a:ea typeface="+mn-ea"/>
+                <a:cs typeface="+mn-cs"/>
+              </a:defRPr>
+            </a:lvl6pPr>
+            <a:lvl7pPr marL="2971800" indent="-228600" algn="l" defTabSz="457200" rtl="0" eaLnBrk="1" latinLnBrk="0" hangingPunct="1">
+              <a:spcBef>
+                <a:spcPts val="1000"/>
+              </a:spcBef>
+              <a:spcAft>
+                <a:spcPts val="0"/>
+              </a:spcAft>
+              <a:buClr>
+                <a:schemeClr val="accent1"/>
+              </a:buClr>
+              <a:buSzPct val="80000"/>
+              <a:buFont typeface="Wingdings 3" charset="2"/>
+              <a:buChar char=""/>
+              <a:defRPr sz="1200" kern="1200">
+                <a:solidFill>
+                  <a:schemeClr val="tx1">
+                    <a:lumMod val="75000"/>
+                    <a:lumOff val="25000"/>
+                  </a:schemeClr>
+                </a:solidFill>
+                <a:latin typeface="+mn-lt"/>
+                <a:ea typeface="+mn-ea"/>
+                <a:cs typeface="+mn-cs"/>
+              </a:defRPr>
+            </a:lvl7pPr>
+            <a:lvl8pPr marL="3429000" indent="-228600" algn="l" defTabSz="457200" rtl="0" eaLnBrk="1" latinLnBrk="0" hangingPunct="1">
+              <a:spcBef>
+                <a:spcPts val="1000"/>
+              </a:spcBef>
+              <a:spcAft>
+                <a:spcPts val="0"/>
+              </a:spcAft>
+              <a:buClr>
+                <a:schemeClr val="accent1"/>
+              </a:buClr>
+              <a:buSzPct val="80000"/>
+              <a:buFont typeface="Wingdings 3" charset="2"/>
+              <a:buChar char=""/>
+              <a:defRPr sz="1200" kern="1200">
+                <a:solidFill>
+                  <a:schemeClr val="tx1">
+                    <a:lumMod val="75000"/>
+                    <a:lumOff val="25000"/>
+                  </a:schemeClr>
+                </a:solidFill>
+                <a:latin typeface="+mn-lt"/>
+                <a:ea typeface="+mn-ea"/>
+                <a:cs typeface="+mn-cs"/>
+              </a:defRPr>
+            </a:lvl8pPr>
+            <a:lvl9pPr marL="3886200" indent="-228600" algn="l" defTabSz="457200" rtl="0" eaLnBrk="1" latinLnBrk="0" hangingPunct="1">
+              <a:spcBef>
+                <a:spcPts val="1000"/>
+              </a:spcBef>
+              <a:spcAft>
+                <a:spcPts val="0"/>
+              </a:spcAft>
+              <a:buClr>
+                <a:schemeClr val="accent1"/>
+              </a:buClr>
+              <a:buSzPct val="80000"/>
+              <a:buFont typeface="Wingdings 3" charset="2"/>
+              <a:buChar char=""/>
+              <a:defRPr sz="1200" kern="1200">
+                <a:solidFill>
+                  <a:schemeClr val="tx1">
+                    <a:lumMod val="75000"/>
+                    <a:lumOff val="25000"/>
+                  </a:schemeClr>
+                </a:solidFill>
+                <a:latin typeface="+mn-lt"/>
+                <a:ea typeface="+mn-ea"/>
+                <a:cs typeface="+mn-cs"/>
+              </a:defRPr>
+            </a:lvl9pPr>
+          </a:lstStyle>
+          <a:p>
+            <a:pPr>
+              <a:buFont typeface="Wingdings" panose="05000000000000000000" pitchFamily="2" charset="2"/>
+              <a:buChar char="Ø"/>
+            </a:pPr>
+            <a:endParaRPr lang="en-GB" sz="2400" dirty="0"/>
+          </a:p>
+          <a:p>
+            <a:pPr>
+              <a:buFont typeface="Wingdings" panose="05000000000000000000" pitchFamily="2" charset="2"/>
+              <a:buChar char="Ø"/>
+            </a:pPr>
+            <a:endParaRPr lang="en-GB" sz="2400" dirty="0"/>
+          </a:p>
+          <a:p>
+            <a:pPr algn="ctr">
+              <a:buFont typeface="Wingdings" panose="05000000000000000000" pitchFamily="2" charset="2"/>
+              <a:buChar char="Ø"/>
+            </a:pPr>
+            <a:endParaRPr lang="en-GB" sz="2400" dirty="0"/>
+          </a:p>
+        </p:txBody>
+      </p:sp>
+    </p:spTree>
+    <p:extLst>
+      <p:ext uri="{BB962C8B-B14F-4D97-AF65-F5344CB8AC3E}">
+        <p14:creationId xmlns:p14="http://schemas.microsoft.com/office/powerpoint/2010/main" val="2622927215"/>
+      </p:ext>
+    </p:extLst>
+  </p:cSld>
+  <p:clrMapOvr>
+    <a:masterClrMapping/>
+  </p:clrMapOvr>
+</p:sld>
+</file>
+
+<file path=ppt/slides/slide20.xml><?xml version="1.0" encoding="utf-8"?>
 <p:sld xmlns:a="http://schemas.openxmlformats.org/drawingml/2006/main" xmlns:r="http://schemas.openxmlformats.org/officeDocument/2006/relationships" xmlns:p="http://schemas.openxmlformats.org/presentationml/2006/main">
   <p:cSld>
     <p:spTree>
@@ -8402,1257 +10969,6 @@
 </p:sld>
 </file>
 
-<file path=ppt/slides/slide17.xml><?xml version="1.0" encoding="utf-8"?>
-<p:sld xmlns:a="http://schemas.openxmlformats.org/drawingml/2006/main" xmlns:r="http://schemas.openxmlformats.org/officeDocument/2006/relationships" xmlns:p="http://schemas.openxmlformats.org/presentationml/2006/main">
-  <p:cSld>
-    <p:spTree>
-      <p:nvGrpSpPr>
-        <p:cNvPr id="1" name=""/>
-        <p:cNvGrpSpPr/>
-        <p:nvPr/>
-      </p:nvGrpSpPr>
-      <p:grpSpPr>
-        <a:xfrm>
-          <a:off x="0" y="0"/>
-          <a:ext cx="0" cy="0"/>
-          <a:chOff x="0" y="0"/>
-          <a:chExt cx="0" cy="0"/>
-        </a:xfrm>
-      </p:grpSpPr>
-      <p:sp>
-        <p:nvSpPr>
-          <p:cNvPr id="2" name="Titre 1">
-            <a:extLst>
-              <a:ext uri="{FF2B5EF4-FFF2-40B4-BE49-F238E27FC236}">
-                <a16:creationId xmlns:a16="http://schemas.microsoft.com/office/drawing/2014/main" id="{4F0C7A75-FCA9-42BD-9D1D-2690D121A502}"/>
-              </a:ext>
-            </a:extLst>
-          </p:cNvPr>
-          <p:cNvSpPr>
-            <a:spLocks noGrp="1"/>
-          </p:cNvSpPr>
-          <p:nvPr>
-            <p:ph type="title"/>
-          </p:nvPr>
-        </p:nvSpPr>
-        <p:spPr>
-          <a:xfrm>
-            <a:off x="677334" y="609600"/>
-            <a:ext cx="8596668" cy="704850"/>
-          </a:xfrm>
-        </p:spPr>
-        <p:txBody>
-          <a:bodyPr/>
-          <a:lstStyle/>
-          <a:p>
-            <a:r>
-              <a:rPr lang="en-US" b="1" dirty="0"/>
-              <a:t>Results for </a:t>
-            </a:r>
-            <a:r>
-              <a:rPr lang="en-US" b="1" dirty="0" smtClean="0"/>
-              <a:t>GHG Emissions</a:t>
-            </a:r>
-            <a:endParaRPr lang="fr-FR" b="1" dirty="0"/>
-          </a:p>
-        </p:txBody>
-      </p:sp>
-    </p:spTree>
-    <p:extLst>
-      <p:ext uri="{BB962C8B-B14F-4D97-AF65-F5344CB8AC3E}">
-        <p14:creationId xmlns:p14="http://schemas.microsoft.com/office/powerpoint/2010/main" val="336732233"/>
-      </p:ext>
-    </p:extLst>
-  </p:cSld>
-  <p:clrMapOvr>
-    <a:masterClrMapping/>
-  </p:clrMapOvr>
-</p:sld>
-</file>
-
-<file path=ppt/slides/slide18.xml><?xml version="1.0" encoding="utf-8"?>
-<p:sld xmlns:a="http://schemas.openxmlformats.org/drawingml/2006/main" xmlns:r="http://schemas.openxmlformats.org/officeDocument/2006/relationships" xmlns:p="http://schemas.openxmlformats.org/presentationml/2006/main">
-  <p:cSld>
-    <p:spTree>
-      <p:nvGrpSpPr>
-        <p:cNvPr id="1" name=""/>
-        <p:cNvGrpSpPr/>
-        <p:nvPr/>
-      </p:nvGrpSpPr>
-      <p:grpSpPr>
-        <a:xfrm>
-          <a:off x="0" y="0"/>
-          <a:ext cx="0" cy="0"/>
-          <a:chOff x="0" y="0"/>
-          <a:chExt cx="0" cy="0"/>
-        </a:xfrm>
-      </p:grpSpPr>
-      <p:sp>
-        <p:nvSpPr>
-          <p:cNvPr id="2" name="Titre 1">
-            <a:extLst>
-              <a:ext uri="{FF2B5EF4-FFF2-40B4-BE49-F238E27FC236}">
-                <a16:creationId xmlns:a16="http://schemas.microsoft.com/office/drawing/2014/main" id="{59979304-6745-44DD-BA57-A0F3D500AE62}"/>
-              </a:ext>
-            </a:extLst>
-          </p:cNvPr>
-          <p:cNvSpPr>
-            <a:spLocks noGrp="1"/>
-          </p:cNvSpPr>
-          <p:nvPr>
-            <p:ph type="title"/>
-          </p:nvPr>
-        </p:nvSpPr>
-        <p:spPr>
-          <a:xfrm>
-            <a:off x="677334" y="609600"/>
-            <a:ext cx="8596668" cy="895350"/>
-          </a:xfrm>
-        </p:spPr>
-        <p:txBody>
-          <a:bodyPr/>
-          <a:lstStyle/>
-          <a:p>
-            <a:r>
-              <a:rPr lang="fr-FR" b="1" dirty="0" err="1"/>
-              <a:t>Regression</a:t>
-            </a:r>
-            <a:r>
-              <a:rPr lang="fr-FR" b="1" dirty="0"/>
-              <a:t> </a:t>
-            </a:r>
-            <a:r>
-              <a:rPr lang="fr-FR" b="1" dirty="0" err="1"/>
-              <a:t>improvement</a:t>
-            </a:r>
-            <a:endParaRPr lang="fr-FR" b="1" dirty="0"/>
-          </a:p>
-        </p:txBody>
-      </p:sp>
-    </p:spTree>
-    <p:extLst>
-      <p:ext uri="{BB962C8B-B14F-4D97-AF65-F5344CB8AC3E}">
-        <p14:creationId xmlns:p14="http://schemas.microsoft.com/office/powerpoint/2010/main" val="515256256"/>
-      </p:ext>
-    </p:extLst>
-  </p:cSld>
-  <p:clrMapOvr>
-    <a:masterClrMapping/>
-  </p:clrMapOvr>
-</p:sld>
-</file>
-
-<file path=ppt/slides/slide19.xml><?xml version="1.0" encoding="utf-8"?>
-<p:sld xmlns:a="http://schemas.openxmlformats.org/drawingml/2006/main" xmlns:r="http://schemas.openxmlformats.org/officeDocument/2006/relationships" xmlns:p="http://schemas.openxmlformats.org/presentationml/2006/main">
-  <p:cSld>
-    <p:spTree>
-      <p:nvGrpSpPr>
-        <p:cNvPr id="1" name=""/>
-        <p:cNvGrpSpPr/>
-        <p:nvPr/>
-      </p:nvGrpSpPr>
-      <p:grpSpPr>
-        <a:xfrm>
-          <a:off x="0" y="0"/>
-          <a:ext cx="0" cy="0"/>
-          <a:chOff x="0" y="0"/>
-          <a:chExt cx="0" cy="0"/>
-        </a:xfrm>
-      </p:grpSpPr>
-      <p:sp>
-        <p:nvSpPr>
-          <p:cNvPr id="2" name="Titre 1">
-            <a:extLst>
-              <a:ext uri="{FF2B5EF4-FFF2-40B4-BE49-F238E27FC236}">
-                <a16:creationId xmlns:a16="http://schemas.microsoft.com/office/drawing/2014/main" id="{D24DF6D6-07D4-4B19-A8B1-DC9FB7A53021}"/>
-              </a:ext>
-            </a:extLst>
-          </p:cNvPr>
-          <p:cNvSpPr>
-            <a:spLocks noGrp="1"/>
-          </p:cNvSpPr>
-          <p:nvPr>
-            <p:ph type="title"/>
-          </p:nvPr>
-        </p:nvSpPr>
-        <p:spPr/>
-        <p:txBody>
-          <a:bodyPr/>
-          <a:lstStyle/>
-          <a:p>
-            <a:r>
-              <a:rPr lang="en-US" b="1" dirty="0"/>
-              <a:t>Discussions</a:t>
-            </a:r>
-            <a:endParaRPr lang="fr-FR" b="1" dirty="0"/>
-          </a:p>
-        </p:txBody>
-      </p:sp>
-      <p:sp>
-        <p:nvSpPr>
-          <p:cNvPr id="4" name="Espace réservé du numéro de diapositive 3">
-            <a:extLst>
-              <a:ext uri="{FF2B5EF4-FFF2-40B4-BE49-F238E27FC236}">
-                <a16:creationId xmlns:a16="http://schemas.microsoft.com/office/drawing/2014/main" id="{4F90A76F-FAAE-4EBC-81E9-1551D71E7E6D}"/>
-              </a:ext>
-            </a:extLst>
-          </p:cNvPr>
-          <p:cNvSpPr>
-            <a:spLocks noGrp="1"/>
-          </p:cNvSpPr>
-          <p:nvPr>
-            <p:ph type="sldNum" sz="quarter" idx="12"/>
-          </p:nvPr>
-        </p:nvSpPr>
-        <p:spPr/>
-        <p:txBody>
-          <a:bodyPr/>
-          <a:lstStyle/>
-          <a:p>
-            <a:fld id="{519954A3-9DFD-4C44-94BA-B95130A3BA1C}" type="slidenum">
-              <a:rPr lang="en-US" smtClean="0"/>
-              <a:t>19</a:t>
-            </a:fld>
-            <a:endParaRPr lang="en-US"/>
-          </a:p>
-        </p:txBody>
-      </p:sp>
-      <p:sp>
-        <p:nvSpPr>
-          <p:cNvPr id="7" name="Content Placeholder 2">
-            <a:extLst>
-              <a:ext uri="{FF2B5EF4-FFF2-40B4-BE49-F238E27FC236}">
-                <a16:creationId xmlns:a16="http://schemas.microsoft.com/office/drawing/2014/main" id="{E6AEF724-5808-40C1-BA61-406D27DC3A7D}"/>
-              </a:ext>
-            </a:extLst>
-          </p:cNvPr>
-          <p:cNvSpPr>
-            <a:spLocks noGrp="1"/>
-          </p:cNvSpPr>
-          <p:nvPr>
-            <p:ph idx="1"/>
-          </p:nvPr>
-        </p:nvSpPr>
-        <p:spPr>
-          <a:xfrm>
-            <a:off x="677333" y="1596788"/>
-            <a:ext cx="8862451" cy="4809699"/>
-          </a:xfrm>
-        </p:spPr>
-        <p:txBody>
-          <a:bodyPr/>
-          <a:lstStyle/>
-          <a:p>
-            <a:r>
-              <a:rPr lang="en-GB" dirty="0"/>
-              <a:t>An algorithm based on linear regression and one hot encoding has been performed to relate nutrients and category to the </a:t>
-            </a:r>
-            <a:r>
-              <a:rPr lang="en-GB" dirty="0" err="1"/>
-              <a:t>Nutriscore</a:t>
-            </a:r>
-            <a:r>
-              <a:rPr lang="en-GB" dirty="0"/>
-              <a:t>/Grade</a:t>
-            </a:r>
-          </a:p>
-          <a:p>
-            <a:r>
-              <a:rPr lang="en-GB" dirty="0"/>
-              <a:t>Adding the products category to the nutrients in the model improves the performance of the model</a:t>
-            </a:r>
-          </a:p>
-          <a:p>
-            <a:r>
-              <a:rPr lang="en-GB" dirty="0"/>
-              <a:t>The coefficient of determination increases from 0.80 to 0.93</a:t>
-            </a:r>
-          </a:p>
-          <a:p>
-            <a:r>
-              <a:rPr lang="en-GB" dirty="0"/>
-              <a:t>Investigation of different regressions possible: Ridge, Lasso…in order to estimate the impact</a:t>
-            </a:r>
-          </a:p>
-          <a:p>
-            <a:r>
-              <a:rPr lang="en-GB" dirty="0"/>
-              <a:t>Work would still need to be done on identifying labels from different countries (serving size in the US v 100g in Europe…) </a:t>
-            </a:r>
-          </a:p>
-          <a:p>
-            <a:r>
-              <a:rPr lang="en-GB" dirty="0"/>
-              <a:t> Might need to work on subcategories like olive oil for instance graded D then C (misclassification of many foods through </a:t>
-            </a:r>
-            <a:r>
-              <a:rPr lang="en-GB" dirty="0" err="1"/>
-              <a:t>Nutriscore</a:t>
-            </a:r>
-            <a:r>
-              <a:rPr lang="en-GB" dirty="0"/>
-              <a:t>)</a:t>
-            </a:r>
-          </a:p>
-          <a:p>
-            <a:pPr marL="0" indent="0">
-              <a:buNone/>
-            </a:pPr>
-            <a:endParaRPr lang="en-GB" dirty="0"/>
-          </a:p>
-        </p:txBody>
-      </p:sp>
-    </p:spTree>
-    <p:extLst>
-      <p:ext uri="{BB962C8B-B14F-4D97-AF65-F5344CB8AC3E}">
-        <p14:creationId xmlns:p14="http://schemas.microsoft.com/office/powerpoint/2010/main" val="1466621788"/>
-      </p:ext>
-    </p:extLst>
-  </p:cSld>
-  <p:clrMapOvr>
-    <a:masterClrMapping/>
-  </p:clrMapOvr>
-</p:sld>
-</file>
-
-<file path=ppt/slides/slide2.xml><?xml version="1.0" encoding="utf-8"?>
-<p:sld xmlns:a="http://schemas.openxmlformats.org/drawingml/2006/main" xmlns:r="http://schemas.openxmlformats.org/officeDocument/2006/relationships" xmlns:p="http://schemas.openxmlformats.org/presentationml/2006/main">
-  <p:cSld>
-    <p:spTree>
-      <p:nvGrpSpPr>
-        <p:cNvPr id="1" name=""/>
-        <p:cNvGrpSpPr/>
-        <p:nvPr/>
-      </p:nvGrpSpPr>
-      <p:grpSpPr>
-        <a:xfrm>
-          <a:off x="0" y="0"/>
-          <a:ext cx="0" cy="0"/>
-          <a:chOff x="0" y="0"/>
-          <a:chExt cx="0" cy="0"/>
-        </a:xfrm>
-      </p:grpSpPr>
-      <p:sp>
-        <p:nvSpPr>
-          <p:cNvPr id="2" name="Title 1"/>
-          <p:cNvSpPr>
-            <a:spLocks noGrp="1"/>
-          </p:cNvSpPr>
-          <p:nvPr>
-            <p:ph type="title"/>
-          </p:nvPr>
-        </p:nvSpPr>
-        <p:spPr>
-          <a:xfrm>
-            <a:off x="677334" y="609600"/>
-            <a:ext cx="8596668" cy="794197"/>
-          </a:xfrm>
-        </p:spPr>
-        <p:txBody>
-          <a:bodyPr/>
-          <a:lstStyle/>
-          <a:p>
-            <a:pPr algn="ctr"/>
-            <a:r>
-              <a:rPr lang="en-GB" b="1" dirty="0" err="1"/>
-              <a:t>NutriSteph</a:t>
-            </a:r>
-            <a:endParaRPr lang="en-GB" b="1" dirty="0"/>
-          </a:p>
-        </p:txBody>
-      </p:sp>
-      <p:sp>
-        <p:nvSpPr>
-          <p:cNvPr id="3" name="Content Placeholder 2"/>
-          <p:cNvSpPr>
-            <a:spLocks noGrp="1"/>
-          </p:cNvSpPr>
-          <p:nvPr>
-            <p:ph idx="1"/>
-          </p:nvPr>
-        </p:nvSpPr>
-        <p:spPr>
-          <a:xfrm>
-            <a:off x="474169" y="1447919"/>
-            <a:ext cx="9803098" cy="540525"/>
-          </a:xfrm>
-        </p:spPr>
-        <p:txBody>
-          <a:bodyPr>
-            <a:normAutofit/>
-          </a:bodyPr>
-          <a:lstStyle/>
-          <a:p>
-            <a:pPr marL="0" indent="0" algn="ctr">
-              <a:buNone/>
-            </a:pPr>
-            <a:r>
-              <a:rPr lang="en-GB" sz="2400" dirty="0"/>
-              <a:t>Application that returns the </a:t>
-            </a:r>
-            <a:r>
-              <a:rPr lang="en-GB" sz="2400" dirty="0" err="1"/>
-              <a:t>Nutriscore</a:t>
-            </a:r>
-            <a:r>
-              <a:rPr lang="en-GB" sz="2400" dirty="0"/>
-              <a:t> &amp; </a:t>
-            </a:r>
-            <a:r>
-              <a:rPr lang="en-GB" sz="2400" dirty="0" err="1"/>
-              <a:t>Nutrigrade</a:t>
-            </a:r>
-            <a:r>
-              <a:rPr lang="en-GB" sz="2400" dirty="0"/>
-              <a:t> of products</a:t>
-            </a:r>
-          </a:p>
-          <a:p>
-            <a:pPr marL="0" indent="0" algn="ctr">
-              <a:buNone/>
-            </a:pPr>
-            <a:endParaRPr lang="en-GB" sz="2400" dirty="0"/>
-          </a:p>
-        </p:txBody>
-      </p:sp>
-      <p:sp>
-        <p:nvSpPr>
-          <p:cNvPr id="4" name="Content Placeholder 2"/>
-          <p:cNvSpPr txBox="1">
-            <a:spLocks/>
-          </p:cNvSpPr>
-          <p:nvPr/>
-        </p:nvSpPr>
-        <p:spPr>
-          <a:xfrm>
-            <a:off x="677334" y="1403797"/>
-            <a:ext cx="8596668" cy="1923478"/>
-          </a:xfrm>
-          <a:prstGeom prst="rect">
-            <a:avLst/>
-          </a:prstGeom>
-        </p:spPr>
-        <p:txBody>
-          <a:bodyPr vert="horz" lIns="91440" tIns="45720" rIns="91440" bIns="45720" rtlCol="0" anchor="t">
-            <a:noAutofit/>
-          </a:bodyPr>
-          <a:lstStyle>
-            <a:lvl1pPr marL="342900" indent="-342900" algn="l" defTabSz="457200" rtl="0" eaLnBrk="1" latinLnBrk="0" hangingPunct="1">
-              <a:spcBef>
-                <a:spcPts val="1000"/>
-              </a:spcBef>
-              <a:spcAft>
-                <a:spcPts val="0"/>
-              </a:spcAft>
-              <a:buClr>
-                <a:schemeClr val="accent1"/>
-              </a:buClr>
-              <a:buSzPct val="80000"/>
-              <a:buFont typeface="Wingdings 3" charset="2"/>
-              <a:buChar char=""/>
-              <a:defRPr sz="1800" kern="1200">
-                <a:solidFill>
-                  <a:schemeClr val="tx1">
-                    <a:lumMod val="75000"/>
-                    <a:lumOff val="25000"/>
-                  </a:schemeClr>
-                </a:solidFill>
-                <a:latin typeface="+mn-lt"/>
-                <a:ea typeface="+mn-ea"/>
-                <a:cs typeface="+mn-cs"/>
-              </a:defRPr>
-            </a:lvl1pPr>
-            <a:lvl2pPr marL="742950" indent="-285750" algn="l" defTabSz="457200" rtl="0" eaLnBrk="1" latinLnBrk="0" hangingPunct="1">
-              <a:spcBef>
-                <a:spcPts val="1000"/>
-              </a:spcBef>
-              <a:spcAft>
-                <a:spcPts val="0"/>
-              </a:spcAft>
-              <a:buClr>
-                <a:schemeClr val="accent1"/>
-              </a:buClr>
-              <a:buSzPct val="80000"/>
-              <a:buFont typeface="Wingdings 3" charset="2"/>
-              <a:buChar char=""/>
-              <a:defRPr sz="1600" kern="1200">
-                <a:solidFill>
-                  <a:schemeClr val="tx1">
-                    <a:lumMod val="75000"/>
-                    <a:lumOff val="25000"/>
-                  </a:schemeClr>
-                </a:solidFill>
-                <a:latin typeface="+mn-lt"/>
-                <a:ea typeface="+mn-ea"/>
-                <a:cs typeface="+mn-cs"/>
-              </a:defRPr>
-            </a:lvl2pPr>
-            <a:lvl3pPr marL="1143000" indent="-228600" algn="l" defTabSz="457200" rtl="0" eaLnBrk="1" latinLnBrk="0" hangingPunct="1">
-              <a:spcBef>
-                <a:spcPts val="1000"/>
-              </a:spcBef>
-              <a:spcAft>
-                <a:spcPts val="0"/>
-              </a:spcAft>
-              <a:buClr>
-                <a:schemeClr val="accent1"/>
-              </a:buClr>
-              <a:buSzPct val="80000"/>
-              <a:buFont typeface="Wingdings 3" charset="2"/>
-              <a:buChar char=""/>
-              <a:defRPr sz="1400" kern="1200">
-                <a:solidFill>
-                  <a:schemeClr val="tx1">
-                    <a:lumMod val="75000"/>
-                    <a:lumOff val="25000"/>
-                  </a:schemeClr>
-                </a:solidFill>
-                <a:latin typeface="+mn-lt"/>
-                <a:ea typeface="+mn-ea"/>
-                <a:cs typeface="+mn-cs"/>
-              </a:defRPr>
-            </a:lvl3pPr>
-            <a:lvl4pPr marL="1600200" indent="-228600" algn="l" defTabSz="457200" rtl="0" eaLnBrk="1" latinLnBrk="0" hangingPunct="1">
-              <a:spcBef>
-                <a:spcPts val="1000"/>
-              </a:spcBef>
-              <a:spcAft>
-                <a:spcPts val="0"/>
-              </a:spcAft>
-              <a:buClr>
-                <a:schemeClr val="accent1"/>
-              </a:buClr>
-              <a:buSzPct val="80000"/>
-              <a:buFont typeface="Wingdings 3" charset="2"/>
-              <a:buChar char=""/>
-              <a:defRPr sz="1200" kern="1200">
-                <a:solidFill>
-                  <a:schemeClr val="tx1">
-                    <a:lumMod val="75000"/>
-                    <a:lumOff val="25000"/>
-                  </a:schemeClr>
-                </a:solidFill>
-                <a:latin typeface="+mn-lt"/>
-                <a:ea typeface="+mn-ea"/>
-                <a:cs typeface="+mn-cs"/>
-              </a:defRPr>
-            </a:lvl4pPr>
-            <a:lvl5pPr marL="2057400" indent="-228600" algn="l" defTabSz="457200" rtl="0" eaLnBrk="1" latinLnBrk="0" hangingPunct="1">
-              <a:spcBef>
-                <a:spcPts val="1000"/>
-              </a:spcBef>
-              <a:spcAft>
-                <a:spcPts val="0"/>
-              </a:spcAft>
-              <a:buClr>
-                <a:schemeClr val="accent1"/>
-              </a:buClr>
-              <a:buSzPct val="80000"/>
-              <a:buFont typeface="Wingdings 3" charset="2"/>
-              <a:buChar char=""/>
-              <a:defRPr sz="1200" kern="1200">
-                <a:solidFill>
-                  <a:schemeClr val="tx1">
-                    <a:lumMod val="75000"/>
-                    <a:lumOff val="25000"/>
-                  </a:schemeClr>
-                </a:solidFill>
-                <a:latin typeface="+mn-lt"/>
-                <a:ea typeface="+mn-ea"/>
-                <a:cs typeface="+mn-cs"/>
-              </a:defRPr>
-            </a:lvl5pPr>
-            <a:lvl6pPr marL="2514600" indent="-228600" algn="l" defTabSz="457200" rtl="0" eaLnBrk="1" latinLnBrk="0" hangingPunct="1">
-              <a:spcBef>
-                <a:spcPts val="1000"/>
-              </a:spcBef>
-              <a:spcAft>
-                <a:spcPts val="0"/>
-              </a:spcAft>
-              <a:buClr>
-                <a:schemeClr val="accent1"/>
-              </a:buClr>
-              <a:buSzPct val="80000"/>
-              <a:buFont typeface="Wingdings 3" charset="2"/>
-              <a:buChar char=""/>
-              <a:defRPr sz="1200" kern="1200">
-                <a:solidFill>
-                  <a:schemeClr val="tx1">
-                    <a:lumMod val="75000"/>
-                    <a:lumOff val="25000"/>
-                  </a:schemeClr>
-                </a:solidFill>
-                <a:latin typeface="+mn-lt"/>
-                <a:ea typeface="+mn-ea"/>
-                <a:cs typeface="+mn-cs"/>
-              </a:defRPr>
-            </a:lvl6pPr>
-            <a:lvl7pPr marL="2971800" indent="-228600" algn="l" defTabSz="457200" rtl="0" eaLnBrk="1" latinLnBrk="0" hangingPunct="1">
-              <a:spcBef>
-                <a:spcPts val="1000"/>
-              </a:spcBef>
-              <a:spcAft>
-                <a:spcPts val="0"/>
-              </a:spcAft>
-              <a:buClr>
-                <a:schemeClr val="accent1"/>
-              </a:buClr>
-              <a:buSzPct val="80000"/>
-              <a:buFont typeface="Wingdings 3" charset="2"/>
-              <a:buChar char=""/>
-              <a:defRPr sz="1200" kern="1200">
-                <a:solidFill>
-                  <a:schemeClr val="tx1">
-                    <a:lumMod val="75000"/>
-                    <a:lumOff val="25000"/>
-                  </a:schemeClr>
-                </a:solidFill>
-                <a:latin typeface="+mn-lt"/>
-                <a:ea typeface="+mn-ea"/>
-                <a:cs typeface="+mn-cs"/>
-              </a:defRPr>
-            </a:lvl7pPr>
-            <a:lvl8pPr marL="3429000" indent="-228600" algn="l" defTabSz="457200" rtl="0" eaLnBrk="1" latinLnBrk="0" hangingPunct="1">
-              <a:spcBef>
-                <a:spcPts val="1000"/>
-              </a:spcBef>
-              <a:spcAft>
-                <a:spcPts val="0"/>
-              </a:spcAft>
-              <a:buClr>
-                <a:schemeClr val="accent1"/>
-              </a:buClr>
-              <a:buSzPct val="80000"/>
-              <a:buFont typeface="Wingdings 3" charset="2"/>
-              <a:buChar char=""/>
-              <a:defRPr sz="1200" kern="1200">
-                <a:solidFill>
-                  <a:schemeClr val="tx1">
-                    <a:lumMod val="75000"/>
-                    <a:lumOff val="25000"/>
-                  </a:schemeClr>
-                </a:solidFill>
-                <a:latin typeface="+mn-lt"/>
-                <a:ea typeface="+mn-ea"/>
-                <a:cs typeface="+mn-cs"/>
-              </a:defRPr>
-            </a:lvl8pPr>
-            <a:lvl9pPr marL="3886200" indent="-228600" algn="l" defTabSz="457200" rtl="0" eaLnBrk="1" latinLnBrk="0" hangingPunct="1">
-              <a:spcBef>
-                <a:spcPts val="1000"/>
-              </a:spcBef>
-              <a:spcAft>
-                <a:spcPts val="0"/>
-              </a:spcAft>
-              <a:buClr>
-                <a:schemeClr val="accent1"/>
-              </a:buClr>
-              <a:buSzPct val="80000"/>
-              <a:buFont typeface="Wingdings 3" charset="2"/>
-              <a:buChar char=""/>
-              <a:defRPr sz="1200" kern="1200">
-                <a:solidFill>
-                  <a:schemeClr val="tx1">
-                    <a:lumMod val="75000"/>
-                    <a:lumOff val="25000"/>
-                  </a:schemeClr>
-                </a:solidFill>
-                <a:latin typeface="+mn-lt"/>
-                <a:ea typeface="+mn-ea"/>
-                <a:cs typeface="+mn-cs"/>
-              </a:defRPr>
-            </a:lvl9pPr>
-          </a:lstStyle>
-          <a:p>
-            <a:pPr marL="0" indent="0">
-              <a:buNone/>
-            </a:pPr>
-            <a:endParaRPr lang="en-GB" sz="2400" b="1" dirty="0"/>
-          </a:p>
-        </p:txBody>
-      </p:sp>
-      <p:sp>
-        <p:nvSpPr>
-          <p:cNvPr id="7" name="Title 1">
-            <a:extLst>
-              <a:ext uri="{FF2B5EF4-FFF2-40B4-BE49-F238E27FC236}">
-                <a16:creationId xmlns:a16="http://schemas.microsoft.com/office/drawing/2014/main" id="{829DF2F8-731B-49E5-AEB1-1DE5C6BF9310}"/>
-              </a:ext>
-            </a:extLst>
-          </p:cNvPr>
-          <p:cNvSpPr txBox="1">
-            <a:spLocks/>
-          </p:cNvSpPr>
-          <p:nvPr/>
-        </p:nvSpPr>
-        <p:spPr>
-          <a:xfrm>
-            <a:off x="820209" y="2156391"/>
-            <a:ext cx="8596668" cy="794197"/>
-          </a:xfrm>
-          <a:prstGeom prst="rect">
-            <a:avLst/>
-          </a:prstGeom>
-        </p:spPr>
-        <p:txBody>
-          <a:bodyPr vert="horz" lIns="91440" tIns="45720" rIns="91440" bIns="45720" rtlCol="0" anchor="t">
-            <a:normAutofit/>
-          </a:bodyPr>
-          <a:lstStyle>
-            <a:lvl1pPr algn="l" defTabSz="457200" rtl="0" eaLnBrk="1" latinLnBrk="0" hangingPunct="1">
-              <a:spcBef>
-                <a:spcPct val="0"/>
-              </a:spcBef>
-              <a:buNone/>
-              <a:defRPr sz="3600" kern="1200">
-                <a:solidFill>
-                  <a:schemeClr val="accent1"/>
-                </a:solidFill>
-                <a:latin typeface="+mj-lt"/>
-                <a:ea typeface="+mj-ea"/>
-                <a:cs typeface="+mj-cs"/>
-              </a:defRPr>
-            </a:lvl1pPr>
-            <a:lvl2pPr eaLnBrk="1" hangingPunct="1">
-              <a:defRPr>
-                <a:solidFill>
-                  <a:schemeClr val="tx2"/>
-                </a:solidFill>
-              </a:defRPr>
-            </a:lvl2pPr>
-            <a:lvl3pPr eaLnBrk="1" hangingPunct="1">
-              <a:defRPr>
-                <a:solidFill>
-                  <a:schemeClr val="tx2"/>
-                </a:solidFill>
-              </a:defRPr>
-            </a:lvl3pPr>
-            <a:lvl4pPr eaLnBrk="1" hangingPunct="1">
-              <a:defRPr>
-                <a:solidFill>
-                  <a:schemeClr val="tx2"/>
-                </a:solidFill>
-              </a:defRPr>
-            </a:lvl4pPr>
-            <a:lvl5pPr eaLnBrk="1" hangingPunct="1">
-              <a:defRPr>
-                <a:solidFill>
-                  <a:schemeClr val="tx2"/>
-                </a:solidFill>
-              </a:defRPr>
-            </a:lvl5pPr>
-            <a:lvl6pPr eaLnBrk="1" hangingPunct="1">
-              <a:defRPr>
-                <a:solidFill>
-                  <a:schemeClr val="tx2"/>
-                </a:solidFill>
-              </a:defRPr>
-            </a:lvl6pPr>
-            <a:lvl7pPr eaLnBrk="1" hangingPunct="1">
-              <a:defRPr>
-                <a:solidFill>
-                  <a:schemeClr val="tx2"/>
-                </a:solidFill>
-              </a:defRPr>
-            </a:lvl7pPr>
-            <a:lvl8pPr eaLnBrk="1" hangingPunct="1">
-              <a:defRPr>
-                <a:solidFill>
-                  <a:schemeClr val="tx2"/>
-                </a:solidFill>
-              </a:defRPr>
-            </a:lvl8pPr>
-            <a:lvl9pPr eaLnBrk="1" hangingPunct="1">
-              <a:defRPr>
-                <a:solidFill>
-                  <a:schemeClr val="tx2"/>
-                </a:solidFill>
-              </a:defRPr>
-            </a:lvl9pPr>
-          </a:lstStyle>
-          <a:p>
-            <a:r>
-              <a:rPr lang="en-GB" sz="3200" b="1" dirty="0"/>
-              <a:t>What’s new?</a:t>
-            </a:r>
-          </a:p>
-        </p:txBody>
-      </p:sp>
-      <p:sp>
-        <p:nvSpPr>
-          <p:cNvPr id="8" name="Content Placeholder 2">
-            <a:extLst>
-              <a:ext uri="{FF2B5EF4-FFF2-40B4-BE49-F238E27FC236}">
-                <a16:creationId xmlns:a16="http://schemas.microsoft.com/office/drawing/2014/main" id="{A1D50681-5AA0-459A-9014-9C43350FD10F}"/>
-              </a:ext>
-            </a:extLst>
-          </p:cNvPr>
-          <p:cNvSpPr txBox="1">
-            <a:spLocks/>
-          </p:cNvSpPr>
-          <p:nvPr/>
-        </p:nvSpPr>
-        <p:spPr>
-          <a:xfrm>
-            <a:off x="474169" y="3026868"/>
-            <a:ext cx="10050956" cy="3545382"/>
-          </a:xfrm>
-          <a:prstGeom prst="rect">
-            <a:avLst/>
-          </a:prstGeom>
-        </p:spPr>
-        <p:txBody>
-          <a:bodyPr vert="horz" lIns="91440" tIns="45720" rIns="91440" bIns="45720" rtlCol="0">
-            <a:normAutofit/>
-          </a:bodyPr>
-          <a:lstStyle>
-            <a:lvl1pPr marL="342900" indent="-342900" algn="l" defTabSz="457200" rtl="0" eaLnBrk="1" latinLnBrk="0" hangingPunct="1">
-              <a:spcBef>
-                <a:spcPts val="1000"/>
-              </a:spcBef>
-              <a:spcAft>
-                <a:spcPts val="0"/>
-              </a:spcAft>
-              <a:buClr>
-                <a:schemeClr val="accent1"/>
-              </a:buClr>
-              <a:buSzPct val="80000"/>
-              <a:buFont typeface="Wingdings 3" charset="2"/>
-              <a:buChar char=""/>
-              <a:defRPr sz="1800" kern="1200">
-                <a:solidFill>
-                  <a:schemeClr val="tx1">
-                    <a:lumMod val="75000"/>
-                    <a:lumOff val="25000"/>
-                  </a:schemeClr>
-                </a:solidFill>
-                <a:latin typeface="+mn-lt"/>
-                <a:ea typeface="+mn-ea"/>
-                <a:cs typeface="+mn-cs"/>
-              </a:defRPr>
-            </a:lvl1pPr>
-            <a:lvl2pPr marL="742950" indent="-285750" algn="l" defTabSz="457200" rtl="0" eaLnBrk="1" latinLnBrk="0" hangingPunct="1">
-              <a:spcBef>
-                <a:spcPts val="1000"/>
-              </a:spcBef>
-              <a:spcAft>
-                <a:spcPts val="0"/>
-              </a:spcAft>
-              <a:buClr>
-                <a:schemeClr val="accent1"/>
-              </a:buClr>
-              <a:buSzPct val="80000"/>
-              <a:buFont typeface="Wingdings 3" charset="2"/>
-              <a:buChar char=""/>
-              <a:defRPr sz="1600" kern="1200">
-                <a:solidFill>
-                  <a:schemeClr val="tx1">
-                    <a:lumMod val="75000"/>
-                    <a:lumOff val="25000"/>
-                  </a:schemeClr>
-                </a:solidFill>
-                <a:latin typeface="+mn-lt"/>
-                <a:ea typeface="+mn-ea"/>
-                <a:cs typeface="+mn-cs"/>
-              </a:defRPr>
-            </a:lvl2pPr>
-            <a:lvl3pPr marL="1143000" indent="-228600" algn="l" defTabSz="457200" rtl="0" eaLnBrk="1" latinLnBrk="0" hangingPunct="1">
-              <a:spcBef>
-                <a:spcPts val="1000"/>
-              </a:spcBef>
-              <a:spcAft>
-                <a:spcPts val="0"/>
-              </a:spcAft>
-              <a:buClr>
-                <a:schemeClr val="accent1"/>
-              </a:buClr>
-              <a:buSzPct val="80000"/>
-              <a:buFont typeface="Wingdings 3" charset="2"/>
-              <a:buChar char=""/>
-              <a:defRPr sz="1400" kern="1200">
-                <a:solidFill>
-                  <a:schemeClr val="tx1">
-                    <a:lumMod val="75000"/>
-                    <a:lumOff val="25000"/>
-                  </a:schemeClr>
-                </a:solidFill>
-                <a:latin typeface="+mn-lt"/>
-                <a:ea typeface="+mn-ea"/>
-                <a:cs typeface="+mn-cs"/>
-              </a:defRPr>
-            </a:lvl3pPr>
-            <a:lvl4pPr marL="1600200" indent="-228600" algn="l" defTabSz="457200" rtl="0" eaLnBrk="1" latinLnBrk="0" hangingPunct="1">
-              <a:spcBef>
-                <a:spcPts val="1000"/>
-              </a:spcBef>
-              <a:spcAft>
-                <a:spcPts val="0"/>
-              </a:spcAft>
-              <a:buClr>
-                <a:schemeClr val="accent1"/>
-              </a:buClr>
-              <a:buSzPct val="80000"/>
-              <a:buFont typeface="Wingdings 3" charset="2"/>
-              <a:buChar char=""/>
-              <a:defRPr sz="1200" kern="1200">
-                <a:solidFill>
-                  <a:schemeClr val="tx1">
-                    <a:lumMod val="75000"/>
-                    <a:lumOff val="25000"/>
-                  </a:schemeClr>
-                </a:solidFill>
-                <a:latin typeface="+mn-lt"/>
-                <a:ea typeface="+mn-ea"/>
-                <a:cs typeface="+mn-cs"/>
-              </a:defRPr>
-            </a:lvl4pPr>
-            <a:lvl5pPr marL="2057400" indent="-228600" algn="l" defTabSz="457200" rtl="0" eaLnBrk="1" latinLnBrk="0" hangingPunct="1">
-              <a:spcBef>
-                <a:spcPts val="1000"/>
-              </a:spcBef>
-              <a:spcAft>
-                <a:spcPts val="0"/>
-              </a:spcAft>
-              <a:buClr>
-                <a:schemeClr val="accent1"/>
-              </a:buClr>
-              <a:buSzPct val="80000"/>
-              <a:buFont typeface="Wingdings 3" charset="2"/>
-              <a:buChar char=""/>
-              <a:defRPr sz="1200" kern="1200">
-                <a:solidFill>
-                  <a:schemeClr val="tx1">
-                    <a:lumMod val="75000"/>
-                    <a:lumOff val="25000"/>
-                  </a:schemeClr>
-                </a:solidFill>
-                <a:latin typeface="+mn-lt"/>
-                <a:ea typeface="+mn-ea"/>
-                <a:cs typeface="+mn-cs"/>
-              </a:defRPr>
-            </a:lvl5pPr>
-            <a:lvl6pPr marL="2514600" indent="-228600" algn="l" defTabSz="457200" rtl="0" eaLnBrk="1" latinLnBrk="0" hangingPunct="1">
-              <a:spcBef>
-                <a:spcPts val="1000"/>
-              </a:spcBef>
-              <a:spcAft>
-                <a:spcPts val="0"/>
-              </a:spcAft>
-              <a:buClr>
-                <a:schemeClr val="accent1"/>
-              </a:buClr>
-              <a:buSzPct val="80000"/>
-              <a:buFont typeface="Wingdings 3" charset="2"/>
-              <a:buChar char=""/>
-              <a:defRPr sz="1200" kern="1200">
-                <a:solidFill>
-                  <a:schemeClr val="tx1">
-                    <a:lumMod val="75000"/>
-                    <a:lumOff val="25000"/>
-                  </a:schemeClr>
-                </a:solidFill>
-                <a:latin typeface="+mn-lt"/>
-                <a:ea typeface="+mn-ea"/>
-                <a:cs typeface="+mn-cs"/>
-              </a:defRPr>
-            </a:lvl6pPr>
-            <a:lvl7pPr marL="2971800" indent="-228600" algn="l" defTabSz="457200" rtl="0" eaLnBrk="1" latinLnBrk="0" hangingPunct="1">
-              <a:spcBef>
-                <a:spcPts val="1000"/>
-              </a:spcBef>
-              <a:spcAft>
-                <a:spcPts val="0"/>
-              </a:spcAft>
-              <a:buClr>
-                <a:schemeClr val="accent1"/>
-              </a:buClr>
-              <a:buSzPct val="80000"/>
-              <a:buFont typeface="Wingdings 3" charset="2"/>
-              <a:buChar char=""/>
-              <a:defRPr sz="1200" kern="1200">
-                <a:solidFill>
-                  <a:schemeClr val="tx1">
-                    <a:lumMod val="75000"/>
-                    <a:lumOff val="25000"/>
-                  </a:schemeClr>
-                </a:solidFill>
-                <a:latin typeface="+mn-lt"/>
-                <a:ea typeface="+mn-ea"/>
-                <a:cs typeface="+mn-cs"/>
-              </a:defRPr>
-            </a:lvl7pPr>
-            <a:lvl8pPr marL="3429000" indent="-228600" algn="l" defTabSz="457200" rtl="0" eaLnBrk="1" latinLnBrk="0" hangingPunct="1">
-              <a:spcBef>
-                <a:spcPts val="1000"/>
-              </a:spcBef>
-              <a:spcAft>
-                <a:spcPts val="0"/>
-              </a:spcAft>
-              <a:buClr>
-                <a:schemeClr val="accent1"/>
-              </a:buClr>
-              <a:buSzPct val="80000"/>
-              <a:buFont typeface="Wingdings 3" charset="2"/>
-              <a:buChar char=""/>
-              <a:defRPr sz="1200" kern="1200">
-                <a:solidFill>
-                  <a:schemeClr val="tx1">
-                    <a:lumMod val="75000"/>
-                    <a:lumOff val="25000"/>
-                  </a:schemeClr>
-                </a:solidFill>
-                <a:latin typeface="+mn-lt"/>
-                <a:ea typeface="+mn-ea"/>
-                <a:cs typeface="+mn-cs"/>
-              </a:defRPr>
-            </a:lvl8pPr>
-            <a:lvl9pPr marL="3886200" indent="-228600" algn="l" defTabSz="457200" rtl="0" eaLnBrk="1" latinLnBrk="0" hangingPunct="1">
-              <a:spcBef>
-                <a:spcPts val="1000"/>
-              </a:spcBef>
-              <a:spcAft>
-                <a:spcPts val="0"/>
-              </a:spcAft>
-              <a:buClr>
-                <a:schemeClr val="accent1"/>
-              </a:buClr>
-              <a:buSzPct val="80000"/>
-              <a:buFont typeface="Wingdings 3" charset="2"/>
-              <a:buChar char=""/>
-              <a:defRPr sz="1200" kern="1200">
-                <a:solidFill>
-                  <a:schemeClr val="tx1">
-                    <a:lumMod val="75000"/>
-                    <a:lumOff val="25000"/>
-                  </a:schemeClr>
-                </a:solidFill>
-                <a:latin typeface="+mn-lt"/>
-                <a:ea typeface="+mn-ea"/>
-                <a:cs typeface="+mn-cs"/>
-              </a:defRPr>
-            </a:lvl9pPr>
-          </a:lstStyle>
-          <a:p>
-            <a:pPr>
-              <a:buFont typeface="Wingdings" panose="05000000000000000000" pitchFamily="2" charset="2"/>
-              <a:buChar char="Ø"/>
-            </a:pPr>
-            <a:r>
-              <a:rPr lang="en-GB" sz="2400" dirty="0"/>
-              <a:t>No need for a food database</a:t>
-            </a:r>
-          </a:p>
-          <a:p>
-            <a:pPr lvl="1">
-              <a:buFont typeface="Wingdings" panose="05000000000000000000" pitchFamily="2" charset="2"/>
-              <a:buChar char="Ø"/>
-            </a:pPr>
-            <a:r>
-              <a:rPr lang="en-GB" sz="2200" dirty="0"/>
-              <a:t>Works for non-referenced products</a:t>
-            </a:r>
-          </a:p>
-          <a:p>
-            <a:pPr lvl="1">
-              <a:buFont typeface="Wingdings" panose="05000000000000000000" pitchFamily="2" charset="2"/>
-              <a:buChar char="Ø"/>
-            </a:pPr>
-            <a:r>
-              <a:rPr lang="en-GB" sz="2200" dirty="0"/>
-              <a:t>Works for any product across the globe</a:t>
-            </a:r>
-          </a:p>
-          <a:p>
-            <a:pPr>
-              <a:buFont typeface="Wingdings" panose="05000000000000000000" pitchFamily="2" charset="2"/>
-              <a:buChar char="Ø"/>
-            </a:pPr>
-            <a:r>
-              <a:rPr lang="en-GB" sz="2400" dirty="0"/>
-              <a:t>Just take a picture of the list of ingredients on the product</a:t>
-            </a:r>
-          </a:p>
-          <a:p>
-            <a:pPr>
-              <a:buFont typeface="Wingdings" panose="05000000000000000000" pitchFamily="2" charset="2"/>
-              <a:buChar char="Ø"/>
-            </a:pPr>
-            <a:r>
-              <a:rPr lang="en-GB" sz="2400" dirty="0"/>
-              <a:t>Integrated algorithm: Nutrients					</a:t>
-            </a:r>
-            <a:r>
-              <a:rPr lang="en-GB" sz="2400" dirty="0" err="1"/>
-              <a:t>Nutriscore</a:t>
-            </a:r>
-            <a:r>
-              <a:rPr lang="en-GB" sz="2400" dirty="0"/>
-              <a:t>/grade</a:t>
-            </a:r>
-          </a:p>
-          <a:p>
-            <a:pPr>
-              <a:buFont typeface="Wingdings" panose="05000000000000000000" pitchFamily="2" charset="2"/>
-              <a:buChar char="Ø"/>
-            </a:pPr>
-            <a:r>
-              <a:rPr lang="en-GB" sz="2400" dirty="0"/>
-              <a:t>Integrated dictionary/translator to grade any product in the world</a:t>
-            </a:r>
-          </a:p>
-          <a:p>
-            <a:pPr>
-              <a:buFont typeface="Wingdings" panose="05000000000000000000" pitchFamily="2" charset="2"/>
-              <a:buChar char="Ø"/>
-            </a:pPr>
-            <a:r>
-              <a:rPr lang="en-GB" sz="2400" dirty="0"/>
-              <a:t>Users language choice</a:t>
-            </a:r>
-          </a:p>
-          <a:p>
-            <a:pPr>
-              <a:buFont typeface="Wingdings" panose="05000000000000000000" pitchFamily="2" charset="2"/>
-              <a:buChar char="Ø"/>
-            </a:pPr>
-            <a:endParaRPr lang="en-GB" sz="2400" dirty="0"/>
-          </a:p>
-          <a:p>
-            <a:pPr>
-              <a:buFont typeface="Wingdings" panose="05000000000000000000" pitchFamily="2" charset="2"/>
-              <a:buChar char="Ø"/>
-            </a:pPr>
-            <a:endParaRPr lang="en-GB" sz="2400" dirty="0"/>
-          </a:p>
-          <a:p>
-            <a:pPr algn="ctr">
-              <a:buFont typeface="Wingdings" panose="05000000000000000000" pitchFamily="2" charset="2"/>
-              <a:buChar char="Ø"/>
-            </a:pPr>
-            <a:endParaRPr lang="en-GB" sz="2400" dirty="0"/>
-          </a:p>
-        </p:txBody>
-      </p:sp>
-      <p:sp>
-        <p:nvSpPr>
-          <p:cNvPr id="9" name="Flèche : droite rayée 8">
-            <a:extLst>
-              <a:ext uri="{FF2B5EF4-FFF2-40B4-BE49-F238E27FC236}">
-                <a16:creationId xmlns:a16="http://schemas.microsoft.com/office/drawing/2014/main" id="{632C6685-861F-4CF6-88D5-402532B2E386}"/>
-              </a:ext>
-            </a:extLst>
-          </p:cNvPr>
-          <p:cNvSpPr/>
-          <p:nvPr/>
-        </p:nvSpPr>
-        <p:spPr>
-          <a:xfrm>
-            <a:off x="5695950" y="5086350"/>
-            <a:ext cx="1352549" cy="209550"/>
-          </a:xfrm>
-          <a:prstGeom prst="stripedRightArrow">
-            <a:avLst/>
-          </a:prstGeom>
-        </p:spPr>
-        <p:style>
-          <a:lnRef idx="0">
-            <a:schemeClr val="accent1"/>
-          </a:lnRef>
-          <a:fillRef idx="3">
-            <a:schemeClr val="accent1"/>
-          </a:fillRef>
-          <a:effectRef idx="3">
-            <a:schemeClr val="accent1"/>
-          </a:effectRef>
-          <a:fontRef idx="minor">
-            <a:schemeClr val="lt1"/>
-          </a:fontRef>
-        </p:style>
-        <p:txBody>
-          <a:bodyPr rtlCol="0" anchor="ctr"/>
-          <a:lstStyle/>
-          <a:p>
-            <a:pPr algn="ctr"/>
-            <a:endParaRPr lang="fr-FR"/>
-          </a:p>
-        </p:txBody>
-      </p:sp>
-    </p:spTree>
-    <p:extLst>
-      <p:ext uri="{BB962C8B-B14F-4D97-AF65-F5344CB8AC3E}">
-        <p14:creationId xmlns:p14="http://schemas.microsoft.com/office/powerpoint/2010/main" val="2622927215"/>
-      </p:ext>
-    </p:extLst>
-  </p:cSld>
-  <p:clrMapOvr>
-    <a:masterClrMapping/>
-  </p:clrMapOvr>
-</p:sld>
-</file>
-
-<file path=ppt/slides/slide20.xml><?xml version="1.0" encoding="utf-8"?>
-<p:sld xmlns:a="http://schemas.openxmlformats.org/drawingml/2006/main" xmlns:r="http://schemas.openxmlformats.org/officeDocument/2006/relationships" xmlns:p="http://schemas.openxmlformats.org/presentationml/2006/main">
-  <p:cSld>
-    <p:spTree>
-      <p:nvGrpSpPr>
-        <p:cNvPr id="1" name=""/>
-        <p:cNvGrpSpPr/>
-        <p:nvPr/>
-      </p:nvGrpSpPr>
-      <p:grpSpPr>
-        <a:xfrm>
-          <a:off x="0" y="0"/>
-          <a:ext cx="0" cy="0"/>
-          <a:chOff x="0" y="0"/>
-          <a:chExt cx="0" cy="0"/>
-        </a:xfrm>
-      </p:grpSpPr>
-      <p:sp>
-        <p:nvSpPr>
-          <p:cNvPr id="2" name="Titre 1">
-            <a:extLst>
-              <a:ext uri="{FF2B5EF4-FFF2-40B4-BE49-F238E27FC236}">
-                <a16:creationId xmlns:a16="http://schemas.microsoft.com/office/drawing/2014/main" id="{661EB7A4-52F5-4021-94F4-087BE8505D04}"/>
-              </a:ext>
-            </a:extLst>
-          </p:cNvPr>
-          <p:cNvSpPr>
-            <a:spLocks noGrp="1"/>
-          </p:cNvSpPr>
-          <p:nvPr>
-            <p:ph type="title"/>
-          </p:nvPr>
-        </p:nvSpPr>
-        <p:spPr>
-          <a:xfrm>
-            <a:off x="441127" y="569963"/>
-            <a:ext cx="8596668" cy="1320800"/>
-          </a:xfrm>
-        </p:spPr>
-        <p:txBody>
-          <a:bodyPr/>
-          <a:lstStyle/>
-          <a:p>
-            <a:r>
-              <a:rPr lang="fr-FR" b="1" dirty="0"/>
-              <a:t>Conclusions</a:t>
-            </a:r>
-          </a:p>
-        </p:txBody>
-      </p:sp>
-    </p:spTree>
-    <p:extLst>
-      <p:ext uri="{BB962C8B-B14F-4D97-AF65-F5344CB8AC3E}">
-        <p14:creationId xmlns:p14="http://schemas.microsoft.com/office/powerpoint/2010/main" val="3346452971"/>
-      </p:ext>
-    </p:extLst>
-  </p:cSld>
-  <p:clrMapOvr>
-    <a:masterClrMapping/>
-  </p:clrMapOvr>
-</p:sld>
-</file>
-
 <file path=ppt/slides/slide21.xml><?xml version="1.0" encoding="utf-8"?>
 <p:sld xmlns:a="http://schemas.openxmlformats.org/drawingml/2006/main" xmlns:r="http://schemas.openxmlformats.org/officeDocument/2006/relationships" xmlns:p="http://schemas.openxmlformats.org/presentationml/2006/main">
   <p:cSld>
@@ -9675,6 +10991,472 @@
           <p:cNvPr id="2" name="Titre 1">
             <a:extLst>
               <a:ext uri="{FF2B5EF4-FFF2-40B4-BE49-F238E27FC236}">
+                <a16:creationId xmlns:a16="http://schemas.microsoft.com/office/drawing/2014/main" id="{4F0C7A75-FCA9-42BD-9D1D-2690D121A502}"/>
+              </a:ext>
+            </a:extLst>
+          </p:cNvPr>
+          <p:cNvSpPr>
+            <a:spLocks noGrp="1"/>
+          </p:cNvSpPr>
+          <p:nvPr>
+            <p:ph type="title"/>
+          </p:nvPr>
+        </p:nvSpPr>
+        <p:spPr>
+          <a:xfrm>
+            <a:off x="677334" y="609600"/>
+            <a:ext cx="8596668" cy="704850"/>
+          </a:xfrm>
+        </p:spPr>
+        <p:txBody>
+          <a:bodyPr/>
+          <a:lstStyle/>
+          <a:p>
+            <a:r>
+              <a:rPr lang="en-US" b="1" dirty="0"/>
+              <a:t>Results for </a:t>
+            </a:r>
+            <a:r>
+              <a:rPr lang="en-US" b="1" dirty="0" smtClean="0"/>
+              <a:t>GHG Emissions</a:t>
+            </a:r>
+            <a:endParaRPr lang="fr-FR" b="1" dirty="0"/>
+          </a:p>
+        </p:txBody>
+      </p:sp>
+    </p:spTree>
+    <p:extLst>
+      <p:ext uri="{BB962C8B-B14F-4D97-AF65-F5344CB8AC3E}">
+        <p14:creationId xmlns:p14="http://schemas.microsoft.com/office/powerpoint/2010/main" val="336732233"/>
+      </p:ext>
+    </p:extLst>
+  </p:cSld>
+  <p:clrMapOvr>
+    <a:masterClrMapping/>
+  </p:clrMapOvr>
+</p:sld>
+</file>
+
+<file path=ppt/slides/slide22.xml><?xml version="1.0" encoding="utf-8"?>
+<p:sld xmlns:a="http://schemas.openxmlformats.org/drawingml/2006/main" xmlns:r="http://schemas.openxmlformats.org/officeDocument/2006/relationships" xmlns:p="http://schemas.openxmlformats.org/presentationml/2006/main">
+  <p:cSld>
+    <p:spTree>
+      <p:nvGrpSpPr>
+        <p:cNvPr id="1" name=""/>
+        <p:cNvGrpSpPr/>
+        <p:nvPr/>
+      </p:nvGrpSpPr>
+      <p:grpSpPr>
+        <a:xfrm>
+          <a:off x="0" y="0"/>
+          <a:ext cx="0" cy="0"/>
+          <a:chOff x="0" y="0"/>
+          <a:chExt cx="0" cy="0"/>
+        </a:xfrm>
+      </p:grpSpPr>
+      <p:sp>
+        <p:nvSpPr>
+          <p:cNvPr id="2" name="Titre 1"/>
+          <p:cNvSpPr>
+            <a:spLocks noGrp="1"/>
+          </p:cNvSpPr>
+          <p:nvPr>
+            <p:ph type="title"/>
+          </p:nvPr>
+        </p:nvSpPr>
+        <p:spPr>
+          <a:xfrm>
+            <a:off x="677334" y="609600"/>
+            <a:ext cx="8596668" cy="800100"/>
+          </a:xfrm>
+        </p:spPr>
+        <p:txBody>
+          <a:bodyPr/>
+          <a:lstStyle/>
+          <a:p>
+            <a:r>
+              <a:rPr lang="fr-FR" b="1" dirty="0" smtClean="0"/>
+              <a:t>Impact of </a:t>
+            </a:r>
+            <a:r>
+              <a:rPr lang="fr-FR" b="1" dirty="0" err="1" smtClean="0"/>
+              <a:t>ENERGYSTARScore</a:t>
+            </a:r>
+            <a:endParaRPr lang="en-US" b="1" dirty="0"/>
+          </a:p>
+        </p:txBody>
+      </p:sp>
+      <p:sp>
+        <p:nvSpPr>
+          <p:cNvPr id="3" name="Espace réservé du contenu 2"/>
+          <p:cNvSpPr>
+            <a:spLocks noGrp="1"/>
+          </p:cNvSpPr>
+          <p:nvPr>
+            <p:ph idx="1"/>
+          </p:nvPr>
+        </p:nvSpPr>
+        <p:spPr/>
+        <p:txBody>
+          <a:bodyPr/>
+          <a:lstStyle/>
+          <a:p>
+            <a:endParaRPr lang="en-US"/>
+          </a:p>
+        </p:txBody>
+      </p:sp>
+      <p:sp>
+        <p:nvSpPr>
+          <p:cNvPr id="4" name="Espace réservé du numéro de diapositive 3"/>
+          <p:cNvSpPr>
+            <a:spLocks noGrp="1"/>
+          </p:cNvSpPr>
+          <p:nvPr>
+            <p:ph type="sldNum" sz="quarter" idx="12"/>
+          </p:nvPr>
+        </p:nvSpPr>
+        <p:spPr/>
+        <p:txBody>
+          <a:bodyPr/>
+          <a:lstStyle/>
+          <a:p>
+            <a:fld id="{519954A3-9DFD-4C44-94BA-B95130A3BA1C}" type="slidenum">
+              <a:rPr lang="en-US" smtClean="0"/>
+              <a:t>22</a:t>
+            </a:fld>
+            <a:endParaRPr lang="en-US"/>
+          </a:p>
+        </p:txBody>
+      </p:sp>
+    </p:spTree>
+    <p:extLst>
+      <p:ext uri="{BB962C8B-B14F-4D97-AF65-F5344CB8AC3E}">
+        <p14:creationId xmlns:p14="http://schemas.microsoft.com/office/powerpoint/2010/main" val="781297890"/>
+      </p:ext>
+    </p:extLst>
+  </p:cSld>
+  <p:clrMapOvr>
+    <a:masterClrMapping/>
+  </p:clrMapOvr>
+</p:sld>
+</file>
+
+<file path=ppt/slides/slide23.xml><?xml version="1.0" encoding="utf-8"?>
+<p:sld xmlns:a="http://schemas.openxmlformats.org/drawingml/2006/main" xmlns:r="http://schemas.openxmlformats.org/officeDocument/2006/relationships" xmlns:p="http://schemas.openxmlformats.org/presentationml/2006/main">
+  <p:cSld>
+    <p:spTree>
+      <p:nvGrpSpPr>
+        <p:cNvPr id="1" name=""/>
+        <p:cNvGrpSpPr/>
+        <p:nvPr/>
+      </p:nvGrpSpPr>
+      <p:grpSpPr>
+        <a:xfrm>
+          <a:off x="0" y="0"/>
+          <a:ext cx="0" cy="0"/>
+          <a:chOff x="0" y="0"/>
+          <a:chExt cx="0" cy="0"/>
+        </a:xfrm>
+      </p:grpSpPr>
+      <p:sp>
+        <p:nvSpPr>
+          <p:cNvPr id="2" name="Titre 1">
+            <a:extLst>
+              <a:ext uri="{FF2B5EF4-FFF2-40B4-BE49-F238E27FC236}">
+                <a16:creationId xmlns:a16="http://schemas.microsoft.com/office/drawing/2014/main" id="{59979304-6745-44DD-BA57-A0F3D500AE62}"/>
+              </a:ext>
+            </a:extLst>
+          </p:cNvPr>
+          <p:cNvSpPr>
+            <a:spLocks noGrp="1"/>
+          </p:cNvSpPr>
+          <p:nvPr>
+            <p:ph type="title"/>
+          </p:nvPr>
+        </p:nvSpPr>
+        <p:spPr>
+          <a:xfrm>
+            <a:off x="677334" y="609600"/>
+            <a:ext cx="8596668" cy="895350"/>
+          </a:xfrm>
+        </p:spPr>
+        <p:txBody>
+          <a:bodyPr/>
+          <a:lstStyle/>
+          <a:p>
+            <a:r>
+              <a:rPr lang="fr-FR" b="1" dirty="0" err="1"/>
+              <a:t>Regression</a:t>
+            </a:r>
+            <a:r>
+              <a:rPr lang="fr-FR" b="1" dirty="0"/>
+              <a:t> </a:t>
+            </a:r>
+            <a:r>
+              <a:rPr lang="fr-FR" b="1" dirty="0" err="1"/>
+              <a:t>improvement</a:t>
+            </a:r>
+            <a:endParaRPr lang="fr-FR" b="1" dirty="0"/>
+          </a:p>
+        </p:txBody>
+      </p:sp>
+    </p:spTree>
+    <p:extLst>
+      <p:ext uri="{BB962C8B-B14F-4D97-AF65-F5344CB8AC3E}">
+        <p14:creationId xmlns:p14="http://schemas.microsoft.com/office/powerpoint/2010/main" val="515256256"/>
+      </p:ext>
+    </p:extLst>
+  </p:cSld>
+  <p:clrMapOvr>
+    <a:masterClrMapping/>
+  </p:clrMapOvr>
+</p:sld>
+</file>
+
+<file path=ppt/slides/slide24.xml><?xml version="1.0" encoding="utf-8"?>
+<p:sld xmlns:a="http://schemas.openxmlformats.org/drawingml/2006/main" xmlns:r="http://schemas.openxmlformats.org/officeDocument/2006/relationships" xmlns:p="http://schemas.openxmlformats.org/presentationml/2006/main">
+  <p:cSld>
+    <p:spTree>
+      <p:nvGrpSpPr>
+        <p:cNvPr id="1" name=""/>
+        <p:cNvGrpSpPr/>
+        <p:nvPr/>
+      </p:nvGrpSpPr>
+      <p:grpSpPr>
+        <a:xfrm>
+          <a:off x="0" y="0"/>
+          <a:ext cx="0" cy="0"/>
+          <a:chOff x="0" y="0"/>
+          <a:chExt cx="0" cy="0"/>
+        </a:xfrm>
+      </p:grpSpPr>
+      <p:sp>
+        <p:nvSpPr>
+          <p:cNvPr id="2" name="Titre 1">
+            <a:extLst>
+              <a:ext uri="{FF2B5EF4-FFF2-40B4-BE49-F238E27FC236}">
+                <a16:creationId xmlns:a16="http://schemas.microsoft.com/office/drawing/2014/main" id="{D24DF6D6-07D4-4B19-A8B1-DC9FB7A53021}"/>
+              </a:ext>
+            </a:extLst>
+          </p:cNvPr>
+          <p:cNvSpPr>
+            <a:spLocks noGrp="1"/>
+          </p:cNvSpPr>
+          <p:nvPr>
+            <p:ph type="title"/>
+          </p:nvPr>
+        </p:nvSpPr>
+        <p:spPr/>
+        <p:txBody>
+          <a:bodyPr/>
+          <a:lstStyle/>
+          <a:p>
+            <a:r>
+              <a:rPr lang="en-US" b="1" dirty="0"/>
+              <a:t>Discussions</a:t>
+            </a:r>
+            <a:endParaRPr lang="fr-FR" b="1" dirty="0"/>
+          </a:p>
+        </p:txBody>
+      </p:sp>
+      <p:sp>
+        <p:nvSpPr>
+          <p:cNvPr id="4" name="Espace réservé du numéro de diapositive 3">
+            <a:extLst>
+              <a:ext uri="{FF2B5EF4-FFF2-40B4-BE49-F238E27FC236}">
+                <a16:creationId xmlns:a16="http://schemas.microsoft.com/office/drawing/2014/main" id="{4F90A76F-FAAE-4EBC-81E9-1551D71E7E6D}"/>
+              </a:ext>
+            </a:extLst>
+          </p:cNvPr>
+          <p:cNvSpPr>
+            <a:spLocks noGrp="1"/>
+          </p:cNvSpPr>
+          <p:nvPr>
+            <p:ph type="sldNum" sz="quarter" idx="12"/>
+          </p:nvPr>
+        </p:nvSpPr>
+        <p:spPr/>
+        <p:txBody>
+          <a:bodyPr/>
+          <a:lstStyle/>
+          <a:p>
+            <a:fld id="{519954A3-9DFD-4C44-94BA-B95130A3BA1C}" type="slidenum">
+              <a:rPr lang="en-US" smtClean="0"/>
+              <a:t>24</a:t>
+            </a:fld>
+            <a:endParaRPr lang="en-US"/>
+          </a:p>
+        </p:txBody>
+      </p:sp>
+      <p:sp>
+        <p:nvSpPr>
+          <p:cNvPr id="7" name="Content Placeholder 2">
+            <a:extLst>
+              <a:ext uri="{FF2B5EF4-FFF2-40B4-BE49-F238E27FC236}">
+                <a16:creationId xmlns:a16="http://schemas.microsoft.com/office/drawing/2014/main" id="{E6AEF724-5808-40C1-BA61-406D27DC3A7D}"/>
+              </a:ext>
+            </a:extLst>
+          </p:cNvPr>
+          <p:cNvSpPr>
+            <a:spLocks noGrp="1"/>
+          </p:cNvSpPr>
+          <p:nvPr>
+            <p:ph idx="1"/>
+          </p:nvPr>
+        </p:nvSpPr>
+        <p:spPr>
+          <a:xfrm>
+            <a:off x="677333" y="1596788"/>
+            <a:ext cx="8862451" cy="4809699"/>
+          </a:xfrm>
+        </p:spPr>
+        <p:txBody>
+          <a:bodyPr/>
+          <a:lstStyle/>
+          <a:p>
+            <a:pPr>
+              <a:buFont typeface="Wingdings" panose="05000000000000000000" pitchFamily="2" charset="2"/>
+              <a:buChar char="Ø"/>
+            </a:pPr>
+            <a:r>
+              <a:rPr lang="en-GB" dirty="0" err="1" smtClean="0"/>
+              <a:t>Jdfjfvdj</a:t>
+            </a:r>
+            <a:endParaRPr lang="en-GB" dirty="0" smtClean="0"/>
+          </a:p>
+          <a:p>
+            <a:pPr>
+              <a:buFont typeface="Wingdings" panose="05000000000000000000" pitchFamily="2" charset="2"/>
+              <a:buChar char="Ø"/>
+            </a:pPr>
+            <a:r>
+              <a:rPr lang="en-GB" dirty="0" err="1" smtClean="0"/>
+              <a:t>Dckcsdfjcdj</a:t>
+            </a:r>
+            <a:endParaRPr lang="en-GB" dirty="0" smtClean="0"/>
+          </a:p>
+          <a:p>
+            <a:pPr>
+              <a:buFont typeface="Wingdings" panose="05000000000000000000" pitchFamily="2" charset="2"/>
+              <a:buChar char="Ø"/>
+            </a:pPr>
+            <a:r>
+              <a:rPr lang="en-GB" dirty="0" err="1" smtClean="0"/>
+              <a:t>Dkvdfjdfvj</a:t>
+            </a:r>
+            <a:endParaRPr lang="en-GB" dirty="0" smtClean="0"/>
+          </a:p>
+          <a:p>
+            <a:pPr>
+              <a:buFont typeface="Wingdings" panose="05000000000000000000" pitchFamily="2" charset="2"/>
+              <a:buChar char="Ø"/>
+            </a:pPr>
+            <a:r>
+              <a:rPr lang="en-GB" dirty="0" err="1" smtClean="0"/>
+              <a:t>vfdkjfdvjfdvj</a:t>
+            </a:r>
+            <a:endParaRPr lang="en-GB" dirty="0"/>
+          </a:p>
+        </p:txBody>
+      </p:sp>
+    </p:spTree>
+    <p:extLst>
+      <p:ext uri="{BB962C8B-B14F-4D97-AF65-F5344CB8AC3E}">
+        <p14:creationId xmlns:p14="http://schemas.microsoft.com/office/powerpoint/2010/main" val="1466621788"/>
+      </p:ext>
+    </p:extLst>
+  </p:cSld>
+  <p:clrMapOvr>
+    <a:masterClrMapping/>
+  </p:clrMapOvr>
+</p:sld>
+</file>
+
+<file path=ppt/slides/slide25.xml><?xml version="1.0" encoding="utf-8"?>
+<p:sld xmlns:a="http://schemas.openxmlformats.org/drawingml/2006/main" xmlns:r="http://schemas.openxmlformats.org/officeDocument/2006/relationships" xmlns:p="http://schemas.openxmlformats.org/presentationml/2006/main">
+  <p:cSld>
+    <p:spTree>
+      <p:nvGrpSpPr>
+        <p:cNvPr id="1" name=""/>
+        <p:cNvGrpSpPr/>
+        <p:nvPr/>
+      </p:nvGrpSpPr>
+      <p:grpSpPr>
+        <a:xfrm>
+          <a:off x="0" y="0"/>
+          <a:ext cx="0" cy="0"/>
+          <a:chOff x="0" y="0"/>
+          <a:chExt cx="0" cy="0"/>
+        </a:xfrm>
+      </p:grpSpPr>
+      <p:sp>
+        <p:nvSpPr>
+          <p:cNvPr id="2" name="Titre 1">
+            <a:extLst>
+              <a:ext uri="{FF2B5EF4-FFF2-40B4-BE49-F238E27FC236}">
+                <a16:creationId xmlns:a16="http://schemas.microsoft.com/office/drawing/2014/main" id="{661EB7A4-52F5-4021-94F4-087BE8505D04}"/>
+              </a:ext>
+            </a:extLst>
+          </p:cNvPr>
+          <p:cNvSpPr>
+            <a:spLocks noGrp="1"/>
+          </p:cNvSpPr>
+          <p:nvPr>
+            <p:ph type="title"/>
+          </p:nvPr>
+        </p:nvSpPr>
+        <p:spPr>
+          <a:xfrm>
+            <a:off x="441127" y="569963"/>
+            <a:ext cx="8596668" cy="1320800"/>
+          </a:xfrm>
+        </p:spPr>
+        <p:txBody>
+          <a:bodyPr/>
+          <a:lstStyle/>
+          <a:p>
+            <a:r>
+              <a:rPr lang="fr-FR" b="1" dirty="0"/>
+              <a:t>Conclusions</a:t>
+            </a:r>
+          </a:p>
+        </p:txBody>
+      </p:sp>
+    </p:spTree>
+    <p:extLst>
+      <p:ext uri="{BB962C8B-B14F-4D97-AF65-F5344CB8AC3E}">
+        <p14:creationId xmlns:p14="http://schemas.microsoft.com/office/powerpoint/2010/main" val="3346452971"/>
+      </p:ext>
+    </p:extLst>
+  </p:cSld>
+  <p:clrMapOvr>
+    <a:masterClrMapping/>
+  </p:clrMapOvr>
+</p:sld>
+</file>
+
+<file path=ppt/slides/slide26.xml><?xml version="1.0" encoding="utf-8"?>
+<p:sld xmlns:a="http://schemas.openxmlformats.org/drawingml/2006/main" xmlns:r="http://schemas.openxmlformats.org/officeDocument/2006/relationships" xmlns:p="http://schemas.openxmlformats.org/presentationml/2006/main">
+  <p:cSld>
+    <p:spTree>
+      <p:nvGrpSpPr>
+        <p:cNvPr id="1" name=""/>
+        <p:cNvGrpSpPr/>
+        <p:nvPr/>
+      </p:nvGrpSpPr>
+      <p:grpSpPr>
+        <a:xfrm>
+          <a:off x="0" y="0"/>
+          <a:ext cx="0" cy="0"/>
+          <a:chOff x="0" y="0"/>
+          <a:chExt cx="0" cy="0"/>
+        </a:xfrm>
+      </p:grpSpPr>
+      <p:sp>
+        <p:nvSpPr>
+          <p:cNvPr id="2" name="Titre 1">
+            <a:extLst>
+              <a:ext uri="{FF2B5EF4-FFF2-40B4-BE49-F238E27FC236}">
                 <a16:creationId xmlns:a16="http://schemas.microsoft.com/office/drawing/2014/main" id="{E8435579-93B5-44F9-8816-6DE9992EF4BC}"/>
               </a:ext>
             </a:extLst>
@@ -9697,16 +11479,8 @@
           <a:lstStyle/>
           <a:p>
             <a:r>
-              <a:rPr lang="en-US" b="1" dirty="0" err="1"/>
-              <a:t>ANalysis</a:t>
-            </a:r>
-            <a:r>
-              <a:rPr lang="en-US" b="1" dirty="0"/>
-              <a:t> Of </a:t>
-            </a:r>
-            <a:r>
-              <a:rPr lang="en-US" b="1" dirty="0" err="1"/>
-              <a:t>VAriance</a:t>
+              <a:rPr lang="en-US" b="1" dirty="0" smtClean="0"/>
+              <a:t>Improvements</a:t>
             </a:r>
             <a:endParaRPr lang="fr-FR" b="1" dirty="0"/>
           </a:p>
@@ -9735,9 +11509,184 @@
           <a:p>
             <a:fld id="{519954A3-9DFD-4C44-94BA-B95130A3BA1C}" type="slidenum">
               <a:rPr lang="en-US" smtClean="0"/>
-              <a:t>21</a:t>
+              <a:t>26</a:t>
             </a:fld>
             <a:endParaRPr lang="en-US"/>
+          </a:p>
+        </p:txBody>
+      </p:sp>
+      <p:sp>
+        <p:nvSpPr>
+          <p:cNvPr id="3" name="ZoneTexte 2"/>
+          <p:cNvSpPr txBox="1"/>
+          <p:nvPr/>
+        </p:nvSpPr>
+        <p:spPr>
+          <a:xfrm>
+            <a:off x="815340" y="1859280"/>
+            <a:ext cx="6598281" cy="1754326"/>
+          </a:xfrm>
+          <a:prstGeom prst="rect">
+            <a:avLst/>
+          </a:prstGeom>
+          <a:noFill/>
+        </p:spPr>
+        <p:txBody>
+          <a:bodyPr wrap="none" rtlCol="0">
+            <a:spAutoFit/>
+          </a:bodyPr>
+          <a:lstStyle/>
+          <a:p>
+            <a:pPr marL="285750" indent="-285750">
+              <a:buClr>
+                <a:schemeClr val="accent1"/>
+              </a:buClr>
+              <a:buFont typeface="Wingdings" panose="05000000000000000000" pitchFamily="2" charset="2"/>
+              <a:buChar char="Ø"/>
+            </a:pPr>
+            <a:r>
+              <a:rPr lang="fr-FR" dirty="0" smtClean="0"/>
+              <a:t>Use VIF (Variance Inflation Factor) for </a:t>
+            </a:r>
+            <a:r>
+              <a:rPr lang="fr-FR" dirty="0" err="1" smtClean="0"/>
+              <a:t>collinearity</a:t>
+            </a:r>
+            <a:endParaRPr lang="fr-FR" dirty="0" smtClean="0"/>
+          </a:p>
+          <a:p>
+            <a:pPr marL="285750" indent="-285750">
+              <a:buClr>
+                <a:schemeClr val="accent1"/>
+              </a:buClr>
+              <a:buFont typeface="Wingdings" panose="05000000000000000000" pitchFamily="2" charset="2"/>
+              <a:buChar char="Ø"/>
+            </a:pPr>
+            <a:r>
+              <a:rPr lang="fr-FR" dirty="0" err="1" smtClean="0"/>
+              <a:t>Feature</a:t>
+            </a:r>
+            <a:r>
+              <a:rPr lang="fr-FR" dirty="0" smtClean="0"/>
+              <a:t> importance</a:t>
+            </a:r>
+          </a:p>
+          <a:p>
+            <a:pPr marL="285750" indent="-285750">
+              <a:buClr>
+                <a:schemeClr val="accent1"/>
+              </a:buClr>
+              <a:buFont typeface="Wingdings" panose="05000000000000000000" pitchFamily="2" charset="2"/>
+              <a:buChar char="Ø"/>
+            </a:pPr>
+            <a:r>
+              <a:rPr lang="fr-FR" dirty="0" err="1" smtClean="0"/>
+              <a:t>Early</a:t>
+            </a:r>
+            <a:r>
+              <a:rPr lang="fr-FR" dirty="0" smtClean="0"/>
+              <a:t> </a:t>
+            </a:r>
+            <a:r>
+              <a:rPr lang="fr-FR" dirty="0" err="1" smtClean="0"/>
+              <a:t>stopping</a:t>
+            </a:r>
+            <a:r>
+              <a:rPr lang="fr-FR" dirty="0" smtClean="0"/>
+              <a:t> for </a:t>
+            </a:r>
+            <a:r>
+              <a:rPr lang="fr-FR" dirty="0" err="1" smtClean="0"/>
+              <a:t>XGBoost</a:t>
+            </a:r>
+            <a:r>
+              <a:rPr lang="fr-FR" dirty="0" smtClean="0"/>
+              <a:t> (not </a:t>
+            </a:r>
+            <a:r>
+              <a:rPr lang="fr-FR" dirty="0" err="1" smtClean="0"/>
+              <a:t>available</a:t>
+            </a:r>
+            <a:r>
+              <a:rPr lang="fr-FR" dirty="0" smtClean="0"/>
+              <a:t> in </a:t>
+            </a:r>
+            <a:r>
+              <a:rPr lang="fr-FR" dirty="0" err="1" smtClean="0"/>
+              <a:t>RandomForest</a:t>
+            </a:r>
+            <a:r>
+              <a:rPr lang="fr-FR" dirty="0" smtClean="0"/>
+              <a:t>)</a:t>
+            </a:r>
+          </a:p>
+          <a:p>
+            <a:pPr marL="285750" indent="-285750">
+              <a:buClr>
+                <a:schemeClr val="accent1"/>
+              </a:buClr>
+              <a:buFont typeface="Wingdings" panose="05000000000000000000" pitchFamily="2" charset="2"/>
+              <a:buChar char="Ø"/>
+            </a:pPr>
+            <a:r>
+              <a:rPr lang="fr-FR" dirty="0" smtClean="0"/>
+              <a:t>Validation </a:t>
+            </a:r>
+            <a:r>
+              <a:rPr lang="fr-FR" dirty="0" err="1" smtClean="0"/>
+              <a:t>curve</a:t>
+            </a:r>
+            <a:r>
+              <a:rPr lang="fr-FR" dirty="0" smtClean="0"/>
+              <a:t> (</a:t>
+            </a:r>
+            <a:r>
+              <a:rPr lang="fr-FR" dirty="0" err="1" smtClean="0"/>
+              <a:t>overfitting</a:t>
+            </a:r>
+            <a:r>
+              <a:rPr lang="fr-FR" dirty="0" smtClean="0"/>
+              <a:t> check)</a:t>
+            </a:r>
+          </a:p>
+          <a:p>
+            <a:pPr marL="285750" indent="-285750">
+              <a:buClr>
+                <a:schemeClr val="accent1"/>
+              </a:buClr>
+              <a:buFont typeface="Wingdings" panose="05000000000000000000" pitchFamily="2" charset="2"/>
+              <a:buChar char="Ø"/>
+            </a:pPr>
+            <a:r>
+              <a:rPr lang="fr-FR" dirty="0" smtClean="0"/>
+              <a:t>Learning </a:t>
+            </a:r>
+            <a:r>
+              <a:rPr lang="fr-FR" dirty="0" err="1" smtClean="0"/>
+              <a:t>curve</a:t>
+            </a:r>
+            <a:r>
+              <a:rPr lang="fr-FR" dirty="0" smtClean="0"/>
+              <a:t> (possible </a:t>
+            </a:r>
+            <a:r>
+              <a:rPr lang="fr-FR" dirty="0" err="1" smtClean="0"/>
+              <a:t>improvement</a:t>
+            </a:r>
+            <a:r>
+              <a:rPr lang="fr-FR" dirty="0" smtClean="0"/>
+              <a:t> check)</a:t>
+            </a:r>
+          </a:p>
+          <a:p>
+            <a:pPr marL="285750" indent="-285750">
+              <a:buClr>
+                <a:schemeClr val="accent1"/>
+              </a:buClr>
+              <a:buFont typeface="Wingdings" panose="05000000000000000000" pitchFamily="2" charset="2"/>
+              <a:buChar char="Ø"/>
+            </a:pPr>
+            <a:endParaRPr lang="en-US" dirty="0"/>
           </a:p>
         </p:txBody>
       </p:sp>
@@ -9902,14 +11851,14 @@
           <a:p>
             <a:pPr algn="ctr"/>
             <a:r>
-              <a:rPr lang="en-US" sz="6000" b="1"/>
+              <a:rPr lang="en-US" sz="6000" b="1" dirty="0"/>
               <a:t>Dataset </a:t>
             </a:r>
             <a:br>
-              <a:rPr lang="en-US" sz="6000" b="1"/>
+              <a:rPr lang="en-US" sz="6000" b="1" dirty="0"/>
             </a:br>
             <a:r>
-              <a:rPr lang="en-US" sz="6000" b="1"/>
+              <a:rPr lang="en-US" sz="6000" b="1" dirty="0"/>
               <a:t>Overview &amp; Cleaning </a:t>
             </a:r>
           </a:p>
@@ -10018,7 +11967,7 @@
           <a:lstStyle/>
           <a:p>
             <a:r>
-              <a:rPr lang="en-GB" b="1"/>
+              <a:rPr lang="en-GB" b="1" dirty="0"/>
               <a:t>Data set available </a:t>
             </a:r>
           </a:p>
@@ -10053,32 +12002,15 @@
               <a:buChar char="Ø"/>
             </a:pPr>
             <a:r>
-              <a:rPr lang="en-US" b="1" dirty="0">
-                <a:solidFill>
-                  <a:schemeClr val="bg1">
-                    <a:lumMod val="50000"/>
-                  </a:schemeClr>
-                </a:solidFill>
-              </a:rPr>
+              <a:rPr lang="en-US" b="1" dirty="0"/>
               <a:t>SEA Building Energy </a:t>
             </a:r>
             <a:r>
-              <a:rPr lang="en-US" b="1" dirty="0" smtClean="0">
-                <a:solidFill>
-                  <a:schemeClr val="bg1">
-                    <a:lumMod val="50000"/>
-                  </a:schemeClr>
-                </a:solidFill>
-              </a:rPr>
+              <a:rPr lang="en-US" b="1" dirty="0" smtClean="0"/>
               <a:t>Benchmarking </a:t>
             </a:r>
             <a:r>
               <a:rPr lang="en-US" b="0" i="0" dirty="0" smtClean="0">
-                <a:solidFill>
-                  <a:schemeClr val="bg1">
-                    <a:lumMod val="50000"/>
-                  </a:schemeClr>
-                </a:solidFill>
                 <a:effectLst/>
                 <a:latin typeface="Helvetica Neue"/>
               </a:rPr>
@@ -10086,11 +12018,6 @@
             </a:r>
             <a:r>
               <a:rPr lang="en-US" b="0" i="0" dirty="0">
-                <a:solidFill>
-                  <a:schemeClr val="bg1">
-                    <a:lumMod val="50000"/>
-                  </a:schemeClr>
-                </a:solidFill>
                 <a:effectLst/>
                 <a:latin typeface="Helvetica Neue"/>
               </a:rPr>
@@ -10098,11 +12025,6 @@
             </a:r>
             <a:r>
               <a:rPr lang="en-US" b="0" i="0" dirty="0" smtClean="0">
-                <a:solidFill>
-                  <a:schemeClr val="bg1">
-                    <a:lumMod val="50000"/>
-                  </a:schemeClr>
-                </a:solidFill>
                 <a:effectLst/>
                 <a:latin typeface="Helvetica Neue"/>
               </a:rPr>
@@ -10110,33 +12032,18 @@
             </a:r>
             <a:r>
               <a:rPr lang="en-US" dirty="0" smtClean="0">
-                <a:solidFill>
-                  <a:schemeClr val="bg1">
-                    <a:lumMod val="50000"/>
-                  </a:schemeClr>
-                </a:solidFill>
                 <a:latin typeface="Helvetica Neue"/>
               </a:rPr>
               <a:t>e city of Seattle</a:t>
             </a:r>
             <a:r>
               <a:rPr lang="en-US" b="0" i="0" dirty="0" smtClean="0">
-                <a:solidFill>
-                  <a:schemeClr val="bg1">
-                    <a:lumMod val="50000"/>
-                  </a:schemeClr>
-                </a:solidFill>
                 <a:effectLst/>
                 <a:latin typeface="Helvetica Neue"/>
               </a:rPr>
               <a:t>.</a:t>
             </a:r>
             <a:endParaRPr lang="en-US" b="0" i="0" dirty="0">
-              <a:solidFill>
-                <a:schemeClr val="bg1">
-                  <a:lumMod val="50000"/>
-                </a:schemeClr>
-              </a:solidFill>
               <a:effectLst/>
               <a:latin typeface="Helvetica Neue"/>
             </a:endParaRPr>
@@ -10150,63 +12057,27 @@
               <a:buChar char="Ø"/>
             </a:pPr>
             <a:r>
-              <a:rPr lang="en-GB" dirty="0" err="1">
-                <a:solidFill>
-                  <a:schemeClr val="bg1">
-                    <a:lumMod val="50000"/>
-                  </a:schemeClr>
-                </a:solidFill>
-              </a:rPr>
+              <a:rPr lang="en-GB" dirty="0" err="1"/>
               <a:t>df_data</a:t>
             </a:r>
             <a:r>
-              <a:rPr lang="en-GB" dirty="0">
-                <a:solidFill>
-                  <a:schemeClr val="bg1">
-                    <a:lumMod val="50000"/>
-                  </a:schemeClr>
-                </a:solidFill>
-              </a:rPr>
+              <a:rPr lang="en-GB" dirty="0"/>
               <a:t> = </a:t>
             </a:r>
             <a:r>
-              <a:rPr lang="en-GB" dirty="0" err="1">
-                <a:solidFill>
-                  <a:schemeClr val="bg1">
-                    <a:lumMod val="50000"/>
-                  </a:schemeClr>
-                </a:solidFill>
-              </a:rPr>
+              <a:rPr lang="en-GB" dirty="0" err="1"/>
               <a:t>pd.read_csv</a:t>
             </a:r>
             <a:r>
-              <a:rPr lang="en-GB" dirty="0">
-                <a:solidFill>
-                  <a:schemeClr val="bg1">
-                    <a:lumMod val="50000"/>
-                  </a:schemeClr>
-                </a:solidFill>
-              </a:rPr>
+              <a:rPr lang="en-GB" dirty="0"/>
               <a:t> </a:t>
             </a:r>
             <a:r>
-              <a:rPr lang="en-GB" dirty="0" smtClean="0">
-                <a:solidFill>
-                  <a:schemeClr val="bg1">
-                    <a:lumMod val="50000"/>
-                  </a:schemeClr>
-                </a:solidFill>
-              </a:rPr>
+              <a:rPr lang="en-GB" dirty="0" smtClean="0"/>
               <a:t>(“2015-building-energy-benchmarking.csv</a:t>
             </a:r>
             <a:r>
-              <a:rPr lang="en-GB" dirty="0">
-                <a:solidFill>
-                  <a:schemeClr val="bg1">
-                    <a:lumMod val="50000"/>
-                  </a:schemeClr>
-                </a:solidFill>
-              </a:rPr>
+              <a:rPr lang="en-GB" dirty="0"/>
               <a:t>")</a:t>
             </a:r>
           </a:p>
@@ -10219,32 +12090,14 @@
               <a:buChar char="Ø"/>
             </a:pPr>
             <a:r>
-              <a:rPr lang="en-GB" dirty="0" err="1" smtClean="0">
-                <a:solidFill>
-                  <a:schemeClr val="bg1">
-                    <a:lumMod val="50000"/>
-                  </a:schemeClr>
-                </a:solidFill>
-              </a:rPr>
+              <a:rPr lang="en-GB" dirty="0" err="1" smtClean="0"/>
               <a:t>df_data.head</a:t>
             </a:r>
             <a:r>
-              <a:rPr lang="en-GB" dirty="0" smtClean="0">
-                <a:solidFill>
-                  <a:schemeClr val="bg1">
-                    <a:lumMod val="50000"/>
-                  </a:schemeClr>
-                </a:solidFill>
-              </a:rPr>
+              <a:rPr lang="en-GB" dirty="0" smtClean="0"/>
               <a:t>(2)</a:t>
             </a:r>
-            <a:endParaRPr lang="en-GB" dirty="0">
-              <a:solidFill>
-                <a:schemeClr val="bg1">
-                  <a:lumMod val="50000"/>
-                </a:schemeClr>
-              </a:solidFill>
-            </a:endParaRPr>
+            <a:endParaRPr lang="en-GB" dirty="0"/>
           </a:p>
         </p:txBody>
       </p:sp>
@@ -10592,52 +12445,22 @@
           <a:lstStyle/>
           <a:p>
             <a:r>
-              <a:rPr lang="en-US" b="1" dirty="0">
-                <a:solidFill>
-                  <a:schemeClr val="bg1">
-                    <a:lumMod val="50000"/>
-                  </a:schemeClr>
-                </a:solidFill>
-              </a:rPr>
+              <a:rPr lang="en-US" b="1" dirty="0"/>
               <a:t>Features </a:t>
             </a:r>
             <a:r>
-              <a:rPr lang="en-US" b="1" dirty="0" smtClean="0">
-                <a:solidFill>
-                  <a:schemeClr val="bg1">
-                    <a:lumMod val="50000"/>
-                  </a:schemeClr>
-                </a:solidFill>
-              </a:rPr>
+              <a:rPr lang="en-US" b="1" dirty="0" smtClean="0"/>
               <a:t>in </a:t>
             </a:r>
             <a:r>
-              <a:rPr lang="en-US" b="1" dirty="0">
-                <a:solidFill>
-                  <a:schemeClr val="bg1">
-                    <a:lumMod val="50000"/>
-                  </a:schemeClr>
-                </a:solidFill>
-              </a:rPr>
+              <a:rPr lang="en-US" b="1" dirty="0"/>
               <a:t>2015 but not in </a:t>
             </a:r>
             <a:r>
-              <a:rPr lang="en-US" b="1" dirty="0" smtClean="0">
-                <a:solidFill>
-                  <a:schemeClr val="bg1">
-                    <a:lumMod val="50000"/>
-                  </a:schemeClr>
-                </a:solidFill>
-              </a:rPr>
+              <a:rPr lang="en-US" b="1" dirty="0" smtClean="0"/>
               <a:t>2016 </a:t>
             </a:r>
-            <a:endParaRPr lang="en-US" b="1" dirty="0">
-              <a:solidFill>
-                <a:schemeClr val="bg1">
-                  <a:lumMod val="50000"/>
-                </a:schemeClr>
-              </a:solidFill>
-            </a:endParaRPr>
+            <a:endParaRPr lang="en-US" b="1" dirty="0"/>
           </a:p>
         </p:txBody>
       </p:sp>
@@ -10663,52 +12486,22 @@
           <a:lstStyle/>
           <a:p>
             <a:r>
-              <a:rPr lang="en-US" b="1" dirty="0">
-                <a:solidFill>
-                  <a:schemeClr val="bg1">
-                    <a:lumMod val="50000"/>
-                  </a:schemeClr>
-                </a:solidFill>
-              </a:rPr>
+              <a:rPr lang="en-US" b="1" dirty="0"/>
               <a:t>Features </a:t>
             </a:r>
             <a:r>
-              <a:rPr lang="en-US" b="1" dirty="0" smtClean="0">
-                <a:solidFill>
-                  <a:schemeClr val="bg1">
-                    <a:lumMod val="50000"/>
-                  </a:schemeClr>
-                </a:solidFill>
-              </a:rPr>
+              <a:rPr lang="en-US" b="1" dirty="0" smtClean="0"/>
               <a:t>in 2016 </a:t>
             </a:r>
             <a:r>
-              <a:rPr lang="en-US" b="1" dirty="0">
-                <a:solidFill>
-                  <a:schemeClr val="bg1">
-                    <a:lumMod val="50000"/>
-                  </a:schemeClr>
-                </a:solidFill>
-              </a:rPr>
+              <a:rPr lang="en-US" b="1" dirty="0"/>
               <a:t>but not in </a:t>
             </a:r>
             <a:r>
-              <a:rPr lang="en-US" b="1" dirty="0" smtClean="0">
-                <a:solidFill>
-                  <a:schemeClr val="bg1">
-                    <a:lumMod val="50000"/>
-                  </a:schemeClr>
-                </a:solidFill>
-              </a:rPr>
+              <a:rPr lang="en-US" b="1" dirty="0" smtClean="0"/>
               <a:t>2015 </a:t>
             </a:r>
-            <a:endParaRPr lang="en-US" b="1" dirty="0">
-              <a:solidFill>
-                <a:schemeClr val="bg1">
-                  <a:lumMod val="50000"/>
-                </a:schemeClr>
-              </a:solidFill>
-            </a:endParaRPr>
+            <a:endParaRPr lang="en-US" b="1" dirty="0"/>
           </a:p>
         </p:txBody>
       </p:sp>
@@ -11112,6 +12905,13 @@
   <p:clrMapOvr>
     <a:masterClrMapping/>
   </p:clrMapOvr>
+  <p:timing>
+    <p:tnLst>
+      <p:par>
+        <p:cTn id="1" dur="indefinite" restart="never" nodeType="tmRoot"/>
+      </p:par>
+    </p:tnLst>
+  </p:timing>
 </p:sld>
 </file>
 
@@ -11149,17 +12949,613 @@
           </a:xfrm>
         </p:spPr>
         <p:txBody>
-          <a:bodyPr/>
-          <a:lstStyle/>
-          <a:p>
-            <a:r>
-              <a:rPr lang="en-GB" b="1"/>
-              <a:t>Data cleaning Phase 2: </a:t>
-            </a:r>
-            <a:r>
-              <a:rPr lang="en-GB" sz="3200" b="1" i="1"/>
-              <a:t>Country name</a:t>
-            </a:r>
+          <a:bodyPr>
+            <a:normAutofit fontScale="90000"/>
+          </a:bodyPr>
+          <a:lstStyle/>
+          <a:p>
+            <a:r>
+              <a:rPr lang="en-GB" sz="4000" b="1" dirty="0"/>
+              <a:t>Data cleaning Phase 2</a:t>
+            </a:r>
+            <a:r>
+              <a:rPr lang="en-GB" sz="4000" b="1" dirty="0" smtClean="0"/>
+              <a:t>: </a:t>
+            </a:r>
+            <a:r>
+              <a:rPr lang="en-GB" b="1" i="1" dirty="0" smtClean="0"/>
+              <a:t>Similarities focus </a:t>
+            </a:r>
+            <a:endParaRPr lang="en-GB" sz="3200" b="1" i="1" dirty="0"/>
+          </a:p>
+        </p:txBody>
+      </p:sp>
+      <p:sp>
+        <p:nvSpPr>
+          <p:cNvPr id="4" name="ZoneTexte 3"/>
+          <p:cNvSpPr txBox="1"/>
+          <p:nvPr/>
+        </p:nvSpPr>
+        <p:spPr>
+          <a:xfrm>
+            <a:off x="677334" y="1767841"/>
+            <a:ext cx="9816495" cy="3647152"/>
+          </a:xfrm>
+          <a:prstGeom prst="rect">
+            <a:avLst/>
+          </a:prstGeom>
+          <a:noFill/>
+        </p:spPr>
+        <p:txBody>
+          <a:bodyPr wrap="square" rtlCol="0">
+            <a:spAutoFit/>
+          </a:bodyPr>
+          <a:lstStyle/>
+          <a:p>
+            <a:pPr marL="285750" indent="-285750">
+              <a:lnSpc>
+                <a:spcPct val="150000"/>
+              </a:lnSpc>
+              <a:buFont typeface="Wingdings" panose="05000000000000000000" pitchFamily="2" charset="2"/>
+              <a:buChar char="Ø"/>
+            </a:pPr>
+            <a:r>
+              <a:rPr lang="fr-FR" dirty="0" smtClean="0"/>
+              <a:t>Drop </a:t>
+            </a:r>
+            <a:r>
+              <a:rPr lang="fr-FR" dirty="0" err="1" smtClean="0"/>
+              <a:t>redundant</a:t>
+            </a:r>
+            <a:r>
+              <a:rPr lang="fr-FR" dirty="0" smtClean="0"/>
+              <a:t> </a:t>
+            </a:r>
+            <a:r>
+              <a:rPr lang="fr-FR" dirty="0" err="1" smtClean="0"/>
+              <a:t>categories</a:t>
+            </a:r>
+            <a:r>
+              <a:rPr lang="fr-FR" dirty="0"/>
+              <a:t>: </a:t>
+            </a:r>
+            <a:r>
+              <a:rPr lang="fr-FR" sz="1600" dirty="0" err="1" smtClean="0"/>
+              <a:t>GHGEmissionsIntensity</a:t>
+            </a:r>
+            <a:r>
+              <a:rPr lang="fr-FR" sz="1600" dirty="0" smtClean="0"/>
+              <a:t> = </a:t>
+            </a:r>
+            <a:r>
+              <a:rPr lang="fr-FR" sz="1600" dirty="0" err="1" smtClean="0"/>
+              <a:t>GHGEmissionsIntensity</a:t>
+            </a:r>
+            <a:r>
+              <a:rPr lang="fr-FR" sz="1600" dirty="0" smtClean="0"/>
+              <a:t>(kgCO2e/ft2)</a:t>
+            </a:r>
+          </a:p>
+          <a:p>
+            <a:pPr>
+              <a:lnSpc>
+                <a:spcPct val="150000"/>
+              </a:lnSpc>
+            </a:pPr>
+            <a:r>
+              <a:rPr lang="fr-FR" sz="1600" dirty="0" smtClean="0"/>
+              <a:t>							</a:t>
+            </a:r>
+            <a:r>
+              <a:rPr lang="fr-FR" sz="1600" dirty="0" err="1" smtClean="0"/>
+              <a:t>TotalGHGEmissions</a:t>
+            </a:r>
+            <a:r>
+              <a:rPr lang="fr-FR" sz="1600" dirty="0" smtClean="0"/>
+              <a:t> = </a:t>
+            </a:r>
+            <a:r>
+              <a:rPr lang="fr-FR" sz="1600" dirty="0" err="1" smtClean="0"/>
+              <a:t>GHGEmissions</a:t>
+            </a:r>
+            <a:r>
+              <a:rPr lang="fr-FR" sz="1600" dirty="0" smtClean="0"/>
+              <a:t>(MetricTonsCO2e)</a:t>
+            </a:r>
+            <a:endParaRPr lang="fr-FR" dirty="0" smtClean="0"/>
+          </a:p>
+          <a:p>
+            <a:pPr marL="285750" indent="-285750">
+              <a:lnSpc>
+                <a:spcPct val="150000"/>
+              </a:lnSpc>
+              <a:buFont typeface="Wingdings" panose="05000000000000000000" pitchFamily="2" charset="2"/>
+              <a:buChar char="Ø"/>
+            </a:pPr>
+            <a:r>
+              <a:rPr lang="fr-FR" dirty="0" err="1" smtClean="0"/>
+              <a:t>Concatenate</a:t>
+            </a:r>
+            <a:r>
+              <a:rPr lang="fr-FR" dirty="0" smtClean="0"/>
+              <a:t> </a:t>
+            </a:r>
+            <a:r>
+              <a:rPr lang="fr-FR" dirty="0" err="1" smtClean="0"/>
+              <a:t>both</a:t>
+            </a:r>
+            <a:r>
+              <a:rPr lang="fr-FR" dirty="0" smtClean="0"/>
+              <a:t> files (</a:t>
+            </a:r>
+            <a:r>
+              <a:rPr lang="en-US" dirty="0"/>
+              <a:t>6695 </a:t>
+            </a:r>
+            <a:r>
+              <a:rPr lang="en-US" dirty="0"/>
+              <a:t>rows × 47 </a:t>
+            </a:r>
+            <a:r>
+              <a:rPr lang="en-US" dirty="0"/>
+              <a:t>columns</a:t>
+            </a:r>
+            <a:r>
+              <a:rPr lang="en-US" dirty="0" smtClean="0"/>
+              <a:t>)</a:t>
+            </a:r>
+            <a:endParaRPr lang="fr-FR" dirty="0" smtClean="0"/>
+          </a:p>
+          <a:p>
+            <a:pPr marL="285750" indent="-285750">
+              <a:lnSpc>
+                <a:spcPct val="150000"/>
+              </a:lnSpc>
+              <a:buFont typeface="Wingdings" panose="05000000000000000000" pitchFamily="2" charset="2"/>
+              <a:buChar char="Ø"/>
+            </a:pPr>
+            <a:r>
+              <a:rPr lang="fr-FR" dirty="0" err="1" smtClean="0"/>
+              <a:t>Converting</a:t>
+            </a:r>
+            <a:r>
+              <a:rPr lang="fr-FR" dirty="0" smtClean="0"/>
+              <a:t> strings in </a:t>
+            </a:r>
+            <a:r>
+              <a:rPr lang="fr-FR" dirty="0" err="1" smtClean="0"/>
+              <a:t>titlecase</a:t>
+            </a:r>
+            <a:r>
+              <a:rPr lang="fr-FR" dirty="0" smtClean="0"/>
+              <a:t> </a:t>
+            </a:r>
+            <a:r>
+              <a:rPr lang="fr-FR" dirty="0" err="1" smtClean="0"/>
+              <a:t>str.title</a:t>
+            </a:r>
+            <a:r>
+              <a:rPr lang="fr-FR" dirty="0" smtClean="0"/>
+              <a:t>() for </a:t>
+            </a:r>
+            <a:r>
+              <a:rPr lang="fr-FR" dirty="0" err="1" smtClean="0"/>
+              <a:t>homogeneity</a:t>
+            </a:r>
+            <a:r>
+              <a:rPr lang="fr-FR" dirty="0" smtClean="0"/>
+              <a:t> </a:t>
+            </a:r>
+            <a:r>
+              <a:rPr lang="fr-FR" dirty="0" err="1" smtClean="0"/>
+              <a:t>between</a:t>
+            </a:r>
+            <a:r>
+              <a:rPr lang="fr-FR" dirty="0" smtClean="0"/>
+              <a:t> </a:t>
+            </a:r>
+            <a:r>
+              <a:rPr lang="fr-FR" dirty="0" err="1" smtClean="0"/>
+              <a:t>both</a:t>
+            </a:r>
+            <a:r>
+              <a:rPr lang="fr-FR" dirty="0" smtClean="0"/>
+              <a:t> files</a:t>
+            </a:r>
+          </a:p>
+          <a:p>
+            <a:pPr marL="285750" indent="-285750">
+              <a:lnSpc>
+                <a:spcPct val="150000"/>
+              </a:lnSpc>
+              <a:buFont typeface="Wingdings" panose="05000000000000000000" pitchFamily="2" charset="2"/>
+              <a:buChar char="Ø"/>
+            </a:pPr>
+            <a:r>
+              <a:rPr lang="fr-FR" dirty="0" smtClean="0"/>
+              <a:t>Drop </a:t>
+            </a:r>
+            <a:r>
+              <a:rPr lang="en-US" dirty="0"/>
+              <a:t>Weather Normalized </a:t>
+            </a:r>
+            <a:r>
+              <a:rPr lang="en-US" dirty="0" smtClean="0"/>
+              <a:t>WN features (</a:t>
+            </a:r>
+            <a:r>
+              <a:rPr lang="en-US" i="1" dirty="0" err="1" smtClean="0"/>
+              <a:t>SiteEUIWN</a:t>
+            </a:r>
+            <a:r>
+              <a:rPr lang="en-US" i="1" dirty="0" smtClean="0"/>
+              <a:t>, Source EUIWN &amp; </a:t>
+            </a:r>
+            <a:r>
+              <a:rPr lang="en-US" i="1" dirty="0" err="1" smtClean="0"/>
+              <a:t>SiteEnergyUseWN</a:t>
+            </a:r>
+            <a:r>
+              <a:rPr lang="en-US" dirty="0" smtClean="0"/>
+              <a:t>)</a:t>
+            </a:r>
+            <a:endParaRPr lang="fr-FR" dirty="0" smtClean="0"/>
+          </a:p>
+          <a:p>
+            <a:pPr marL="285750" indent="-285750">
+              <a:lnSpc>
+                <a:spcPct val="150000"/>
+              </a:lnSpc>
+              <a:buFont typeface="Wingdings" panose="05000000000000000000" pitchFamily="2" charset="2"/>
+              <a:buChar char="Ø"/>
+            </a:pPr>
+            <a:r>
+              <a:rPr lang="fr-FR" dirty="0" err="1" smtClean="0"/>
+              <a:t>Categories</a:t>
+            </a:r>
+            <a:r>
+              <a:rPr lang="fr-FR" dirty="0" smtClean="0"/>
+              <a:t> </a:t>
+            </a:r>
+            <a:r>
+              <a:rPr lang="fr-FR" dirty="0" err="1" smtClean="0"/>
+              <a:t>with</a:t>
+            </a:r>
+            <a:r>
+              <a:rPr lang="fr-FR" dirty="0" smtClean="0"/>
+              <a:t> </a:t>
+            </a:r>
+            <a:r>
+              <a:rPr lang="fr-FR" dirty="0" err="1" smtClean="0"/>
+              <a:t>different</a:t>
+            </a:r>
+            <a:r>
+              <a:rPr lang="fr-FR" dirty="0" smtClean="0"/>
+              <a:t> </a:t>
+            </a:r>
+            <a:r>
+              <a:rPr lang="fr-FR" dirty="0" err="1" smtClean="0"/>
+              <a:t>units</a:t>
+            </a:r>
+            <a:r>
+              <a:rPr lang="fr-FR" dirty="0" smtClean="0"/>
+              <a:t> for </a:t>
+            </a:r>
+            <a:r>
+              <a:rPr lang="fr-FR" dirty="0" err="1" smtClean="0"/>
+              <a:t>Electricity</a:t>
+            </a:r>
+            <a:r>
+              <a:rPr lang="fr-FR" dirty="0" smtClean="0"/>
+              <a:t> and Natural </a:t>
+            </a:r>
+            <a:r>
+              <a:rPr lang="fr-FR" dirty="0" err="1" smtClean="0"/>
+              <a:t>Gas</a:t>
+            </a:r>
+            <a:r>
+              <a:rPr lang="fr-FR" dirty="0" smtClean="0"/>
+              <a:t> (</a:t>
+            </a:r>
+            <a:r>
+              <a:rPr lang="fr-FR" dirty="0" err="1" smtClean="0"/>
+              <a:t>kBtu</a:t>
+            </a:r>
+            <a:r>
+              <a:rPr lang="fr-FR" dirty="0" smtClean="0"/>
+              <a:t> over kWh and </a:t>
+            </a:r>
+            <a:r>
+              <a:rPr lang="fr-FR" dirty="0" err="1" smtClean="0"/>
+              <a:t>therms</a:t>
+            </a:r>
+            <a:r>
+              <a:rPr lang="fr-FR" dirty="0" smtClean="0"/>
+              <a:t>)</a:t>
+            </a:r>
+          </a:p>
+          <a:p>
+            <a:pPr marL="285750" indent="-285750">
+              <a:lnSpc>
+                <a:spcPct val="150000"/>
+              </a:lnSpc>
+              <a:buFont typeface="Wingdings" panose="05000000000000000000" pitchFamily="2" charset="2"/>
+              <a:buChar char="Ø"/>
+            </a:pPr>
+            <a:r>
+              <a:rPr lang="fr-FR" dirty="0" smtClean="0"/>
+              <a:t>Focus </a:t>
+            </a:r>
+            <a:r>
+              <a:rPr lang="fr-FR" dirty="0"/>
+              <a:t>on non-</a:t>
+            </a:r>
+            <a:r>
+              <a:rPr lang="fr-FR" dirty="0" err="1"/>
+              <a:t>Residential</a:t>
+            </a:r>
+            <a:r>
+              <a:rPr lang="fr-FR" dirty="0"/>
+              <a:t>					</a:t>
+            </a:r>
+            <a:r>
+              <a:rPr lang="fr-FR" dirty="0" smtClean="0"/>
+              <a:t>Drop </a:t>
+            </a:r>
+            <a:r>
+              <a:rPr lang="fr-FR" dirty="0"/>
+              <a:t>Building Type = </a:t>
+            </a:r>
+            <a:r>
+              <a:rPr lang="fr-FR" dirty="0" err="1" smtClean="0"/>
+              <a:t>Multifamily</a:t>
+            </a:r>
+            <a:endParaRPr lang="fr-FR" dirty="0" smtClean="0"/>
+          </a:p>
+          <a:p>
+            <a:pPr marL="285750" indent="-285750">
+              <a:lnSpc>
+                <a:spcPct val="150000"/>
+              </a:lnSpc>
+              <a:buFont typeface="Wingdings" panose="05000000000000000000" pitchFamily="2" charset="2"/>
+              <a:buChar char="Ø"/>
+            </a:pPr>
+            <a:r>
+              <a:rPr lang="fr-FR" dirty="0" err="1" smtClean="0"/>
+              <a:t>Negative</a:t>
+            </a:r>
+            <a:r>
+              <a:rPr lang="fr-FR" dirty="0" smtClean="0"/>
+              <a:t> data </a:t>
+            </a:r>
+            <a:r>
+              <a:rPr lang="fr-FR" dirty="0" err="1" smtClean="0"/>
+              <a:t>removed</a:t>
+            </a:r>
+            <a:r>
+              <a:rPr lang="fr-FR" dirty="0" smtClean="0"/>
+              <a:t>, </a:t>
+            </a:r>
+            <a:r>
+              <a:rPr lang="fr-FR" dirty="0" err="1" smtClean="0"/>
+              <a:t>targets</a:t>
+            </a:r>
+            <a:r>
+              <a:rPr lang="fr-FR" dirty="0" smtClean="0"/>
+              <a:t> (</a:t>
+            </a:r>
+            <a:r>
+              <a:rPr lang="fr-FR" dirty="0" err="1" smtClean="0"/>
+              <a:t>SiteEnergyUse</a:t>
+            </a:r>
+            <a:r>
+              <a:rPr lang="fr-FR" dirty="0" smtClean="0"/>
+              <a:t> &amp; GHG Emissions) values = 0 </a:t>
+            </a:r>
+            <a:r>
+              <a:rPr lang="fr-FR" dirty="0" err="1" smtClean="0"/>
+              <a:t>removed</a:t>
+            </a:r>
+            <a:endParaRPr lang="fr-FR" dirty="0"/>
+          </a:p>
+          <a:p>
+            <a:pPr marL="285750" indent="-285750">
+              <a:buFont typeface="Wingdings" panose="05000000000000000000" pitchFamily="2" charset="2"/>
+              <a:buChar char="Ø"/>
+            </a:pPr>
+            <a:endParaRPr lang="en-US" dirty="0"/>
+          </a:p>
+        </p:txBody>
+      </p:sp>
+      <p:sp>
+        <p:nvSpPr>
+          <p:cNvPr id="6" name="Flèche droite à entaille 5"/>
+          <p:cNvSpPr/>
+          <p:nvPr/>
+        </p:nvSpPr>
+        <p:spPr>
+          <a:xfrm>
+            <a:off x="4171406" y="4373402"/>
+            <a:ext cx="1062446" cy="235131"/>
+          </a:xfrm>
+          <a:prstGeom prst="notchedRightArrow">
+            <a:avLst/>
+          </a:prstGeom>
+        </p:spPr>
+        <p:style>
+          <a:lnRef idx="2">
+            <a:schemeClr val="accent1">
+              <a:shade val="50000"/>
+            </a:schemeClr>
+          </a:lnRef>
+          <a:fillRef idx="1">
+            <a:schemeClr val="accent1"/>
+          </a:fillRef>
+          <a:effectRef idx="0">
+            <a:schemeClr val="accent1"/>
+          </a:effectRef>
+          <a:fontRef idx="minor">
+            <a:schemeClr val="lt1"/>
+          </a:fontRef>
+        </p:style>
+        <p:txBody>
+          <a:bodyPr rtlCol="0" anchor="ctr"/>
+          <a:lstStyle/>
+          <a:p>
+            <a:pPr algn="ctr"/>
+            <a:endParaRPr lang="en-US"/>
+          </a:p>
+        </p:txBody>
+      </p:sp>
+      <p:pic>
+        <p:nvPicPr>
+          <p:cNvPr id="7" name="Image 6"/>
+          <p:cNvPicPr>
+            <a:picLocks noChangeAspect="1"/>
+          </p:cNvPicPr>
+          <p:nvPr/>
+        </p:nvPicPr>
+        <p:blipFill rotWithShape="1">
+          <a:blip r:embed="rId2"/>
+          <a:srcRect l="13833" t="52668" r="66083" b="20073"/>
+          <a:stretch/>
+        </p:blipFill>
+        <p:spPr>
+          <a:xfrm>
+            <a:off x="895774" y="5155632"/>
+            <a:ext cx="2025226" cy="1546230"/>
+          </a:xfrm>
+          <a:prstGeom prst="rect">
+            <a:avLst/>
+          </a:prstGeom>
+        </p:spPr>
+      </p:pic>
+      <p:sp>
+        <p:nvSpPr>
+          <p:cNvPr id="8" name="Ellipse 7"/>
+          <p:cNvSpPr/>
+          <p:nvPr/>
+        </p:nvSpPr>
+        <p:spPr>
+          <a:xfrm>
+            <a:off x="2624662" y="5190066"/>
+            <a:ext cx="296334" cy="245533"/>
+          </a:xfrm>
+          <a:prstGeom prst="ellipse">
+            <a:avLst/>
+          </a:prstGeom>
+          <a:noFill/>
+          <a:ln>
+            <a:solidFill>
+              <a:srgbClr val="FF0000"/>
+            </a:solidFill>
+          </a:ln>
+        </p:spPr>
+        <p:style>
+          <a:lnRef idx="2">
+            <a:schemeClr val="accent1">
+              <a:shade val="50000"/>
+            </a:schemeClr>
+          </a:lnRef>
+          <a:fillRef idx="1">
+            <a:schemeClr val="accent1"/>
+          </a:fillRef>
+          <a:effectRef idx="0">
+            <a:schemeClr val="accent1"/>
+          </a:effectRef>
+          <a:fontRef idx="minor">
+            <a:schemeClr val="lt1"/>
+          </a:fontRef>
+        </p:style>
+        <p:txBody>
+          <a:bodyPr rtlCol="0" anchor="ctr"/>
+          <a:lstStyle/>
+          <a:p>
+            <a:pPr algn="ctr"/>
+            <a:endParaRPr lang="en-US"/>
+          </a:p>
+        </p:txBody>
+      </p:sp>
+      <p:cxnSp>
+        <p:nvCxnSpPr>
+          <p:cNvPr id="10" name="Connecteur droit avec flèche 9"/>
+          <p:cNvCxnSpPr/>
+          <p:nvPr/>
+        </p:nvCxnSpPr>
+        <p:spPr>
+          <a:xfrm flipH="1" flipV="1">
+            <a:off x="3014133" y="5435599"/>
+            <a:ext cx="1032934" cy="394893"/>
+          </a:xfrm>
+          <a:prstGeom prst="straightConnector1">
+            <a:avLst/>
+          </a:prstGeom>
+          <a:ln>
+            <a:tailEnd type="triangle"/>
+          </a:ln>
+        </p:spPr>
+        <p:style>
+          <a:lnRef idx="1">
+            <a:schemeClr val="accent1"/>
+          </a:lnRef>
+          <a:fillRef idx="0">
+            <a:schemeClr val="accent1"/>
+          </a:fillRef>
+          <a:effectRef idx="0">
+            <a:schemeClr val="accent1"/>
+          </a:effectRef>
+          <a:fontRef idx="minor">
+            <a:schemeClr val="tx1"/>
+          </a:fontRef>
+        </p:style>
+      </p:cxnSp>
+      <p:sp>
+        <p:nvSpPr>
+          <p:cNvPr id="11" name="ZoneTexte 10"/>
+          <p:cNvSpPr txBox="1"/>
+          <p:nvPr/>
+        </p:nvSpPr>
+        <p:spPr>
+          <a:xfrm>
+            <a:off x="4171405" y="5633045"/>
+            <a:ext cx="5802327" cy="369332"/>
+          </a:xfrm>
+          <a:prstGeom prst="rect">
+            <a:avLst/>
+          </a:prstGeom>
+          <a:noFill/>
+        </p:spPr>
+        <p:txBody>
+          <a:bodyPr wrap="square" rtlCol="0">
+            <a:spAutoFit/>
+          </a:bodyPr>
+          <a:lstStyle/>
+          <a:p>
+            <a:r>
+              <a:rPr lang="fr-FR" dirty="0" err="1" smtClean="0"/>
+              <a:t>Outlier</a:t>
+            </a:r>
+            <a:r>
+              <a:rPr lang="fr-FR" dirty="0" smtClean="0"/>
+              <a:t> </a:t>
+            </a:r>
+            <a:r>
+              <a:rPr lang="fr-FR" dirty="0" err="1" smtClean="0"/>
+              <a:t>removed</a:t>
+            </a:r>
+            <a:r>
+              <a:rPr lang="fr-FR" dirty="0" smtClean="0"/>
+              <a:t>: </a:t>
+            </a:r>
+            <a:r>
+              <a:rPr lang="fr-FR" dirty="0" err="1" smtClean="0"/>
+              <a:t>University</a:t>
+            </a:r>
+            <a:r>
+              <a:rPr lang="fr-FR" dirty="0" smtClean="0"/>
+              <a:t> of Washington (x5 range)</a:t>
+            </a:r>
+            <a:endParaRPr lang="en-US" dirty="0"/>
           </a:p>
         </p:txBody>
       </p:sp>
@@ -11173,6 +13569,13 @@
   <p:clrMapOvr>
     <a:masterClrMapping/>
   </p:clrMapOvr>
+  <p:timing>
+    <p:tnLst>
+      <p:par>
+        <p:cTn id="1" dur="indefinite" restart="never" nodeType="tmRoot"/>
+      </p:par>
+    </p:tnLst>
+  </p:timing>
 </p:sld>
 </file>
 
@@ -11210,299 +13613,720 @@
           </a:xfrm>
         </p:spPr>
         <p:txBody>
-          <a:bodyPr/>
-          <a:lstStyle/>
-          <a:p>
-            <a:r>
-              <a:rPr lang="en-GB" b="1"/>
-              <a:t>Data cleaning Phase 3/4 </a:t>
-            </a:r>
-            <a:endParaRPr lang="en-GB" sz="3200" b="1" i="1"/>
-          </a:p>
-        </p:txBody>
-      </p:sp>
-      <p:sp>
-        <p:nvSpPr>
-          <p:cNvPr id="7" name="Content Placeholder 2"/>
-          <p:cNvSpPr txBox="1">
-            <a:spLocks/>
-          </p:cNvSpPr>
+          <a:bodyPr>
+            <a:normAutofit/>
+          </a:bodyPr>
+          <a:lstStyle/>
+          <a:p>
+            <a:r>
+              <a:rPr lang="en-GB" b="1" dirty="0"/>
+              <a:t>Data cleaning </a:t>
+            </a:r>
+            <a:r>
+              <a:rPr lang="en-GB" b="1" dirty="0" smtClean="0"/>
+              <a:t>Phase 3: </a:t>
+            </a:r>
+            <a:r>
+              <a:rPr lang="en-GB" sz="3200" b="1" i="1" dirty="0" smtClean="0"/>
+              <a:t>Feature collinearity</a:t>
+            </a:r>
+            <a:r>
+              <a:rPr lang="en-GB" b="1" dirty="0"/>
+              <a:t> </a:t>
+            </a:r>
+            <a:endParaRPr lang="en-GB" sz="3200" b="1" i="1" dirty="0"/>
+          </a:p>
+        </p:txBody>
+      </p:sp>
+      <p:sp>
+        <p:nvSpPr>
+          <p:cNvPr id="6" name="Rectangle 5"/>
+          <p:cNvSpPr/>
           <p:nvPr/>
         </p:nvSpPr>
         <p:spPr>
           <a:xfrm>
-            <a:off x="608607" y="1718223"/>
-            <a:ext cx="9588745" cy="967519"/>
+            <a:off x="787400" y="5840075"/>
+            <a:ext cx="6096000" cy="923330"/>
           </a:xfrm>
           <a:prstGeom prst="rect">
             <a:avLst/>
           </a:prstGeom>
         </p:spPr>
         <p:txBody>
-          <a:bodyPr vert="horz" lIns="91440" tIns="45720" rIns="91440" bIns="45720" rtlCol="0" anchor="t">
-            <a:normAutofit/>
+          <a:bodyPr>
+            <a:spAutoFit/>
           </a:bodyPr>
-          <a:lstStyle>
-            <a:lvl1pPr marL="342900" indent="-342900" algn="l" defTabSz="457200" rtl="0" eaLnBrk="1" latinLnBrk="0" hangingPunct="1">
-              <a:spcBef>
-                <a:spcPts val="1000"/>
-              </a:spcBef>
-              <a:spcAft>
-                <a:spcPts val="0"/>
-              </a:spcAft>
-              <a:buClr>
-                <a:schemeClr val="accent1"/>
-              </a:buClr>
-              <a:buSzPct val="80000"/>
-              <a:buFont typeface="Wingdings 3" charset="2"/>
-              <a:buChar char=""/>
-              <a:defRPr sz="1800" kern="1200">
-                <a:solidFill>
-                  <a:schemeClr val="tx1">
-                    <a:lumMod val="75000"/>
-                    <a:lumOff val="25000"/>
-                  </a:schemeClr>
-                </a:solidFill>
-                <a:latin typeface="+mn-lt"/>
-                <a:ea typeface="+mn-ea"/>
-                <a:cs typeface="+mn-cs"/>
-              </a:defRPr>
-            </a:lvl1pPr>
-            <a:lvl2pPr marL="742950" indent="-285750" algn="l" defTabSz="457200" rtl="0" eaLnBrk="1" latinLnBrk="0" hangingPunct="1">
-              <a:spcBef>
-                <a:spcPts val="1000"/>
-              </a:spcBef>
-              <a:spcAft>
-                <a:spcPts val="0"/>
-              </a:spcAft>
-              <a:buClr>
-                <a:schemeClr val="accent1"/>
-              </a:buClr>
-              <a:buSzPct val="80000"/>
-              <a:buFont typeface="Wingdings 3" charset="2"/>
-              <a:buChar char=""/>
-              <a:defRPr sz="1600" kern="1200">
-                <a:solidFill>
-                  <a:schemeClr val="tx1">
-                    <a:lumMod val="75000"/>
-                    <a:lumOff val="25000"/>
-                  </a:schemeClr>
-                </a:solidFill>
-                <a:latin typeface="+mn-lt"/>
-                <a:ea typeface="+mn-ea"/>
-                <a:cs typeface="+mn-cs"/>
-              </a:defRPr>
-            </a:lvl2pPr>
-            <a:lvl3pPr marL="1143000" indent="-228600" algn="l" defTabSz="457200" rtl="0" eaLnBrk="1" latinLnBrk="0" hangingPunct="1">
-              <a:spcBef>
-                <a:spcPts val="1000"/>
-              </a:spcBef>
-              <a:spcAft>
-                <a:spcPts val="0"/>
-              </a:spcAft>
-              <a:buClr>
-                <a:schemeClr val="accent1"/>
-              </a:buClr>
-              <a:buSzPct val="80000"/>
-              <a:buFont typeface="Wingdings 3" charset="2"/>
-              <a:buChar char=""/>
-              <a:defRPr sz="1400" kern="1200">
-                <a:solidFill>
-                  <a:schemeClr val="tx1">
-                    <a:lumMod val="75000"/>
-                    <a:lumOff val="25000"/>
-                  </a:schemeClr>
-                </a:solidFill>
-                <a:latin typeface="+mn-lt"/>
-                <a:ea typeface="+mn-ea"/>
-                <a:cs typeface="+mn-cs"/>
-              </a:defRPr>
-            </a:lvl3pPr>
-            <a:lvl4pPr marL="1600200" indent="-228600" algn="l" defTabSz="457200" rtl="0" eaLnBrk="1" latinLnBrk="0" hangingPunct="1">
-              <a:spcBef>
-                <a:spcPts val="1000"/>
-              </a:spcBef>
-              <a:spcAft>
-                <a:spcPts val="0"/>
-              </a:spcAft>
-              <a:buClr>
-                <a:schemeClr val="accent1"/>
-              </a:buClr>
-              <a:buSzPct val="80000"/>
-              <a:buFont typeface="Wingdings 3" charset="2"/>
-              <a:buChar char=""/>
-              <a:defRPr sz="1200" kern="1200">
-                <a:solidFill>
-                  <a:schemeClr val="tx1">
-                    <a:lumMod val="75000"/>
-                    <a:lumOff val="25000"/>
-                  </a:schemeClr>
-                </a:solidFill>
-                <a:latin typeface="+mn-lt"/>
-                <a:ea typeface="+mn-ea"/>
-                <a:cs typeface="+mn-cs"/>
-              </a:defRPr>
-            </a:lvl4pPr>
-            <a:lvl5pPr marL="2057400" indent="-228600" algn="l" defTabSz="457200" rtl="0" eaLnBrk="1" latinLnBrk="0" hangingPunct="1">
-              <a:spcBef>
-                <a:spcPts val="1000"/>
-              </a:spcBef>
-              <a:spcAft>
-                <a:spcPts val="0"/>
-              </a:spcAft>
-              <a:buClr>
-                <a:schemeClr val="accent1"/>
-              </a:buClr>
-              <a:buSzPct val="80000"/>
-              <a:buFont typeface="Wingdings 3" charset="2"/>
-              <a:buChar char=""/>
-              <a:defRPr sz="1200" kern="1200">
-                <a:solidFill>
-                  <a:schemeClr val="tx1">
-                    <a:lumMod val="75000"/>
-                    <a:lumOff val="25000"/>
-                  </a:schemeClr>
-                </a:solidFill>
-                <a:latin typeface="+mn-lt"/>
-                <a:ea typeface="+mn-ea"/>
-                <a:cs typeface="+mn-cs"/>
-              </a:defRPr>
-            </a:lvl5pPr>
-            <a:lvl6pPr marL="2514600" indent="-228600" algn="l" defTabSz="457200" rtl="0" eaLnBrk="1" latinLnBrk="0" hangingPunct="1">
-              <a:spcBef>
-                <a:spcPts val="1000"/>
-              </a:spcBef>
-              <a:spcAft>
-                <a:spcPts val="0"/>
-              </a:spcAft>
-              <a:buClr>
-                <a:schemeClr val="accent1"/>
-              </a:buClr>
-              <a:buSzPct val="80000"/>
-              <a:buFont typeface="Wingdings 3" charset="2"/>
-              <a:buChar char=""/>
-              <a:defRPr sz="1200" kern="1200">
-                <a:solidFill>
-                  <a:schemeClr val="tx1">
-                    <a:lumMod val="75000"/>
-                    <a:lumOff val="25000"/>
-                  </a:schemeClr>
-                </a:solidFill>
-                <a:latin typeface="+mn-lt"/>
-                <a:ea typeface="+mn-ea"/>
-                <a:cs typeface="+mn-cs"/>
-              </a:defRPr>
-            </a:lvl6pPr>
-            <a:lvl7pPr marL="2971800" indent="-228600" algn="l" defTabSz="457200" rtl="0" eaLnBrk="1" latinLnBrk="0" hangingPunct="1">
-              <a:spcBef>
-                <a:spcPts val="1000"/>
-              </a:spcBef>
-              <a:spcAft>
-                <a:spcPts val="0"/>
-              </a:spcAft>
-              <a:buClr>
-                <a:schemeClr val="accent1"/>
-              </a:buClr>
-              <a:buSzPct val="80000"/>
-              <a:buFont typeface="Wingdings 3" charset="2"/>
-              <a:buChar char=""/>
-              <a:defRPr sz="1200" kern="1200">
-                <a:solidFill>
-                  <a:schemeClr val="tx1">
-                    <a:lumMod val="75000"/>
-                    <a:lumOff val="25000"/>
-                  </a:schemeClr>
-                </a:solidFill>
-                <a:latin typeface="+mn-lt"/>
-                <a:ea typeface="+mn-ea"/>
-                <a:cs typeface="+mn-cs"/>
-              </a:defRPr>
-            </a:lvl7pPr>
-            <a:lvl8pPr marL="3429000" indent="-228600" algn="l" defTabSz="457200" rtl="0" eaLnBrk="1" latinLnBrk="0" hangingPunct="1">
-              <a:spcBef>
-                <a:spcPts val="1000"/>
-              </a:spcBef>
-              <a:spcAft>
-                <a:spcPts val="0"/>
-              </a:spcAft>
-              <a:buClr>
-                <a:schemeClr val="accent1"/>
-              </a:buClr>
-              <a:buSzPct val="80000"/>
-              <a:buFont typeface="Wingdings 3" charset="2"/>
-              <a:buChar char=""/>
-              <a:defRPr sz="1200" kern="1200">
-                <a:solidFill>
-                  <a:schemeClr val="tx1">
-                    <a:lumMod val="75000"/>
-                    <a:lumOff val="25000"/>
-                  </a:schemeClr>
-                </a:solidFill>
-                <a:latin typeface="+mn-lt"/>
-                <a:ea typeface="+mn-ea"/>
-                <a:cs typeface="+mn-cs"/>
-              </a:defRPr>
-            </a:lvl8pPr>
-            <a:lvl9pPr marL="3886200" indent="-228600" algn="l" defTabSz="457200" rtl="0" eaLnBrk="1" latinLnBrk="0" hangingPunct="1">
-              <a:spcBef>
-                <a:spcPts val="1000"/>
-              </a:spcBef>
-              <a:spcAft>
-                <a:spcPts val="0"/>
-              </a:spcAft>
-              <a:buClr>
-                <a:schemeClr val="accent1"/>
-              </a:buClr>
-              <a:buSzPct val="80000"/>
-              <a:buFont typeface="Wingdings 3" charset="2"/>
-              <a:buChar char=""/>
-              <a:defRPr sz="1200" kern="1200">
-                <a:solidFill>
-                  <a:schemeClr val="tx1">
-                    <a:lumMod val="75000"/>
-                    <a:lumOff val="25000"/>
-                  </a:schemeClr>
-                </a:solidFill>
-                <a:latin typeface="+mn-lt"/>
-                <a:ea typeface="+mn-ea"/>
-                <a:cs typeface="+mn-cs"/>
-              </a:defRPr>
-            </a:lvl9pPr>
-          </a:lstStyle>
-          <a:p>
-            <a:r>
-              <a:rPr lang="en-GB" dirty="0"/>
-              <a:t>Focus on </a:t>
-            </a:r>
-            <a:r>
-              <a:rPr lang="en-GB" dirty="0" err="1"/>
-              <a:t>Nutriscore</a:t>
-            </a:r>
-            <a:r>
-              <a:rPr lang="en-GB" dirty="0"/>
-              <a:t>: Removal of all products with no </a:t>
-            </a:r>
-            <a:r>
-              <a:rPr lang="en-GB" dirty="0" err="1"/>
-              <a:t>Nutriscore</a:t>
-            </a:r>
-            <a:r>
-              <a:rPr lang="en-GB" dirty="0"/>
-              <a:t> information (Phase 3)</a:t>
+          <a:lstStyle/>
+          <a:p>
+            <a:r>
+              <a:rPr lang="en-US" dirty="0" err="1">
+                <a:solidFill>
+                  <a:srgbClr val="202124"/>
+                </a:solidFill>
+                <a:latin typeface="arial" panose="020B0604020202020204" pitchFamily="34" charset="0"/>
+              </a:rPr>
+              <a:t>Multicollinearity</a:t>
+            </a:r>
+            <a:r>
+              <a:rPr lang="en-US" dirty="0">
+                <a:solidFill>
+                  <a:srgbClr val="202124"/>
+                </a:solidFill>
+                <a:latin typeface="arial" panose="020B0604020202020204" pitchFamily="34" charset="0"/>
+              </a:rPr>
+              <a:t> </a:t>
+            </a:r>
+            <a:r>
+              <a:rPr lang="en-US" b="1" dirty="0">
+                <a:solidFill>
+                  <a:srgbClr val="202124"/>
+                </a:solidFill>
+                <a:latin typeface="arial" panose="020B0604020202020204" pitchFamily="34" charset="0"/>
+              </a:rPr>
+              <a:t>reduces the precision of the estimated coefficients</a:t>
+            </a:r>
+            <a:r>
+              <a:rPr lang="en-US" dirty="0">
+                <a:solidFill>
+                  <a:srgbClr val="202124"/>
+                </a:solidFill>
+                <a:latin typeface="arial" panose="020B0604020202020204" pitchFamily="34" charset="0"/>
+              </a:rPr>
+              <a:t>, which weakens the statistical power of your regression model.</a:t>
             </a:r>
             <a:endParaRPr lang="en-US" dirty="0"/>
           </a:p>
-          <a:p>
-            <a:r>
-              <a:rPr lang="en-GB" dirty="0"/>
-              <a:t>Removal of redundant products categories (Phase 4): </a:t>
-            </a:r>
-          </a:p>
-          <a:p>
-            <a:endParaRPr lang="en-GB" dirty="0"/>
-          </a:p>
-        </p:txBody>
-      </p:sp>
+        </p:txBody>
+      </p:sp>
+      <p:sp>
+        <p:nvSpPr>
+          <p:cNvPr id="9" name="ZoneTexte 8"/>
+          <p:cNvSpPr txBox="1"/>
+          <p:nvPr/>
+        </p:nvSpPr>
+        <p:spPr>
+          <a:xfrm>
+            <a:off x="6008387" y="2175661"/>
+            <a:ext cx="5920740" cy="646331"/>
+          </a:xfrm>
+          <a:prstGeom prst="rect">
+            <a:avLst/>
+          </a:prstGeom>
+          <a:noFill/>
+        </p:spPr>
+        <p:txBody>
+          <a:bodyPr wrap="square" rtlCol="0">
+            <a:spAutoFit/>
+          </a:bodyPr>
+          <a:lstStyle/>
+          <a:p>
+            <a:r>
+              <a:rPr lang="en-US" dirty="0" smtClean="0"/>
+              <a:t>Feature</a:t>
+            </a:r>
+            <a:r>
+              <a:rPr lang="fr-FR" dirty="0" smtClean="0"/>
+              <a:t> Engineering: </a:t>
+            </a:r>
+            <a:r>
+              <a:rPr lang="en-US" dirty="0" smtClean="0"/>
+              <a:t>drop</a:t>
+            </a:r>
+            <a:r>
+              <a:rPr lang="en-US" dirty="0"/>
+              <a:t> features that are highly correlated with each </a:t>
+            </a:r>
+            <a:r>
+              <a:rPr lang="en-US" dirty="0" smtClean="0"/>
+              <a:t>other by creating new inputs</a:t>
+            </a:r>
+            <a:endParaRPr lang="en-US" dirty="0"/>
+          </a:p>
+        </p:txBody>
+      </p:sp>
+      <p:sp>
+        <p:nvSpPr>
+          <p:cNvPr id="10" name="ZoneTexte 9"/>
+          <p:cNvSpPr txBox="1"/>
+          <p:nvPr/>
+        </p:nvSpPr>
+        <p:spPr>
+          <a:xfrm>
+            <a:off x="6008387" y="3506167"/>
+            <a:ext cx="4709160" cy="646331"/>
+          </a:xfrm>
+          <a:prstGeom prst="rect">
+            <a:avLst/>
+          </a:prstGeom>
+          <a:noFill/>
+        </p:spPr>
+        <p:txBody>
+          <a:bodyPr wrap="square" rtlCol="0">
+            <a:spAutoFit/>
+          </a:bodyPr>
+          <a:lstStyle/>
+          <a:p>
+            <a:r>
+              <a:rPr lang="fr-FR" dirty="0" smtClean="0"/>
+              <a:t>Data </a:t>
+            </a:r>
+            <a:r>
+              <a:rPr lang="fr-FR" dirty="0" err="1" smtClean="0"/>
+              <a:t>leakage</a:t>
+            </a:r>
+            <a:r>
+              <a:rPr lang="fr-FR" dirty="0" smtClean="0"/>
+              <a:t> </a:t>
+            </a:r>
+            <a:r>
+              <a:rPr lang="en-US" dirty="0" smtClean="0"/>
+              <a:t>happens </a:t>
+            </a:r>
+            <a:r>
+              <a:rPr lang="en-US" dirty="0"/>
+              <a:t>when your training data contains information about the target</a:t>
+            </a:r>
+            <a:endParaRPr lang="en-US" dirty="0"/>
+          </a:p>
+        </p:txBody>
+      </p:sp>
+      <p:cxnSp>
+        <p:nvCxnSpPr>
+          <p:cNvPr id="17" name="Connecteur droit avec flèche 16"/>
+          <p:cNvCxnSpPr/>
+          <p:nvPr/>
+        </p:nvCxnSpPr>
+        <p:spPr>
+          <a:xfrm>
+            <a:off x="8960278" y="4171372"/>
+            <a:ext cx="7620" cy="714063"/>
+          </a:xfrm>
+          <a:prstGeom prst="straightConnector1">
+            <a:avLst/>
+          </a:prstGeom>
+          <a:ln>
+            <a:solidFill>
+              <a:schemeClr val="tx1"/>
+            </a:solidFill>
+            <a:tailEnd type="triangle"/>
+          </a:ln>
+        </p:spPr>
+        <p:style>
+          <a:lnRef idx="1">
+            <a:schemeClr val="accent1"/>
+          </a:lnRef>
+          <a:fillRef idx="0">
+            <a:schemeClr val="accent1"/>
+          </a:fillRef>
+          <a:effectRef idx="0">
+            <a:schemeClr val="accent1"/>
+          </a:effectRef>
+          <a:fontRef idx="minor">
+            <a:schemeClr val="tx1"/>
+          </a:fontRef>
+        </p:style>
+      </p:cxnSp>
+      <p:sp>
+        <p:nvSpPr>
+          <p:cNvPr id="18" name="Rectangle 17"/>
+          <p:cNvSpPr/>
+          <p:nvPr/>
+        </p:nvSpPr>
+        <p:spPr>
+          <a:xfrm>
+            <a:off x="6877480" y="4947011"/>
+            <a:ext cx="4606880" cy="584775"/>
+          </a:xfrm>
+          <a:prstGeom prst="rect">
+            <a:avLst/>
+          </a:prstGeom>
+        </p:spPr>
+        <p:txBody>
+          <a:bodyPr wrap="square">
+            <a:spAutoFit/>
+          </a:bodyPr>
+          <a:lstStyle/>
+          <a:p>
+            <a:pPr algn="ctr"/>
+            <a:r>
+              <a:rPr lang="en-US" sz="1600" dirty="0"/>
+              <a:t>Electricity(</a:t>
+            </a:r>
+            <a:r>
+              <a:rPr lang="en-US" sz="1600" dirty="0" err="1"/>
+              <a:t>kBtu</a:t>
+            </a:r>
+            <a:r>
+              <a:rPr lang="en-US" sz="1600" dirty="0" smtClean="0"/>
+              <a:t>), </a:t>
+            </a:r>
+            <a:r>
+              <a:rPr lang="en-US" sz="1600" dirty="0" err="1" smtClean="0"/>
+              <a:t>NaturalGas</a:t>
+            </a:r>
+            <a:r>
+              <a:rPr lang="en-US" sz="1600" dirty="0" smtClean="0"/>
+              <a:t>(</a:t>
+            </a:r>
+            <a:r>
+              <a:rPr lang="en-US" sz="1600" dirty="0" err="1" smtClean="0"/>
+              <a:t>kBtu</a:t>
+            </a:r>
+            <a:r>
+              <a:rPr lang="en-US" sz="1600" dirty="0" smtClean="0"/>
+              <a:t>), </a:t>
+            </a:r>
+          </a:p>
+          <a:p>
+            <a:pPr algn="ctr"/>
+            <a:r>
+              <a:rPr lang="en-US" sz="1600" dirty="0" err="1" smtClean="0"/>
+              <a:t>SteamUse</a:t>
+            </a:r>
+            <a:r>
+              <a:rPr lang="en-US" sz="1600" dirty="0" smtClean="0"/>
+              <a:t>(</a:t>
+            </a:r>
+            <a:r>
+              <a:rPr lang="en-US" sz="1600" dirty="0" err="1" smtClean="0"/>
+              <a:t>kBtu</a:t>
+            </a:r>
+            <a:r>
+              <a:rPr lang="en-US" sz="1600" dirty="0" smtClean="0"/>
+              <a:t>), </a:t>
+            </a:r>
+            <a:r>
+              <a:rPr lang="en-US" sz="1600" dirty="0" err="1" smtClean="0"/>
+              <a:t>OtherFuelUse</a:t>
+            </a:r>
+            <a:r>
+              <a:rPr lang="en-US" sz="1600" dirty="0" smtClean="0"/>
+              <a:t>(</a:t>
+            </a:r>
+            <a:r>
+              <a:rPr lang="en-US" sz="1600" dirty="0" err="1" smtClean="0"/>
+              <a:t>kBtu</a:t>
+            </a:r>
+            <a:r>
+              <a:rPr lang="en-US" sz="1600" dirty="0"/>
+              <a:t>)</a:t>
+            </a:r>
+          </a:p>
+        </p:txBody>
+      </p:sp>
+      <p:sp>
+        <p:nvSpPr>
+          <p:cNvPr id="19" name="ZoneTexte 18"/>
+          <p:cNvSpPr txBox="1"/>
+          <p:nvPr/>
+        </p:nvSpPr>
+        <p:spPr>
+          <a:xfrm>
+            <a:off x="7131979" y="4352111"/>
+            <a:ext cx="1493358" cy="369332"/>
+          </a:xfrm>
+          <a:prstGeom prst="rect">
+            <a:avLst/>
+          </a:prstGeom>
+          <a:noFill/>
+        </p:spPr>
+        <p:txBody>
+          <a:bodyPr wrap="none" rtlCol="0">
+            <a:spAutoFit/>
+          </a:bodyPr>
+          <a:lstStyle/>
+          <a:p>
+            <a:r>
+              <a:rPr lang="fr-FR" b="1" u="sng" dirty="0"/>
+              <a:t>D</a:t>
+            </a:r>
+            <a:r>
+              <a:rPr lang="fr-FR" b="1" u="sng" dirty="0" smtClean="0"/>
+              <a:t>O NOT USE</a:t>
+            </a:r>
+            <a:endParaRPr lang="en-US" b="1" u="sng" dirty="0"/>
+          </a:p>
+        </p:txBody>
+      </p:sp>
+      <p:grpSp>
+        <p:nvGrpSpPr>
+          <p:cNvPr id="23" name="Groupe 22"/>
+          <p:cNvGrpSpPr/>
+          <p:nvPr/>
+        </p:nvGrpSpPr>
+        <p:grpSpPr>
+          <a:xfrm>
+            <a:off x="332092" y="1615440"/>
+            <a:ext cx="5446408" cy="4163059"/>
+            <a:chOff x="332092" y="1615440"/>
+            <a:chExt cx="5446408" cy="4163059"/>
+          </a:xfrm>
+        </p:grpSpPr>
+        <p:pic>
+          <p:nvPicPr>
+            <p:cNvPr id="3" name="Image 2"/>
+            <p:cNvPicPr>
+              <a:picLocks noChangeAspect="1"/>
+            </p:cNvPicPr>
+            <p:nvPr/>
+          </p:nvPicPr>
+          <p:blipFill rotWithShape="1">
+            <a:blip r:embed="rId2"/>
+            <a:srcRect l="20208" t="25679" r="29444" b="5062"/>
+            <a:stretch/>
+          </p:blipFill>
+          <p:spPr>
+            <a:xfrm>
+              <a:off x="398433" y="1615440"/>
+              <a:ext cx="5380067" cy="4163059"/>
+            </a:xfrm>
+            <a:prstGeom prst="rect">
+              <a:avLst/>
+            </a:prstGeom>
+          </p:spPr>
+        </p:pic>
+        <p:sp>
+          <p:nvSpPr>
+            <p:cNvPr id="5" name="Accolade fermante 4"/>
+            <p:cNvSpPr/>
+            <p:nvPr/>
+          </p:nvSpPr>
+          <p:spPr>
+            <a:xfrm>
+              <a:off x="5059680" y="1958340"/>
+              <a:ext cx="304800" cy="1232154"/>
+            </a:xfrm>
+            <a:prstGeom prst="rightBrace">
+              <a:avLst/>
+            </a:prstGeom>
+            <a:ln>
+              <a:solidFill>
+                <a:schemeClr val="tx1"/>
+              </a:solidFill>
+            </a:ln>
+          </p:spPr>
+          <p:style>
+            <a:lnRef idx="1">
+              <a:schemeClr val="accent1"/>
+            </a:lnRef>
+            <a:fillRef idx="0">
+              <a:schemeClr val="accent1"/>
+            </a:fillRef>
+            <a:effectRef idx="0">
+              <a:schemeClr val="accent1"/>
+            </a:effectRef>
+            <a:fontRef idx="minor">
+              <a:schemeClr val="tx1"/>
+            </a:fontRef>
+          </p:style>
+          <p:txBody>
+            <a:bodyPr rtlCol="0" anchor="ctr"/>
+            <a:lstStyle/>
+            <a:p>
+              <a:pPr algn="ctr"/>
+              <a:endParaRPr lang="en-US"/>
+            </a:p>
+          </p:txBody>
+        </p:sp>
+        <p:sp>
+          <p:nvSpPr>
+            <p:cNvPr id="8" name="Accolade fermante 7"/>
+            <p:cNvSpPr/>
+            <p:nvPr/>
+          </p:nvSpPr>
+          <p:spPr>
+            <a:xfrm>
+              <a:off x="5059680" y="3252070"/>
+              <a:ext cx="304800" cy="1015130"/>
+            </a:xfrm>
+            <a:prstGeom prst="rightBrace">
+              <a:avLst/>
+            </a:prstGeom>
+            <a:ln>
+              <a:solidFill>
+                <a:schemeClr val="tx1"/>
+              </a:solidFill>
+            </a:ln>
+          </p:spPr>
+          <p:style>
+            <a:lnRef idx="1">
+              <a:schemeClr val="accent1"/>
+            </a:lnRef>
+            <a:fillRef idx="0">
+              <a:schemeClr val="accent1"/>
+            </a:fillRef>
+            <a:effectRef idx="0">
+              <a:schemeClr val="accent1"/>
+            </a:effectRef>
+            <a:fontRef idx="minor">
+              <a:schemeClr val="tx1"/>
+            </a:fontRef>
+          </p:style>
+          <p:txBody>
+            <a:bodyPr rtlCol="0" anchor="ctr"/>
+            <a:lstStyle/>
+            <a:p>
+              <a:pPr algn="ctr"/>
+              <a:endParaRPr lang="en-US"/>
+            </a:p>
+          </p:txBody>
+        </p:sp>
+        <p:sp>
+          <p:nvSpPr>
+            <p:cNvPr id="11" name="Rectangle 10"/>
+            <p:cNvSpPr/>
+            <p:nvPr/>
+          </p:nvSpPr>
+          <p:spPr>
+            <a:xfrm>
+              <a:off x="800100" y="3425982"/>
+              <a:ext cx="914400" cy="114300"/>
+            </a:xfrm>
+            <a:prstGeom prst="rect">
+              <a:avLst/>
+            </a:prstGeom>
+            <a:noFill/>
+            <a:ln>
+              <a:solidFill>
+                <a:srgbClr val="FF0000"/>
+              </a:solidFill>
+            </a:ln>
+          </p:spPr>
+          <p:style>
+            <a:lnRef idx="2">
+              <a:schemeClr val="accent1">
+                <a:shade val="50000"/>
+              </a:schemeClr>
+            </a:lnRef>
+            <a:fillRef idx="1">
+              <a:schemeClr val="accent1"/>
+            </a:fillRef>
+            <a:effectRef idx="0">
+              <a:schemeClr val="accent1"/>
+            </a:effectRef>
+            <a:fontRef idx="minor">
+              <a:schemeClr val="lt1"/>
+            </a:fontRef>
+          </p:style>
+          <p:txBody>
+            <a:bodyPr rtlCol="0" anchor="ctr"/>
+            <a:lstStyle/>
+            <a:p>
+              <a:pPr algn="ctr"/>
+              <a:endParaRPr lang="en-US"/>
+            </a:p>
+          </p:txBody>
+        </p:sp>
+        <p:sp>
+          <p:nvSpPr>
+            <p:cNvPr id="12" name="Rectangle 11"/>
+            <p:cNvSpPr/>
+            <p:nvPr/>
+          </p:nvSpPr>
+          <p:spPr>
+            <a:xfrm>
+              <a:off x="495300" y="4058442"/>
+              <a:ext cx="1219200" cy="112930"/>
+            </a:xfrm>
+            <a:prstGeom prst="rect">
+              <a:avLst/>
+            </a:prstGeom>
+            <a:noFill/>
+            <a:ln>
+              <a:solidFill>
+                <a:srgbClr val="FF0000"/>
+              </a:solidFill>
+            </a:ln>
+          </p:spPr>
+          <p:style>
+            <a:lnRef idx="2">
+              <a:schemeClr val="accent1">
+                <a:shade val="50000"/>
+              </a:schemeClr>
+            </a:lnRef>
+            <a:fillRef idx="1">
+              <a:schemeClr val="accent1"/>
+            </a:fillRef>
+            <a:effectRef idx="0">
+              <a:schemeClr val="accent1"/>
+            </a:effectRef>
+            <a:fontRef idx="minor">
+              <a:schemeClr val="lt1"/>
+            </a:fontRef>
+          </p:style>
+          <p:txBody>
+            <a:bodyPr rtlCol="0" anchor="ctr"/>
+            <a:lstStyle/>
+            <a:p>
+              <a:pPr algn="ctr"/>
+              <a:endParaRPr lang="en-US"/>
+            </a:p>
+          </p:txBody>
+        </p:sp>
+        <p:cxnSp>
+          <p:nvCxnSpPr>
+            <p:cNvPr id="14" name="Connecteur droit avec flèche 13"/>
+            <p:cNvCxnSpPr/>
+            <p:nvPr/>
+          </p:nvCxnSpPr>
+          <p:spPr>
+            <a:xfrm flipV="1">
+              <a:off x="967740" y="4561886"/>
+              <a:ext cx="7620" cy="647099"/>
+            </a:xfrm>
+            <a:prstGeom prst="straightConnector1">
+              <a:avLst/>
+            </a:prstGeom>
+            <a:ln>
+              <a:solidFill>
+                <a:srgbClr val="FF0000"/>
+              </a:solidFill>
+              <a:tailEnd type="triangle"/>
+            </a:ln>
+          </p:spPr>
+          <p:style>
+            <a:lnRef idx="1">
+              <a:schemeClr val="accent1"/>
+            </a:lnRef>
+            <a:fillRef idx="0">
+              <a:schemeClr val="accent1"/>
+            </a:fillRef>
+            <a:effectRef idx="0">
+              <a:schemeClr val="accent1"/>
+            </a:effectRef>
+            <a:fontRef idx="minor">
+              <a:schemeClr val="tx1"/>
+            </a:fontRef>
+          </p:style>
+        </p:cxnSp>
+        <p:sp>
+          <p:nvSpPr>
+            <p:cNvPr id="15" name="ZoneTexte 14"/>
+            <p:cNvSpPr txBox="1"/>
+            <p:nvPr/>
+          </p:nvSpPr>
+          <p:spPr>
+            <a:xfrm>
+              <a:off x="332092" y="5309076"/>
+              <a:ext cx="1545616" cy="369332"/>
+            </a:xfrm>
+            <a:prstGeom prst="rect">
+              <a:avLst/>
+            </a:prstGeom>
+            <a:noFill/>
+          </p:spPr>
+          <p:txBody>
+            <a:bodyPr wrap="none" rtlCol="0">
+              <a:spAutoFit/>
+            </a:bodyPr>
+            <a:lstStyle/>
+            <a:p>
+              <a:r>
+                <a:rPr lang="fr-FR" dirty="0" smtClean="0"/>
+                <a:t>Our 2 </a:t>
+              </a:r>
+              <a:r>
+                <a:rPr lang="fr-FR" dirty="0" err="1" smtClean="0"/>
+                <a:t>targets</a:t>
+              </a:r>
+              <a:endParaRPr lang="en-US" dirty="0"/>
+            </a:p>
+          </p:txBody>
+        </p:sp>
+        <p:sp>
+          <p:nvSpPr>
+            <p:cNvPr id="20" name="Ellipse 19"/>
+            <p:cNvSpPr/>
+            <p:nvPr/>
+          </p:nvSpPr>
+          <p:spPr>
+            <a:xfrm>
+              <a:off x="1979756" y="2276094"/>
+              <a:ext cx="1498601" cy="914400"/>
+            </a:xfrm>
+            <a:prstGeom prst="ellipse">
+              <a:avLst/>
+            </a:prstGeom>
+            <a:noFill/>
+            <a:ln>
+              <a:solidFill>
+                <a:schemeClr val="tx1"/>
+              </a:solidFill>
+            </a:ln>
+          </p:spPr>
+          <p:style>
+            <a:lnRef idx="2">
+              <a:schemeClr val="accent1">
+                <a:shade val="50000"/>
+              </a:schemeClr>
+            </a:lnRef>
+            <a:fillRef idx="1">
+              <a:schemeClr val="accent1"/>
+            </a:fillRef>
+            <a:effectRef idx="0">
+              <a:schemeClr val="accent1"/>
+            </a:effectRef>
+            <a:fontRef idx="minor">
+              <a:schemeClr val="lt1"/>
+            </a:fontRef>
+          </p:style>
+          <p:txBody>
+            <a:bodyPr rtlCol="0" anchor="ctr"/>
+            <a:lstStyle/>
+            <a:p>
+              <a:pPr algn="ctr"/>
+              <a:endParaRPr lang="en-US"/>
+            </a:p>
+          </p:txBody>
+        </p:sp>
+        <p:sp>
+          <p:nvSpPr>
+            <p:cNvPr id="21" name="Ellipse 20"/>
+            <p:cNvSpPr/>
+            <p:nvPr/>
+          </p:nvSpPr>
+          <p:spPr>
+            <a:xfrm>
+              <a:off x="2166024" y="3266702"/>
+              <a:ext cx="2592244" cy="914400"/>
+            </a:xfrm>
+            <a:prstGeom prst="ellipse">
+              <a:avLst/>
+            </a:prstGeom>
+            <a:noFill/>
+            <a:ln>
+              <a:solidFill>
+                <a:schemeClr val="tx1"/>
+              </a:solidFill>
+            </a:ln>
+          </p:spPr>
+          <p:style>
+            <a:lnRef idx="2">
+              <a:schemeClr val="accent1">
+                <a:shade val="50000"/>
+              </a:schemeClr>
+            </a:lnRef>
+            <a:fillRef idx="1">
+              <a:schemeClr val="accent1"/>
+            </a:fillRef>
+            <a:effectRef idx="0">
+              <a:schemeClr val="accent1"/>
+            </a:effectRef>
+            <a:fontRef idx="minor">
+              <a:schemeClr val="lt1"/>
+            </a:fontRef>
+          </p:style>
+          <p:txBody>
+            <a:bodyPr rtlCol="0" anchor="ctr"/>
+            <a:lstStyle/>
+            <a:p>
+              <a:pPr algn="ctr"/>
+              <a:endParaRPr lang="en-US"/>
+            </a:p>
+          </p:txBody>
+        </p:sp>
+      </p:grpSp>
     </p:spTree>
     <p:extLst>
       <p:ext uri="{BB962C8B-B14F-4D97-AF65-F5344CB8AC3E}">
@@ -11513,6 +14337,13 @@
   <p:clrMapOvr>
     <a:masterClrMapping/>
   </p:clrMapOvr>
+  <p:timing>
+    <p:tnLst>
+      <p:par>
+        <p:cTn id="1" dur="indefinite" restart="never" nodeType="tmRoot"/>
+      </p:par>
+    </p:tnLst>
+  </p:timing>
 </p:sld>
 </file>
 
@@ -11535,56 +14366,138 @@
       </p:grpSpPr>
       <p:sp>
         <p:nvSpPr>
-          <p:cNvPr id="2" name="Title 1">
-            <a:extLst>
-              <a:ext uri="{FF2B5EF4-FFF2-40B4-BE49-F238E27FC236}">
-                <a16:creationId xmlns:a16="http://schemas.microsoft.com/office/drawing/2014/main" id="{89079575-2370-44FE-AD22-B44D55D663A0}"/>
-              </a:ext>
-            </a:extLst>
-          </p:cNvPr>
+          <p:cNvPr id="2" name="Titre 1"/>
           <p:cNvSpPr>
             <a:spLocks noGrp="1"/>
           </p:cNvSpPr>
           <p:nvPr>
             <p:ph type="title"/>
+          </p:nvPr>
+        </p:nvSpPr>
+        <p:spPr/>
+        <p:txBody>
+          <a:bodyPr/>
+          <a:lstStyle/>
+          <a:p>
+            <a:r>
+              <a:rPr lang="fr-FR" b="1" dirty="0" err="1" smtClean="0"/>
+              <a:t>Feature</a:t>
+            </a:r>
+            <a:r>
+              <a:rPr lang="fr-FR" b="1" dirty="0" smtClean="0"/>
+              <a:t> Engineering</a:t>
+            </a:r>
+            <a:endParaRPr lang="en-US" b="1" dirty="0"/>
+          </a:p>
+        </p:txBody>
+      </p:sp>
+      <p:sp>
+        <p:nvSpPr>
+          <p:cNvPr id="3" name="Espace réservé du contenu 2"/>
+          <p:cNvSpPr>
+            <a:spLocks noGrp="1"/>
+          </p:cNvSpPr>
+          <p:nvPr>
+            <p:ph idx="1"/>
           </p:nvPr>
         </p:nvSpPr>
         <p:spPr>
           <a:xfrm>
-            <a:off x="1593548" y="2260600"/>
-            <a:ext cx="7344810" cy="2073729"/>
+            <a:off x="541868" y="2160589"/>
+            <a:ext cx="3014132" cy="4245898"/>
           </a:xfrm>
+          <a:ln>
+            <a:solidFill>
+              <a:schemeClr val="tx1"/>
+            </a:solidFill>
+          </a:ln>
         </p:spPr>
         <p:txBody>
           <a:bodyPr>
-            <a:normAutofit/>
+            <a:normAutofit lnSpcReduction="10000"/>
           </a:bodyPr>
           <a:lstStyle/>
           <a:p>
-            <a:pPr algn="ctr"/>
-            <a:r>
-              <a:rPr lang="en-US" sz="6000" b="1"/>
-              <a:t>Dataset </a:t>
-            </a:r>
-            <a:br>
-              <a:rPr lang="en-US" sz="6000" b="1"/>
-            </a:br>
-            <a:r>
-              <a:rPr lang="en-US" sz="6000" b="1"/>
-              <a:t>Exploration</a:t>
-            </a:r>
-          </a:p>
-        </p:txBody>
-      </p:sp>
-      <p:sp>
-        <p:nvSpPr>
-          <p:cNvPr id="4" name="Slide Number Placeholder 3">
-            <a:extLst>
-              <a:ext uri="{FF2B5EF4-FFF2-40B4-BE49-F238E27FC236}">
-                <a16:creationId xmlns:a16="http://schemas.microsoft.com/office/drawing/2014/main" id="{1F146C20-7F83-45E2-BDD5-5D7C8D3DC231}"/>
-              </a:ext>
-            </a:extLst>
-          </p:cNvPr>
+            <a:r>
+              <a:rPr lang="en-US" dirty="0" err="1" smtClean="0"/>
+              <a:t>YearBuilt</a:t>
+            </a:r>
+            <a:endParaRPr lang="en-US" dirty="0" smtClean="0"/>
+          </a:p>
+          <a:p>
+            <a:r>
+              <a:rPr lang="en-US" dirty="0" err="1" smtClean="0"/>
+              <a:t>LargestPropertyUseTypeGFA</a:t>
+            </a:r>
+            <a:endParaRPr lang="en-US" dirty="0" smtClean="0"/>
+          </a:p>
+          <a:p>
+            <a:r>
+              <a:rPr lang="en-US" dirty="0" err="1" smtClean="0"/>
+              <a:t>SecondLargestPropertyUseTypeGFA</a:t>
+            </a:r>
+            <a:endParaRPr lang="en-US" dirty="0" smtClean="0"/>
+          </a:p>
+          <a:p>
+            <a:r>
+              <a:rPr lang="en-US" dirty="0" err="1" smtClean="0"/>
+              <a:t>SecondLargestPropertyUseType</a:t>
+            </a:r>
+            <a:endParaRPr lang="en-US" dirty="0" smtClean="0"/>
+          </a:p>
+          <a:p>
+            <a:r>
+              <a:rPr lang="en-US" dirty="0" err="1" smtClean="0"/>
+              <a:t>ThirdLargestProperty</a:t>
+            </a:r>
+            <a:r>
+              <a:rPr lang="en-US" dirty="0" smtClean="0"/>
+              <a:t> </a:t>
+            </a:r>
+            <a:r>
+              <a:rPr lang="en-US" dirty="0" err="1" smtClean="0"/>
+              <a:t>UseTypeGFA</a:t>
+            </a:r>
+            <a:endParaRPr lang="en-US" dirty="0" smtClean="0"/>
+          </a:p>
+          <a:p>
+            <a:r>
+              <a:rPr lang="en-US" dirty="0" err="1" smtClean="0"/>
+              <a:t>ThirdLargestProperty</a:t>
+            </a:r>
+            <a:r>
+              <a:rPr lang="en-US" dirty="0" smtClean="0"/>
+              <a:t> </a:t>
+            </a:r>
+            <a:r>
+              <a:rPr lang="en-US" dirty="0" err="1" smtClean="0"/>
+              <a:t>UseType</a:t>
+            </a:r>
+            <a:endParaRPr lang="en-US" dirty="0" smtClean="0"/>
+          </a:p>
+          <a:p>
+            <a:r>
+              <a:rPr lang="en-US" dirty="0" err="1" smtClean="0"/>
+              <a:t>PropertyGFAParking</a:t>
+            </a:r>
+            <a:endParaRPr lang="en-US" dirty="0" smtClean="0"/>
+          </a:p>
+          <a:p>
+            <a:r>
+              <a:rPr lang="en-US" dirty="0" err="1"/>
+              <a:t>PropertyGFABuilding</a:t>
+            </a:r>
+            <a:r>
+              <a:rPr lang="en-US" dirty="0"/>
+              <a:t>(s)</a:t>
+            </a:r>
+            <a:endParaRPr lang="en-US" dirty="0" smtClean="0"/>
+          </a:p>
+        </p:txBody>
+      </p:sp>
+      <p:sp>
+        <p:nvSpPr>
+          <p:cNvPr id="4" name="Espace réservé du numéro de diapositive 3"/>
           <p:cNvSpPr>
             <a:spLocks noGrp="1"/>
           </p:cNvSpPr>
@@ -11598,17 +14511,938 @@
           <a:lstStyle/>
           <a:p>
             <a:fld id="{519954A3-9DFD-4C44-94BA-B95130A3BA1C}" type="slidenum">
-              <a:rPr lang="en-US" dirty="0"/>
+              <a:rPr lang="en-US" smtClean="0"/>
               <a:t>9</a:t>
             </a:fld>
             <a:endParaRPr lang="en-US"/>
           </a:p>
         </p:txBody>
       </p:sp>
+      <p:sp>
+        <p:nvSpPr>
+          <p:cNvPr id="5" name="Espace réservé du contenu 2"/>
+          <p:cNvSpPr txBox="1">
+            <a:spLocks/>
+          </p:cNvSpPr>
+          <p:nvPr/>
+        </p:nvSpPr>
+        <p:spPr>
+          <a:xfrm>
+            <a:off x="7255953" y="2160584"/>
+            <a:ext cx="2607733" cy="3880773"/>
+          </a:xfrm>
+          <a:prstGeom prst="rect">
+            <a:avLst/>
+          </a:prstGeom>
+          <a:ln>
+            <a:solidFill>
+              <a:schemeClr val="tx1"/>
+            </a:solidFill>
+          </a:ln>
+        </p:spPr>
+        <p:txBody>
+          <a:bodyPr vert="horz" lIns="91440" tIns="45720" rIns="91440" bIns="45720" rtlCol="0">
+            <a:normAutofit/>
+          </a:bodyPr>
+          <a:lstStyle>
+            <a:lvl1pPr marL="342900" indent="-342900" algn="l" defTabSz="457200" rtl="0" eaLnBrk="1" latinLnBrk="0" hangingPunct="1">
+              <a:spcBef>
+                <a:spcPts val="1000"/>
+              </a:spcBef>
+              <a:spcAft>
+                <a:spcPts val="0"/>
+              </a:spcAft>
+              <a:buClr>
+                <a:schemeClr val="accent1"/>
+              </a:buClr>
+              <a:buSzPct val="80000"/>
+              <a:buFont typeface="Wingdings 3" charset="2"/>
+              <a:buChar char=""/>
+              <a:defRPr sz="1800" kern="1200">
+                <a:solidFill>
+                  <a:schemeClr val="tx1">
+                    <a:lumMod val="75000"/>
+                    <a:lumOff val="25000"/>
+                  </a:schemeClr>
+                </a:solidFill>
+                <a:latin typeface="+mn-lt"/>
+                <a:ea typeface="+mn-ea"/>
+                <a:cs typeface="+mn-cs"/>
+              </a:defRPr>
+            </a:lvl1pPr>
+            <a:lvl2pPr marL="742950" indent="-285750" algn="l" defTabSz="457200" rtl="0" eaLnBrk="1" latinLnBrk="0" hangingPunct="1">
+              <a:spcBef>
+                <a:spcPts val="1000"/>
+              </a:spcBef>
+              <a:spcAft>
+                <a:spcPts val="0"/>
+              </a:spcAft>
+              <a:buClr>
+                <a:schemeClr val="accent1"/>
+              </a:buClr>
+              <a:buSzPct val="80000"/>
+              <a:buFont typeface="Wingdings 3" charset="2"/>
+              <a:buChar char=""/>
+              <a:defRPr sz="1600" kern="1200">
+                <a:solidFill>
+                  <a:schemeClr val="tx1">
+                    <a:lumMod val="75000"/>
+                    <a:lumOff val="25000"/>
+                  </a:schemeClr>
+                </a:solidFill>
+                <a:latin typeface="+mn-lt"/>
+                <a:ea typeface="+mn-ea"/>
+                <a:cs typeface="+mn-cs"/>
+              </a:defRPr>
+            </a:lvl2pPr>
+            <a:lvl3pPr marL="1143000" indent="-228600" algn="l" defTabSz="457200" rtl="0" eaLnBrk="1" latinLnBrk="0" hangingPunct="1">
+              <a:spcBef>
+                <a:spcPts val="1000"/>
+              </a:spcBef>
+              <a:spcAft>
+                <a:spcPts val="0"/>
+              </a:spcAft>
+              <a:buClr>
+                <a:schemeClr val="accent1"/>
+              </a:buClr>
+              <a:buSzPct val="80000"/>
+              <a:buFont typeface="Wingdings 3" charset="2"/>
+              <a:buChar char=""/>
+              <a:defRPr sz="1400" kern="1200">
+                <a:solidFill>
+                  <a:schemeClr val="tx1">
+                    <a:lumMod val="75000"/>
+                    <a:lumOff val="25000"/>
+                  </a:schemeClr>
+                </a:solidFill>
+                <a:latin typeface="+mn-lt"/>
+                <a:ea typeface="+mn-ea"/>
+                <a:cs typeface="+mn-cs"/>
+              </a:defRPr>
+            </a:lvl3pPr>
+            <a:lvl4pPr marL="1600200" indent="-228600" algn="l" defTabSz="457200" rtl="0" eaLnBrk="1" latinLnBrk="0" hangingPunct="1">
+              <a:spcBef>
+                <a:spcPts val="1000"/>
+              </a:spcBef>
+              <a:spcAft>
+                <a:spcPts val="0"/>
+              </a:spcAft>
+              <a:buClr>
+                <a:schemeClr val="accent1"/>
+              </a:buClr>
+              <a:buSzPct val="80000"/>
+              <a:buFont typeface="Wingdings 3" charset="2"/>
+              <a:buChar char=""/>
+              <a:defRPr sz="1200" kern="1200">
+                <a:solidFill>
+                  <a:schemeClr val="tx1">
+                    <a:lumMod val="75000"/>
+                    <a:lumOff val="25000"/>
+                  </a:schemeClr>
+                </a:solidFill>
+                <a:latin typeface="+mn-lt"/>
+                <a:ea typeface="+mn-ea"/>
+                <a:cs typeface="+mn-cs"/>
+              </a:defRPr>
+            </a:lvl4pPr>
+            <a:lvl5pPr marL="2057400" indent="-228600" algn="l" defTabSz="457200" rtl="0" eaLnBrk="1" latinLnBrk="0" hangingPunct="1">
+              <a:spcBef>
+                <a:spcPts val="1000"/>
+              </a:spcBef>
+              <a:spcAft>
+                <a:spcPts val="0"/>
+              </a:spcAft>
+              <a:buClr>
+                <a:schemeClr val="accent1"/>
+              </a:buClr>
+              <a:buSzPct val="80000"/>
+              <a:buFont typeface="Wingdings 3" charset="2"/>
+              <a:buChar char=""/>
+              <a:defRPr sz="1200" kern="1200">
+                <a:solidFill>
+                  <a:schemeClr val="tx1">
+                    <a:lumMod val="75000"/>
+                    <a:lumOff val="25000"/>
+                  </a:schemeClr>
+                </a:solidFill>
+                <a:latin typeface="+mn-lt"/>
+                <a:ea typeface="+mn-ea"/>
+                <a:cs typeface="+mn-cs"/>
+              </a:defRPr>
+            </a:lvl5pPr>
+            <a:lvl6pPr marL="2514600" indent="-228600" algn="l" defTabSz="457200" rtl="0" eaLnBrk="1" latinLnBrk="0" hangingPunct="1">
+              <a:spcBef>
+                <a:spcPts val="1000"/>
+              </a:spcBef>
+              <a:spcAft>
+                <a:spcPts val="0"/>
+              </a:spcAft>
+              <a:buClr>
+                <a:schemeClr val="accent1"/>
+              </a:buClr>
+              <a:buSzPct val="80000"/>
+              <a:buFont typeface="Wingdings 3" charset="2"/>
+              <a:buChar char=""/>
+              <a:defRPr sz="1200" kern="1200">
+                <a:solidFill>
+                  <a:schemeClr val="tx1">
+                    <a:lumMod val="75000"/>
+                    <a:lumOff val="25000"/>
+                  </a:schemeClr>
+                </a:solidFill>
+                <a:latin typeface="+mn-lt"/>
+                <a:ea typeface="+mn-ea"/>
+                <a:cs typeface="+mn-cs"/>
+              </a:defRPr>
+            </a:lvl6pPr>
+            <a:lvl7pPr marL="2971800" indent="-228600" algn="l" defTabSz="457200" rtl="0" eaLnBrk="1" latinLnBrk="0" hangingPunct="1">
+              <a:spcBef>
+                <a:spcPts val="1000"/>
+              </a:spcBef>
+              <a:spcAft>
+                <a:spcPts val="0"/>
+              </a:spcAft>
+              <a:buClr>
+                <a:schemeClr val="accent1"/>
+              </a:buClr>
+              <a:buSzPct val="80000"/>
+              <a:buFont typeface="Wingdings 3" charset="2"/>
+              <a:buChar char=""/>
+              <a:defRPr sz="1200" kern="1200">
+                <a:solidFill>
+                  <a:schemeClr val="tx1">
+                    <a:lumMod val="75000"/>
+                    <a:lumOff val="25000"/>
+                  </a:schemeClr>
+                </a:solidFill>
+                <a:latin typeface="+mn-lt"/>
+                <a:ea typeface="+mn-ea"/>
+                <a:cs typeface="+mn-cs"/>
+              </a:defRPr>
+            </a:lvl7pPr>
+            <a:lvl8pPr marL="3429000" indent="-228600" algn="l" defTabSz="457200" rtl="0" eaLnBrk="1" latinLnBrk="0" hangingPunct="1">
+              <a:spcBef>
+                <a:spcPts val="1000"/>
+              </a:spcBef>
+              <a:spcAft>
+                <a:spcPts val="0"/>
+              </a:spcAft>
+              <a:buClr>
+                <a:schemeClr val="accent1"/>
+              </a:buClr>
+              <a:buSzPct val="80000"/>
+              <a:buFont typeface="Wingdings 3" charset="2"/>
+              <a:buChar char=""/>
+              <a:defRPr sz="1200" kern="1200">
+                <a:solidFill>
+                  <a:schemeClr val="tx1">
+                    <a:lumMod val="75000"/>
+                    <a:lumOff val="25000"/>
+                  </a:schemeClr>
+                </a:solidFill>
+                <a:latin typeface="+mn-lt"/>
+                <a:ea typeface="+mn-ea"/>
+                <a:cs typeface="+mn-cs"/>
+              </a:defRPr>
+            </a:lvl8pPr>
+            <a:lvl9pPr marL="3886200" indent="-228600" algn="l" defTabSz="457200" rtl="0" eaLnBrk="1" latinLnBrk="0" hangingPunct="1">
+              <a:spcBef>
+                <a:spcPts val="1000"/>
+              </a:spcBef>
+              <a:spcAft>
+                <a:spcPts val="0"/>
+              </a:spcAft>
+              <a:buClr>
+                <a:schemeClr val="accent1"/>
+              </a:buClr>
+              <a:buSzPct val="80000"/>
+              <a:buFont typeface="Wingdings 3" charset="2"/>
+              <a:buChar char=""/>
+              <a:defRPr sz="1200" kern="1200">
+                <a:solidFill>
+                  <a:schemeClr val="tx1">
+                    <a:lumMod val="75000"/>
+                    <a:lumOff val="25000"/>
+                  </a:schemeClr>
+                </a:solidFill>
+                <a:latin typeface="+mn-lt"/>
+                <a:ea typeface="+mn-ea"/>
+                <a:cs typeface="+mn-cs"/>
+              </a:defRPr>
+            </a:lvl9pPr>
+          </a:lstStyle>
+          <a:p>
+            <a:r>
+              <a:rPr lang="en-US" dirty="0" err="1" smtClean="0"/>
+              <a:t>AgeofBuilding</a:t>
+            </a:r>
+            <a:endParaRPr lang="en-US" dirty="0" smtClean="0"/>
+          </a:p>
+          <a:p>
+            <a:r>
+              <a:rPr lang="en-US" dirty="0" err="1" smtClean="0"/>
+              <a:t>MeanBuildingGFA</a:t>
+            </a:r>
+            <a:endParaRPr lang="en-US" dirty="0" smtClean="0"/>
+          </a:p>
+          <a:p>
+            <a:pPr marL="0" indent="0">
+              <a:buNone/>
+            </a:pPr>
+            <a:endParaRPr lang="en-US" dirty="0" smtClean="0"/>
+          </a:p>
+          <a:p>
+            <a:r>
+              <a:rPr lang="en-US" dirty="0" err="1" smtClean="0"/>
+              <a:t>MeanFloorGFA</a:t>
+            </a:r>
+            <a:endParaRPr lang="en-US" dirty="0" smtClean="0"/>
+          </a:p>
+          <a:p>
+            <a:pPr marL="0" indent="0">
+              <a:buNone/>
+            </a:pPr>
+            <a:endParaRPr lang="en-US" dirty="0" smtClean="0"/>
+          </a:p>
+          <a:p>
+            <a:r>
+              <a:rPr lang="en-US" dirty="0" err="1" smtClean="0"/>
+              <a:t>BuildingGFApct</a:t>
+            </a:r>
+            <a:endParaRPr lang="en-US" dirty="0" smtClean="0"/>
+          </a:p>
+          <a:p>
+            <a:endParaRPr lang="en-US" dirty="0" smtClean="0"/>
+          </a:p>
+          <a:p>
+            <a:r>
+              <a:rPr lang="en-US" dirty="0" err="1"/>
+              <a:t>ParkingGFApct</a:t>
+            </a:r>
+            <a:endParaRPr lang="en-US" dirty="0" smtClean="0"/>
+          </a:p>
+        </p:txBody>
+      </p:sp>
+      <p:sp>
+        <p:nvSpPr>
+          <p:cNvPr id="6" name="Espace réservé du contenu 2"/>
+          <p:cNvSpPr txBox="1">
+            <a:spLocks/>
+          </p:cNvSpPr>
+          <p:nvPr/>
+        </p:nvSpPr>
+        <p:spPr>
+          <a:xfrm>
+            <a:off x="3937001" y="2160580"/>
+            <a:ext cx="2607733" cy="3880773"/>
+          </a:xfrm>
+          <a:prstGeom prst="rect">
+            <a:avLst/>
+          </a:prstGeom>
+          <a:ln>
+            <a:solidFill>
+              <a:schemeClr val="tx1"/>
+            </a:solidFill>
+          </a:ln>
+        </p:spPr>
+        <p:txBody>
+          <a:bodyPr vert="horz" lIns="91440" tIns="45720" rIns="91440" bIns="45720" rtlCol="0">
+            <a:normAutofit/>
+          </a:bodyPr>
+          <a:lstStyle>
+            <a:lvl1pPr marL="342900" indent="-342900" algn="l" defTabSz="457200" rtl="0" eaLnBrk="1" latinLnBrk="0" hangingPunct="1">
+              <a:spcBef>
+                <a:spcPts val="1000"/>
+              </a:spcBef>
+              <a:spcAft>
+                <a:spcPts val="0"/>
+              </a:spcAft>
+              <a:buClr>
+                <a:schemeClr val="accent1"/>
+              </a:buClr>
+              <a:buSzPct val="80000"/>
+              <a:buFont typeface="Wingdings 3" charset="2"/>
+              <a:buChar char=""/>
+              <a:defRPr sz="1800" kern="1200">
+                <a:solidFill>
+                  <a:schemeClr val="tx1">
+                    <a:lumMod val="75000"/>
+                    <a:lumOff val="25000"/>
+                  </a:schemeClr>
+                </a:solidFill>
+                <a:latin typeface="+mn-lt"/>
+                <a:ea typeface="+mn-ea"/>
+                <a:cs typeface="+mn-cs"/>
+              </a:defRPr>
+            </a:lvl1pPr>
+            <a:lvl2pPr marL="742950" indent="-285750" algn="l" defTabSz="457200" rtl="0" eaLnBrk="1" latinLnBrk="0" hangingPunct="1">
+              <a:spcBef>
+                <a:spcPts val="1000"/>
+              </a:spcBef>
+              <a:spcAft>
+                <a:spcPts val="0"/>
+              </a:spcAft>
+              <a:buClr>
+                <a:schemeClr val="accent1"/>
+              </a:buClr>
+              <a:buSzPct val="80000"/>
+              <a:buFont typeface="Wingdings 3" charset="2"/>
+              <a:buChar char=""/>
+              <a:defRPr sz="1600" kern="1200">
+                <a:solidFill>
+                  <a:schemeClr val="tx1">
+                    <a:lumMod val="75000"/>
+                    <a:lumOff val="25000"/>
+                  </a:schemeClr>
+                </a:solidFill>
+                <a:latin typeface="+mn-lt"/>
+                <a:ea typeface="+mn-ea"/>
+                <a:cs typeface="+mn-cs"/>
+              </a:defRPr>
+            </a:lvl2pPr>
+            <a:lvl3pPr marL="1143000" indent="-228600" algn="l" defTabSz="457200" rtl="0" eaLnBrk="1" latinLnBrk="0" hangingPunct="1">
+              <a:spcBef>
+                <a:spcPts val="1000"/>
+              </a:spcBef>
+              <a:spcAft>
+                <a:spcPts val="0"/>
+              </a:spcAft>
+              <a:buClr>
+                <a:schemeClr val="accent1"/>
+              </a:buClr>
+              <a:buSzPct val="80000"/>
+              <a:buFont typeface="Wingdings 3" charset="2"/>
+              <a:buChar char=""/>
+              <a:defRPr sz="1400" kern="1200">
+                <a:solidFill>
+                  <a:schemeClr val="tx1">
+                    <a:lumMod val="75000"/>
+                    <a:lumOff val="25000"/>
+                  </a:schemeClr>
+                </a:solidFill>
+                <a:latin typeface="+mn-lt"/>
+                <a:ea typeface="+mn-ea"/>
+                <a:cs typeface="+mn-cs"/>
+              </a:defRPr>
+            </a:lvl3pPr>
+            <a:lvl4pPr marL="1600200" indent="-228600" algn="l" defTabSz="457200" rtl="0" eaLnBrk="1" latinLnBrk="0" hangingPunct="1">
+              <a:spcBef>
+                <a:spcPts val="1000"/>
+              </a:spcBef>
+              <a:spcAft>
+                <a:spcPts val="0"/>
+              </a:spcAft>
+              <a:buClr>
+                <a:schemeClr val="accent1"/>
+              </a:buClr>
+              <a:buSzPct val="80000"/>
+              <a:buFont typeface="Wingdings 3" charset="2"/>
+              <a:buChar char=""/>
+              <a:defRPr sz="1200" kern="1200">
+                <a:solidFill>
+                  <a:schemeClr val="tx1">
+                    <a:lumMod val="75000"/>
+                    <a:lumOff val="25000"/>
+                  </a:schemeClr>
+                </a:solidFill>
+                <a:latin typeface="+mn-lt"/>
+                <a:ea typeface="+mn-ea"/>
+                <a:cs typeface="+mn-cs"/>
+              </a:defRPr>
+            </a:lvl4pPr>
+            <a:lvl5pPr marL="2057400" indent="-228600" algn="l" defTabSz="457200" rtl="0" eaLnBrk="1" latinLnBrk="0" hangingPunct="1">
+              <a:spcBef>
+                <a:spcPts val="1000"/>
+              </a:spcBef>
+              <a:spcAft>
+                <a:spcPts val="0"/>
+              </a:spcAft>
+              <a:buClr>
+                <a:schemeClr val="accent1"/>
+              </a:buClr>
+              <a:buSzPct val="80000"/>
+              <a:buFont typeface="Wingdings 3" charset="2"/>
+              <a:buChar char=""/>
+              <a:defRPr sz="1200" kern="1200">
+                <a:solidFill>
+                  <a:schemeClr val="tx1">
+                    <a:lumMod val="75000"/>
+                    <a:lumOff val="25000"/>
+                  </a:schemeClr>
+                </a:solidFill>
+                <a:latin typeface="+mn-lt"/>
+                <a:ea typeface="+mn-ea"/>
+                <a:cs typeface="+mn-cs"/>
+              </a:defRPr>
+            </a:lvl5pPr>
+            <a:lvl6pPr marL="2514600" indent="-228600" algn="l" defTabSz="457200" rtl="0" eaLnBrk="1" latinLnBrk="0" hangingPunct="1">
+              <a:spcBef>
+                <a:spcPts val="1000"/>
+              </a:spcBef>
+              <a:spcAft>
+                <a:spcPts val="0"/>
+              </a:spcAft>
+              <a:buClr>
+                <a:schemeClr val="accent1"/>
+              </a:buClr>
+              <a:buSzPct val="80000"/>
+              <a:buFont typeface="Wingdings 3" charset="2"/>
+              <a:buChar char=""/>
+              <a:defRPr sz="1200" kern="1200">
+                <a:solidFill>
+                  <a:schemeClr val="tx1">
+                    <a:lumMod val="75000"/>
+                    <a:lumOff val="25000"/>
+                  </a:schemeClr>
+                </a:solidFill>
+                <a:latin typeface="+mn-lt"/>
+                <a:ea typeface="+mn-ea"/>
+                <a:cs typeface="+mn-cs"/>
+              </a:defRPr>
+            </a:lvl6pPr>
+            <a:lvl7pPr marL="2971800" indent="-228600" algn="l" defTabSz="457200" rtl="0" eaLnBrk="1" latinLnBrk="0" hangingPunct="1">
+              <a:spcBef>
+                <a:spcPts val="1000"/>
+              </a:spcBef>
+              <a:spcAft>
+                <a:spcPts val="0"/>
+              </a:spcAft>
+              <a:buClr>
+                <a:schemeClr val="accent1"/>
+              </a:buClr>
+              <a:buSzPct val="80000"/>
+              <a:buFont typeface="Wingdings 3" charset="2"/>
+              <a:buChar char=""/>
+              <a:defRPr sz="1200" kern="1200">
+                <a:solidFill>
+                  <a:schemeClr val="tx1">
+                    <a:lumMod val="75000"/>
+                    <a:lumOff val="25000"/>
+                  </a:schemeClr>
+                </a:solidFill>
+                <a:latin typeface="+mn-lt"/>
+                <a:ea typeface="+mn-ea"/>
+                <a:cs typeface="+mn-cs"/>
+              </a:defRPr>
+            </a:lvl7pPr>
+            <a:lvl8pPr marL="3429000" indent="-228600" algn="l" defTabSz="457200" rtl="0" eaLnBrk="1" latinLnBrk="0" hangingPunct="1">
+              <a:spcBef>
+                <a:spcPts val="1000"/>
+              </a:spcBef>
+              <a:spcAft>
+                <a:spcPts val="0"/>
+              </a:spcAft>
+              <a:buClr>
+                <a:schemeClr val="accent1"/>
+              </a:buClr>
+              <a:buSzPct val="80000"/>
+              <a:buFont typeface="Wingdings 3" charset="2"/>
+              <a:buChar char=""/>
+              <a:defRPr sz="1200" kern="1200">
+                <a:solidFill>
+                  <a:schemeClr val="tx1">
+                    <a:lumMod val="75000"/>
+                    <a:lumOff val="25000"/>
+                  </a:schemeClr>
+                </a:solidFill>
+                <a:latin typeface="+mn-lt"/>
+                <a:ea typeface="+mn-ea"/>
+                <a:cs typeface="+mn-cs"/>
+              </a:defRPr>
+            </a:lvl8pPr>
+            <a:lvl9pPr marL="3886200" indent="-228600" algn="l" defTabSz="457200" rtl="0" eaLnBrk="1" latinLnBrk="0" hangingPunct="1">
+              <a:spcBef>
+                <a:spcPts val="1000"/>
+              </a:spcBef>
+              <a:spcAft>
+                <a:spcPts val="0"/>
+              </a:spcAft>
+              <a:buClr>
+                <a:schemeClr val="accent1"/>
+              </a:buClr>
+              <a:buSzPct val="80000"/>
+              <a:buFont typeface="Wingdings 3" charset="2"/>
+              <a:buChar char=""/>
+              <a:defRPr sz="1200" kern="1200">
+                <a:solidFill>
+                  <a:schemeClr val="tx1">
+                    <a:lumMod val="75000"/>
+                    <a:lumOff val="25000"/>
+                  </a:schemeClr>
+                </a:solidFill>
+                <a:latin typeface="+mn-lt"/>
+                <a:ea typeface="+mn-ea"/>
+                <a:cs typeface="+mn-cs"/>
+              </a:defRPr>
+            </a:lvl9pPr>
+          </a:lstStyle>
+          <a:p>
+            <a:r>
+              <a:rPr lang="en-US" dirty="0" err="1" smtClean="0"/>
+              <a:t>DataYear</a:t>
+            </a:r>
+            <a:r>
+              <a:rPr lang="en-US" dirty="0" smtClean="0"/>
+              <a:t> – </a:t>
+            </a:r>
+            <a:r>
+              <a:rPr lang="en-US" dirty="0" err="1" smtClean="0"/>
+              <a:t>YearBuilt</a:t>
+            </a:r>
+            <a:endParaRPr lang="en-US" dirty="0" smtClean="0"/>
+          </a:p>
+          <a:p>
+            <a:r>
+              <a:rPr lang="en-US" dirty="0" err="1" smtClean="0"/>
+              <a:t>PropertyGFATotal</a:t>
+            </a:r>
+            <a:r>
+              <a:rPr lang="en-US" dirty="0" smtClean="0"/>
+              <a:t> </a:t>
+            </a:r>
+            <a:r>
+              <a:rPr lang="en-US" dirty="0"/>
+              <a:t>/ </a:t>
+            </a:r>
+            <a:r>
+              <a:rPr lang="en-US" dirty="0" err="1" smtClean="0"/>
+              <a:t>NumberofBuildings</a:t>
+            </a:r>
+            <a:endParaRPr lang="en-US" dirty="0" smtClean="0"/>
+          </a:p>
+          <a:p>
+            <a:r>
+              <a:rPr lang="en-US" dirty="0" err="1" smtClean="0"/>
+              <a:t>PropertyGFATotal</a:t>
+            </a:r>
+            <a:r>
+              <a:rPr lang="en-US" dirty="0" smtClean="0"/>
+              <a:t> </a:t>
+            </a:r>
+            <a:r>
+              <a:rPr lang="en-US" dirty="0"/>
+              <a:t>/ </a:t>
+            </a:r>
+            <a:r>
+              <a:rPr lang="en-US" dirty="0" err="1" smtClean="0"/>
+              <a:t>NumberofFloors</a:t>
+            </a:r>
+            <a:endParaRPr lang="en-US" dirty="0" smtClean="0"/>
+          </a:p>
+          <a:p>
+            <a:r>
+              <a:rPr lang="fr-FR" dirty="0" err="1" smtClean="0"/>
+              <a:t>PropertyGFABuilding</a:t>
+            </a:r>
+            <a:r>
+              <a:rPr lang="fr-FR" dirty="0" smtClean="0"/>
+              <a:t> </a:t>
+            </a:r>
+            <a:r>
+              <a:rPr lang="fr-FR" dirty="0"/>
+              <a:t>/ </a:t>
+            </a:r>
+            <a:r>
+              <a:rPr lang="fr-FR" dirty="0" err="1" smtClean="0"/>
+              <a:t>PropertyGFATotal</a:t>
+            </a:r>
+            <a:endParaRPr lang="fr-FR" dirty="0" smtClean="0"/>
+          </a:p>
+          <a:p>
+            <a:endParaRPr lang="fr-FR" dirty="0"/>
+          </a:p>
+          <a:p>
+            <a:r>
+              <a:rPr lang="fr-FR" dirty="0" err="1" smtClean="0"/>
+              <a:t>PropertyGFAParking</a:t>
+            </a:r>
+            <a:r>
+              <a:rPr lang="fr-FR" dirty="0" smtClean="0"/>
+              <a:t> / </a:t>
+            </a:r>
+            <a:r>
+              <a:rPr lang="fr-FR" dirty="0" err="1" smtClean="0"/>
+              <a:t>PropertyGFATotal</a:t>
+            </a:r>
+            <a:endParaRPr lang="fr-FR" dirty="0"/>
+          </a:p>
+        </p:txBody>
+      </p:sp>
+      <p:sp>
+        <p:nvSpPr>
+          <p:cNvPr id="7" name="ZoneTexte 6"/>
+          <p:cNvSpPr txBox="1"/>
+          <p:nvPr/>
+        </p:nvSpPr>
+        <p:spPr>
+          <a:xfrm>
+            <a:off x="897467" y="1676158"/>
+            <a:ext cx="2004075" cy="369332"/>
+          </a:xfrm>
+          <a:prstGeom prst="rect">
+            <a:avLst/>
+          </a:prstGeom>
+          <a:noFill/>
+        </p:spPr>
+        <p:txBody>
+          <a:bodyPr wrap="none" rtlCol="0">
+            <a:spAutoFit/>
+          </a:bodyPr>
+          <a:lstStyle/>
+          <a:p>
+            <a:r>
+              <a:rPr lang="fr-FR" i="1" u="sng" dirty="0" err="1" smtClean="0"/>
+              <a:t>Features</a:t>
+            </a:r>
+            <a:r>
+              <a:rPr lang="fr-FR" i="1" u="sng" dirty="0" smtClean="0"/>
+              <a:t> </a:t>
+            </a:r>
+            <a:r>
+              <a:rPr lang="fr-FR" i="1" u="sng" dirty="0" err="1" smtClean="0"/>
+              <a:t>dropped</a:t>
+            </a:r>
+            <a:endParaRPr lang="en-US" i="1" u="sng" dirty="0"/>
+          </a:p>
+        </p:txBody>
+      </p:sp>
+      <p:sp>
+        <p:nvSpPr>
+          <p:cNvPr id="8" name="ZoneTexte 7"/>
+          <p:cNvSpPr txBox="1"/>
+          <p:nvPr/>
+        </p:nvSpPr>
+        <p:spPr>
+          <a:xfrm>
+            <a:off x="4495826" y="1676156"/>
+            <a:ext cx="1475084" cy="369332"/>
+          </a:xfrm>
+          <a:prstGeom prst="rect">
+            <a:avLst/>
+          </a:prstGeom>
+          <a:noFill/>
+        </p:spPr>
+        <p:txBody>
+          <a:bodyPr wrap="none" rtlCol="0">
+            <a:spAutoFit/>
+          </a:bodyPr>
+          <a:lstStyle/>
+          <a:p>
+            <a:r>
+              <a:rPr lang="fr-FR" i="1" u="sng" dirty="0" smtClean="0"/>
+              <a:t>Relationship</a:t>
+            </a:r>
+            <a:endParaRPr lang="en-US" i="1" u="sng" dirty="0"/>
+          </a:p>
+        </p:txBody>
+      </p:sp>
+      <p:sp>
+        <p:nvSpPr>
+          <p:cNvPr id="9" name="ZoneTexte 8"/>
+          <p:cNvSpPr txBox="1"/>
+          <p:nvPr/>
+        </p:nvSpPr>
+        <p:spPr>
+          <a:xfrm>
+            <a:off x="7543823" y="1676152"/>
+            <a:ext cx="2004075" cy="369332"/>
+          </a:xfrm>
+          <a:prstGeom prst="rect">
+            <a:avLst/>
+          </a:prstGeom>
+          <a:noFill/>
+        </p:spPr>
+        <p:txBody>
+          <a:bodyPr wrap="none" rtlCol="0">
+            <a:spAutoFit/>
+          </a:bodyPr>
+          <a:lstStyle/>
+          <a:p>
+            <a:r>
+              <a:rPr lang="fr-FR" i="1" u="sng" dirty="0" err="1" smtClean="0"/>
+              <a:t>Features</a:t>
+            </a:r>
+            <a:r>
+              <a:rPr lang="fr-FR" i="1" u="sng" dirty="0" smtClean="0"/>
+              <a:t> </a:t>
+            </a:r>
+            <a:r>
+              <a:rPr lang="fr-FR" i="1" u="sng" dirty="0" err="1" smtClean="0"/>
+              <a:t>dropped</a:t>
+            </a:r>
+            <a:endParaRPr lang="en-US" i="1" u="sng" dirty="0"/>
+          </a:p>
+        </p:txBody>
+      </p:sp>
+      <p:cxnSp>
+        <p:nvCxnSpPr>
+          <p:cNvPr id="11" name="Connecteur droit avec flèche 10"/>
+          <p:cNvCxnSpPr/>
+          <p:nvPr/>
+        </p:nvCxnSpPr>
+        <p:spPr>
+          <a:xfrm flipV="1">
+            <a:off x="6619875" y="5219700"/>
+            <a:ext cx="504825" cy="106364"/>
+          </a:xfrm>
+          <a:prstGeom prst="straightConnector1">
+            <a:avLst/>
+          </a:prstGeom>
+          <a:ln>
+            <a:tailEnd type="triangle"/>
+          </a:ln>
+        </p:spPr>
+        <p:style>
+          <a:lnRef idx="1">
+            <a:schemeClr val="accent1"/>
+          </a:lnRef>
+          <a:fillRef idx="0">
+            <a:schemeClr val="accent1"/>
+          </a:fillRef>
+          <a:effectRef idx="0">
+            <a:schemeClr val="accent1"/>
+          </a:effectRef>
+          <a:fontRef idx="minor">
+            <a:schemeClr val="tx1"/>
+          </a:fontRef>
+        </p:style>
+      </p:cxnSp>
+      <p:cxnSp>
+        <p:nvCxnSpPr>
+          <p:cNvPr id="12" name="Connecteur droit avec flèche 11"/>
+          <p:cNvCxnSpPr/>
+          <p:nvPr/>
+        </p:nvCxnSpPr>
+        <p:spPr>
+          <a:xfrm flipV="1">
+            <a:off x="6642639" y="2809875"/>
+            <a:ext cx="510636" cy="104776"/>
+          </a:xfrm>
+          <a:prstGeom prst="straightConnector1">
+            <a:avLst/>
+          </a:prstGeom>
+          <a:ln>
+            <a:tailEnd type="triangle"/>
+          </a:ln>
+        </p:spPr>
+        <p:style>
+          <a:lnRef idx="1">
+            <a:schemeClr val="accent1"/>
+          </a:lnRef>
+          <a:fillRef idx="0">
+            <a:schemeClr val="accent1"/>
+          </a:fillRef>
+          <a:effectRef idx="0">
+            <a:schemeClr val="accent1"/>
+          </a:effectRef>
+          <a:fontRef idx="minor">
+            <a:schemeClr val="tx1"/>
+          </a:fontRef>
+        </p:style>
+      </p:cxnSp>
+      <p:cxnSp>
+        <p:nvCxnSpPr>
+          <p:cNvPr id="13" name="Connecteur droit avec flèche 12"/>
+          <p:cNvCxnSpPr/>
+          <p:nvPr/>
+        </p:nvCxnSpPr>
+        <p:spPr>
+          <a:xfrm flipV="1">
+            <a:off x="6610350" y="3590925"/>
+            <a:ext cx="514350" cy="41276"/>
+          </a:xfrm>
+          <a:prstGeom prst="straightConnector1">
+            <a:avLst/>
+          </a:prstGeom>
+          <a:ln>
+            <a:tailEnd type="triangle"/>
+          </a:ln>
+        </p:spPr>
+        <p:style>
+          <a:lnRef idx="1">
+            <a:schemeClr val="accent1"/>
+          </a:lnRef>
+          <a:fillRef idx="0">
+            <a:schemeClr val="accent1"/>
+          </a:fillRef>
+          <a:effectRef idx="0">
+            <a:schemeClr val="accent1"/>
+          </a:effectRef>
+          <a:fontRef idx="minor">
+            <a:schemeClr val="tx1"/>
+          </a:fontRef>
+        </p:style>
+      </p:cxnSp>
+      <p:cxnSp>
+        <p:nvCxnSpPr>
+          <p:cNvPr id="14" name="Connecteur droit avec flèche 13"/>
+          <p:cNvCxnSpPr/>
+          <p:nvPr/>
+        </p:nvCxnSpPr>
+        <p:spPr>
+          <a:xfrm>
+            <a:off x="6610350" y="4269251"/>
+            <a:ext cx="514350" cy="99549"/>
+          </a:xfrm>
+          <a:prstGeom prst="straightConnector1">
+            <a:avLst/>
+          </a:prstGeom>
+          <a:ln>
+            <a:tailEnd type="triangle"/>
+          </a:ln>
+        </p:spPr>
+        <p:style>
+          <a:lnRef idx="1">
+            <a:schemeClr val="accent1"/>
+          </a:lnRef>
+          <a:fillRef idx="0">
+            <a:schemeClr val="accent1"/>
+          </a:fillRef>
+          <a:effectRef idx="0">
+            <a:schemeClr val="accent1"/>
+          </a:effectRef>
+          <a:fontRef idx="minor">
+            <a:schemeClr val="tx1"/>
+          </a:fontRef>
+        </p:style>
+      </p:cxnSp>
+      <p:cxnSp>
+        <p:nvCxnSpPr>
+          <p:cNvPr id="15" name="Connecteur droit avec flèche 14"/>
+          <p:cNvCxnSpPr/>
+          <p:nvPr/>
+        </p:nvCxnSpPr>
+        <p:spPr>
+          <a:xfrm flipV="1">
+            <a:off x="6647931" y="2343150"/>
+            <a:ext cx="467244" cy="19051"/>
+          </a:xfrm>
+          <a:prstGeom prst="straightConnector1">
+            <a:avLst/>
+          </a:prstGeom>
+          <a:ln>
+            <a:tailEnd type="triangle"/>
+          </a:ln>
+        </p:spPr>
+        <p:style>
+          <a:lnRef idx="1">
+            <a:schemeClr val="accent1"/>
+          </a:lnRef>
+          <a:fillRef idx="0">
+            <a:schemeClr val="accent1"/>
+          </a:fillRef>
+          <a:effectRef idx="0">
+            <a:schemeClr val="accent1"/>
+          </a:effectRef>
+          <a:fontRef idx="minor">
+            <a:schemeClr val="tx1"/>
+          </a:fontRef>
+        </p:style>
+      </p:cxnSp>
     </p:spTree>
     <p:extLst>
       <p:ext uri="{BB962C8B-B14F-4D97-AF65-F5344CB8AC3E}">
-        <p14:creationId xmlns:p14="http://schemas.microsoft.com/office/powerpoint/2010/main" val="4253466535"/>
+        <p14:creationId xmlns:p14="http://schemas.microsoft.com/office/powerpoint/2010/main" val="2844516788"/>
       </p:ext>
     </p:extLst>
   </p:cSld>
